--- a/src/main/doc/zuo/体系PPT/第1节.pptx
+++ b/src/main/doc/zuo/体系PPT/第1节.pptx
@@ -1,37 +1,37 @@
 
 <file path=ppt/presentation.xml><?xml version="1.0" encoding="utf-8"?>
-<p:presentation xmlns:a="http://schemas.openxmlformats.org/drawingml/2006/main" xmlns:r="http://schemas.openxmlformats.org/officeDocument/2006/relationships" xmlns:p="http://schemas.openxmlformats.org/presentationml/2006/main" saveSubsetFonts="1">
+<p:presentation xmlns:a="http://schemas.openxmlformats.org/drawingml/2006/main" xmlns:r="http://schemas.openxmlformats.org/officeDocument/2006/relationships" xmlns:p="http://schemas.openxmlformats.org/presentationml/2006/main">
   <p:sldMasterIdLst>
     <p:sldMasterId id="2147483648" r:id="rId1"/>
   </p:sldMasterIdLst>
   <p:notesMasterIdLst>
-    <p:notesMasterId r:id="rId26"/>
+    <p:notesMasterId r:id="rId27"/>
   </p:notesMasterIdLst>
   <p:sldIdLst>
-    <p:sldId id="256" r:id="rId2"/>
-    <p:sldId id="295" r:id="rId3"/>
-    <p:sldId id="304" r:id="rId4"/>
-    <p:sldId id="305" r:id="rId5"/>
-    <p:sldId id="307" r:id="rId6"/>
-    <p:sldId id="306" r:id="rId7"/>
-    <p:sldId id="309" r:id="rId8"/>
-    <p:sldId id="308" r:id="rId9"/>
-    <p:sldId id="310" r:id="rId10"/>
-    <p:sldId id="311" r:id="rId11"/>
-    <p:sldId id="312" r:id="rId12"/>
-    <p:sldId id="313" r:id="rId13"/>
-    <p:sldId id="314" r:id="rId14"/>
-    <p:sldId id="315" r:id="rId15"/>
-    <p:sldId id="316" r:id="rId16"/>
-    <p:sldId id="317" r:id="rId17"/>
-    <p:sldId id="318" r:id="rId18"/>
-    <p:sldId id="319" r:id="rId19"/>
-    <p:sldId id="320" r:id="rId20"/>
-    <p:sldId id="331" r:id="rId21"/>
-    <p:sldId id="321" r:id="rId22"/>
-    <p:sldId id="323" r:id="rId23"/>
-    <p:sldId id="322" r:id="rId24"/>
-    <p:sldId id="330" r:id="rId25"/>
+    <p:sldId id="256" r:id="rId3"/>
+    <p:sldId id="295" r:id="rId4"/>
+    <p:sldId id="304" r:id="rId5"/>
+    <p:sldId id="305" r:id="rId6"/>
+    <p:sldId id="307" r:id="rId7"/>
+    <p:sldId id="306" r:id="rId8"/>
+    <p:sldId id="309" r:id="rId9"/>
+    <p:sldId id="308" r:id="rId10"/>
+    <p:sldId id="310" r:id="rId11"/>
+    <p:sldId id="311" r:id="rId12"/>
+    <p:sldId id="312" r:id="rId13"/>
+    <p:sldId id="313" r:id="rId14"/>
+    <p:sldId id="314" r:id="rId15"/>
+    <p:sldId id="315" r:id="rId16"/>
+    <p:sldId id="316" r:id="rId17"/>
+    <p:sldId id="317" r:id="rId18"/>
+    <p:sldId id="318" r:id="rId19"/>
+    <p:sldId id="319" r:id="rId20"/>
+    <p:sldId id="320" r:id="rId21"/>
+    <p:sldId id="331" r:id="rId22"/>
+    <p:sldId id="321" r:id="rId23"/>
+    <p:sldId id="323" r:id="rId24"/>
+    <p:sldId id="322" r:id="rId25"/>
+    <p:sldId id="330" r:id="rId26"/>
   </p:sldIdLst>
   <p:sldSz cx="12192000" cy="6858000"/>
   <p:notesSz cx="6858000" cy="9144000"/>
@@ -130,11 +130,6 @@
       </a:defRPr>
     </a:lvl9pPr>
   </p:defaultTextStyle>
-  <p:extLst>
-    <p:ext uri="{EFAFB233-063F-42B5-8137-9DF3F51BA10A}">
-      <p15:sldGuideLst xmlns:p15="http://schemas.microsoft.com/office/powerpoint/2012/main"/>
-    </p:ext>
-  </p:extLst>
 </p:presentation>
 </file>
 
@@ -220,7 +215,6 @@
           <a:p>
             <a:fld id="{782028E9-46BA-4C86-9A29-AE961B0360E3}" type="datetimeFigureOut">
               <a:rPr lang="zh-CN" altLang="en-US" smtClean="0"/>
-              <a:t>2020/12/22</a:t>
             </a:fld>
             <a:endParaRPr lang="zh-CN" altLang="en-US"/>
           </a:p>
@@ -287,6 +281,7 @@
               <a:rPr lang="zh-CN" altLang="en-US"/>
               <a:t>单击此处编辑母版文本样式</a:t>
             </a:r>
+            <a:endParaRPr lang="zh-CN" altLang="en-US"/>
           </a:p>
           <a:p>
             <a:pPr lvl="1"/>
@@ -294,6 +289,7 @@
               <a:rPr lang="zh-CN" altLang="en-US"/>
               <a:t>二级</a:t>
             </a:r>
+            <a:endParaRPr lang="zh-CN" altLang="en-US"/>
           </a:p>
           <a:p>
             <a:pPr lvl="2"/>
@@ -301,6 +297,7 @@
               <a:rPr lang="zh-CN" altLang="en-US"/>
               <a:t>三级</a:t>
             </a:r>
+            <a:endParaRPr lang="zh-CN" altLang="en-US"/>
           </a:p>
           <a:p>
             <a:pPr lvl="3"/>
@@ -308,6 +305,7 @@
               <a:rPr lang="zh-CN" altLang="en-US"/>
               <a:t>四级</a:t>
             </a:r>
+            <a:endParaRPr lang="zh-CN" altLang="en-US"/>
           </a:p>
           <a:p>
             <a:pPr lvl="4"/>
@@ -315,6 +313,7 @@
               <a:rPr lang="zh-CN" altLang="en-US"/>
               <a:t>五级</a:t>
             </a:r>
+            <a:endParaRPr lang="zh-CN" altLang="en-US"/>
           </a:p>
         </p:txBody>
       </p:sp>
@@ -378,18 +377,12 @@
           <a:p>
             <a:fld id="{2171295E-5950-443C-8D3C-0D5E857841B0}" type="slidenum">
               <a:rPr lang="zh-CN" altLang="en-US" smtClean="0"/>
-              <a:t>‹#›</a:t>
             </a:fld>
             <a:endParaRPr lang="zh-CN" altLang="en-US"/>
           </a:p>
         </p:txBody>
       </p:sp>
     </p:spTree>
-    <p:extLst>
-      <p:ext uri="{BB962C8B-B14F-4D97-AF65-F5344CB8AC3E}">
-        <p14:creationId xmlns:p14="http://schemas.microsoft.com/office/powerpoint/2010/main" val="3686372617"/>
-      </p:ext>
-    </p:extLst>
   </p:cSld>
   <p:clrMap bg1="lt1" tx1="dk1" bg2="lt2" tx2="dk2" accent1="accent1" accent2="accent2" accent3="accent3" accent4="accent4" accent5="accent5" accent6="accent6" hlink="hlink" folHlink="folHlink"/>
   <p:notesStyle>
@@ -506,13 +499,7 @@
       </p:grpSpPr>
       <p:sp>
         <p:nvSpPr>
-          <p:cNvPr id="2" name="标题 1">
-            <a:extLst>
-              <a:ext uri="{FF2B5EF4-FFF2-40B4-BE49-F238E27FC236}">
-                <a16:creationId xmlns:a16="http://schemas.microsoft.com/office/drawing/2014/main" id="{29985F7D-2893-447E-A803-37D69B5796CA}"/>
-              </a:ext>
-            </a:extLst>
-          </p:cNvPr>
+          <p:cNvPr id="2" name="标题 1"/>
           <p:cNvSpPr>
             <a:spLocks noGrp="1"/>
           </p:cNvSpPr>
@@ -538,18 +525,13 @@
               <a:rPr lang="zh-CN" altLang="en-US"/>
               <a:t>单击此处编辑母版标题样式</a:t>
             </a:r>
-          </a:p>
-        </p:txBody>
-      </p:sp>
-      <p:sp>
-        <p:nvSpPr>
-          <p:cNvPr id="3" name="副标题 2">
-            <a:extLst>
-              <a:ext uri="{FF2B5EF4-FFF2-40B4-BE49-F238E27FC236}">
-                <a16:creationId xmlns:a16="http://schemas.microsoft.com/office/drawing/2014/main" id="{CDEF0265-F3CE-4110-9F97-CC81574D653F}"/>
-              </a:ext>
-            </a:extLst>
-          </p:cNvPr>
+            <a:endParaRPr lang="zh-CN" altLang="en-US"/>
+          </a:p>
+        </p:txBody>
+      </p:sp>
+      <p:sp>
+        <p:nvSpPr>
+          <p:cNvPr id="3" name="副标题 2"/>
           <p:cNvSpPr>
             <a:spLocks noGrp="1"/>
           </p:cNvSpPr>
@@ -608,18 +590,13 @@
               <a:rPr lang="zh-CN" altLang="en-US"/>
               <a:t>单击此处编辑母版副标题样式</a:t>
             </a:r>
-          </a:p>
-        </p:txBody>
-      </p:sp>
-      <p:sp>
-        <p:nvSpPr>
-          <p:cNvPr id="4" name="日期占位符 3">
-            <a:extLst>
-              <a:ext uri="{FF2B5EF4-FFF2-40B4-BE49-F238E27FC236}">
-                <a16:creationId xmlns:a16="http://schemas.microsoft.com/office/drawing/2014/main" id="{DC5A49BD-18C8-4427-884D-F19DADAC08C3}"/>
-              </a:ext>
-            </a:extLst>
-          </p:cNvPr>
+            <a:endParaRPr lang="zh-CN" altLang="en-US"/>
+          </a:p>
+        </p:txBody>
+      </p:sp>
+      <p:sp>
+        <p:nvSpPr>
+          <p:cNvPr id="4" name="日期占位符 3"/>
           <p:cNvSpPr>
             <a:spLocks noGrp="1"/>
           </p:cNvSpPr>
@@ -634,7 +611,6 @@
           <a:p>
             <a:fld id="{CD197A10-BDA0-4058-9A33-0C5238F4F282}" type="datetime1">
               <a:rPr lang="zh-CN" altLang="en-US" smtClean="0"/>
-              <a:t>2020/12/22</a:t>
             </a:fld>
             <a:endParaRPr lang="zh-CN" altLang="en-US"/>
           </a:p>
@@ -642,13 +618,7 @@
       </p:sp>
       <p:sp>
         <p:nvSpPr>
-          <p:cNvPr id="5" name="页脚占位符 4">
-            <a:extLst>
-              <a:ext uri="{FF2B5EF4-FFF2-40B4-BE49-F238E27FC236}">
-                <a16:creationId xmlns:a16="http://schemas.microsoft.com/office/drawing/2014/main" id="{A3AFE9B6-9B0E-49D8-BA2A-22AFF1E6DF4C}"/>
-              </a:ext>
-            </a:extLst>
-          </p:cNvPr>
+          <p:cNvPr id="5" name="页脚占位符 4"/>
           <p:cNvSpPr>
             <a:spLocks noGrp="1"/>
           </p:cNvSpPr>
@@ -675,13 +645,7 @@
       </p:sp>
       <p:sp>
         <p:nvSpPr>
-          <p:cNvPr id="6" name="灯片编号占位符 5">
-            <a:extLst>
-              <a:ext uri="{FF2B5EF4-FFF2-40B4-BE49-F238E27FC236}">
-                <a16:creationId xmlns:a16="http://schemas.microsoft.com/office/drawing/2014/main" id="{4F82F10C-99BD-4234-8D28-A6000CA70129}"/>
-              </a:ext>
-            </a:extLst>
-          </p:cNvPr>
+          <p:cNvPr id="6" name="灯片编号占位符 5"/>
           <p:cNvSpPr>
             <a:spLocks noGrp="1"/>
           </p:cNvSpPr>
@@ -696,18 +660,12 @@
           <a:p>
             <a:fld id="{2C2FD869-39C1-4F0A-BA76-C1618E7E0872}" type="slidenum">
               <a:rPr lang="zh-CN" altLang="en-US" smtClean="0"/>
-              <a:t>‹#›</a:t>
             </a:fld>
             <a:endParaRPr lang="zh-CN" altLang="en-US"/>
           </a:p>
         </p:txBody>
       </p:sp>
     </p:spTree>
-    <p:extLst>
-      <p:ext uri="{BB962C8B-B14F-4D97-AF65-F5344CB8AC3E}">
-        <p14:creationId xmlns:p14="http://schemas.microsoft.com/office/powerpoint/2010/main" val="3717781584"/>
-      </p:ext>
-    </p:extLst>
   </p:cSld>
   <p:clrMapOvr>
     <a:masterClrMapping/>
@@ -734,13 +692,7 @@
       </p:grpSpPr>
       <p:sp>
         <p:nvSpPr>
-          <p:cNvPr id="2" name="标题 1">
-            <a:extLst>
-              <a:ext uri="{FF2B5EF4-FFF2-40B4-BE49-F238E27FC236}">
-                <a16:creationId xmlns:a16="http://schemas.microsoft.com/office/drawing/2014/main" id="{3CEE198E-60A3-457E-AFEF-2DB2D7CBDD30}"/>
-              </a:ext>
-            </a:extLst>
-          </p:cNvPr>
+          <p:cNvPr id="2" name="标题 1"/>
           <p:cNvSpPr>
             <a:spLocks noGrp="1"/>
           </p:cNvSpPr>
@@ -757,18 +709,13 @@
               <a:rPr lang="zh-CN" altLang="en-US"/>
               <a:t>单击此处编辑母版标题样式</a:t>
             </a:r>
-          </a:p>
-        </p:txBody>
-      </p:sp>
-      <p:sp>
-        <p:nvSpPr>
-          <p:cNvPr id="3" name="竖排文字占位符 2">
-            <a:extLst>
-              <a:ext uri="{FF2B5EF4-FFF2-40B4-BE49-F238E27FC236}">
-                <a16:creationId xmlns:a16="http://schemas.microsoft.com/office/drawing/2014/main" id="{5468642D-4259-4A6C-BB57-63DC328C127E}"/>
-              </a:ext>
-            </a:extLst>
-          </p:cNvPr>
+            <a:endParaRPr lang="zh-CN" altLang="en-US"/>
+          </a:p>
+        </p:txBody>
+      </p:sp>
+      <p:sp>
+        <p:nvSpPr>
+          <p:cNvPr id="3" name="竖排文字占位符 2"/>
           <p:cNvSpPr>
             <a:spLocks noGrp="1"/>
           </p:cNvSpPr>
@@ -786,6 +733,7 @@
               <a:rPr lang="zh-CN" altLang="en-US"/>
               <a:t>单击此处编辑母版文本样式</a:t>
             </a:r>
+            <a:endParaRPr lang="zh-CN" altLang="en-US"/>
           </a:p>
           <a:p>
             <a:pPr lvl="1"/>
@@ -793,6 +741,7 @@
               <a:rPr lang="zh-CN" altLang="en-US"/>
               <a:t>二级</a:t>
             </a:r>
+            <a:endParaRPr lang="zh-CN" altLang="en-US"/>
           </a:p>
           <a:p>
             <a:pPr lvl="2"/>
@@ -800,6 +749,7 @@
               <a:rPr lang="zh-CN" altLang="en-US"/>
               <a:t>三级</a:t>
             </a:r>
+            <a:endParaRPr lang="zh-CN" altLang="en-US"/>
           </a:p>
           <a:p>
             <a:pPr lvl="3"/>
@@ -807,6 +757,7 @@
               <a:rPr lang="zh-CN" altLang="en-US"/>
               <a:t>四级</a:t>
             </a:r>
+            <a:endParaRPr lang="zh-CN" altLang="en-US"/>
           </a:p>
           <a:p>
             <a:pPr lvl="4"/>
@@ -814,18 +765,13 @@
               <a:rPr lang="zh-CN" altLang="en-US"/>
               <a:t>五级</a:t>
             </a:r>
-          </a:p>
-        </p:txBody>
-      </p:sp>
-      <p:sp>
-        <p:nvSpPr>
-          <p:cNvPr id="4" name="日期占位符 3">
-            <a:extLst>
-              <a:ext uri="{FF2B5EF4-FFF2-40B4-BE49-F238E27FC236}">
-                <a16:creationId xmlns:a16="http://schemas.microsoft.com/office/drawing/2014/main" id="{8226CC1B-5EA9-4958-9F31-9D877FBC5C3E}"/>
-              </a:ext>
-            </a:extLst>
-          </p:cNvPr>
+            <a:endParaRPr lang="zh-CN" altLang="en-US"/>
+          </a:p>
+        </p:txBody>
+      </p:sp>
+      <p:sp>
+        <p:nvSpPr>
+          <p:cNvPr id="4" name="日期占位符 3"/>
           <p:cNvSpPr>
             <a:spLocks noGrp="1"/>
           </p:cNvSpPr>
@@ -840,7 +786,6 @@
           <a:p>
             <a:fld id="{85AB0413-2FFF-46C2-98D1-488EA38DD690}" type="datetime1">
               <a:rPr lang="zh-CN" altLang="en-US" smtClean="0"/>
-              <a:t>2020/12/22</a:t>
             </a:fld>
             <a:endParaRPr lang="zh-CN" altLang="en-US"/>
           </a:p>
@@ -848,13 +793,7 @@
       </p:sp>
       <p:sp>
         <p:nvSpPr>
-          <p:cNvPr id="5" name="页脚占位符 4">
-            <a:extLst>
-              <a:ext uri="{FF2B5EF4-FFF2-40B4-BE49-F238E27FC236}">
-                <a16:creationId xmlns:a16="http://schemas.microsoft.com/office/drawing/2014/main" id="{C0E5E530-C9FF-495A-B56F-049EE0F4AF04}"/>
-              </a:ext>
-            </a:extLst>
-          </p:cNvPr>
+          <p:cNvPr id="5" name="页脚占位符 4"/>
           <p:cNvSpPr>
             <a:spLocks noGrp="1"/>
           </p:cNvSpPr>
@@ -881,13 +820,7 @@
       </p:sp>
       <p:sp>
         <p:nvSpPr>
-          <p:cNvPr id="6" name="灯片编号占位符 5">
-            <a:extLst>
-              <a:ext uri="{FF2B5EF4-FFF2-40B4-BE49-F238E27FC236}">
-                <a16:creationId xmlns:a16="http://schemas.microsoft.com/office/drawing/2014/main" id="{980B35E2-1912-488F-A213-51EF128C5891}"/>
-              </a:ext>
-            </a:extLst>
-          </p:cNvPr>
+          <p:cNvPr id="6" name="灯片编号占位符 5"/>
           <p:cNvSpPr>
             <a:spLocks noGrp="1"/>
           </p:cNvSpPr>
@@ -902,18 +835,12 @@
           <a:p>
             <a:fld id="{2C2FD869-39C1-4F0A-BA76-C1618E7E0872}" type="slidenum">
               <a:rPr lang="zh-CN" altLang="en-US" smtClean="0"/>
-              <a:t>‹#›</a:t>
             </a:fld>
             <a:endParaRPr lang="zh-CN" altLang="en-US"/>
           </a:p>
         </p:txBody>
       </p:sp>
     </p:spTree>
-    <p:extLst>
-      <p:ext uri="{BB962C8B-B14F-4D97-AF65-F5344CB8AC3E}">
-        <p14:creationId xmlns:p14="http://schemas.microsoft.com/office/powerpoint/2010/main" val="3677156497"/>
-      </p:ext>
-    </p:extLst>
   </p:cSld>
   <p:clrMapOvr>
     <a:masterClrMapping/>
@@ -940,13 +867,7 @@
       </p:grpSpPr>
       <p:sp>
         <p:nvSpPr>
-          <p:cNvPr id="2" name="竖排标题 1">
-            <a:extLst>
-              <a:ext uri="{FF2B5EF4-FFF2-40B4-BE49-F238E27FC236}">
-                <a16:creationId xmlns:a16="http://schemas.microsoft.com/office/drawing/2014/main" id="{A893AF6D-FAEB-402B-A0CB-699197865CC8}"/>
-              </a:ext>
-            </a:extLst>
-          </p:cNvPr>
+          <p:cNvPr id="2" name="竖排标题 1"/>
           <p:cNvSpPr>
             <a:spLocks noGrp="1"/>
           </p:cNvSpPr>
@@ -968,18 +889,13 @@
               <a:rPr lang="zh-CN" altLang="en-US"/>
               <a:t>单击此处编辑母版标题样式</a:t>
             </a:r>
-          </a:p>
-        </p:txBody>
-      </p:sp>
-      <p:sp>
-        <p:nvSpPr>
-          <p:cNvPr id="3" name="竖排文字占位符 2">
-            <a:extLst>
-              <a:ext uri="{FF2B5EF4-FFF2-40B4-BE49-F238E27FC236}">
-                <a16:creationId xmlns:a16="http://schemas.microsoft.com/office/drawing/2014/main" id="{DEA3EE20-D5DA-4B34-824F-1505E3A30AFC}"/>
-              </a:ext>
-            </a:extLst>
-          </p:cNvPr>
+            <a:endParaRPr lang="zh-CN" altLang="en-US"/>
+          </a:p>
+        </p:txBody>
+      </p:sp>
+      <p:sp>
+        <p:nvSpPr>
+          <p:cNvPr id="3" name="竖排文字占位符 2"/>
           <p:cNvSpPr>
             <a:spLocks noGrp="1"/>
           </p:cNvSpPr>
@@ -1002,6 +918,7 @@
               <a:rPr lang="zh-CN" altLang="en-US"/>
               <a:t>单击此处编辑母版文本样式</a:t>
             </a:r>
+            <a:endParaRPr lang="zh-CN" altLang="en-US"/>
           </a:p>
           <a:p>
             <a:pPr lvl="1"/>
@@ -1009,6 +926,7 @@
               <a:rPr lang="zh-CN" altLang="en-US"/>
               <a:t>二级</a:t>
             </a:r>
+            <a:endParaRPr lang="zh-CN" altLang="en-US"/>
           </a:p>
           <a:p>
             <a:pPr lvl="2"/>
@@ -1016,6 +934,7 @@
               <a:rPr lang="zh-CN" altLang="en-US"/>
               <a:t>三级</a:t>
             </a:r>
+            <a:endParaRPr lang="zh-CN" altLang="en-US"/>
           </a:p>
           <a:p>
             <a:pPr lvl="3"/>
@@ -1023,6 +942,7 @@
               <a:rPr lang="zh-CN" altLang="en-US"/>
               <a:t>四级</a:t>
             </a:r>
+            <a:endParaRPr lang="zh-CN" altLang="en-US"/>
           </a:p>
           <a:p>
             <a:pPr lvl="4"/>
@@ -1030,18 +950,13 @@
               <a:rPr lang="zh-CN" altLang="en-US"/>
               <a:t>五级</a:t>
             </a:r>
-          </a:p>
-        </p:txBody>
-      </p:sp>
-      <p:sp>
-        <p:nvSpPr>
-          <p:cNvPr id="4" name="日期占位符 3">
-            <a:extLst>
-              <a:ext uri="{FF2B5EF4-FFF2-40B4-BE49-F238E27FC236}">
-                <a16:creationId xmlns:a16="http://schemas.microsoft.com/office/drawing/2014/main" id="{134167FC-3FC0-4224-927E-9008133F6666}"/>
-              </a:ext>
-            </a:extLst>
-          </p:cNvPr>
+            <a:endParaRPr lang="zh-CN" altLang="en-US"/>
+          </a:p>
+        </p:txBody>
+      </p:sp>
+      <p:sp>
+        <p:nvSpPr>
+          <p:cNvPr id="4" name="日期占位符 3"/>
           <p:cNvSpPr>
             <a:spLocks noGrp="1"/>
           </p:cNvSpPr>
@@ -1056,7 +971,6 @@
           <a:p>
             <a:fld id="{50DA80E8-AB52-4369-B0E8-CCA8E04F18AF}" type="datetime1">
               <a:rPr lang="zh-CN" altLang="en-US" smtClean="0"/>
-              <a:t>2020/12/22</a:t>
             </a:fld>
             <a:endParaRPr lang="zh-CN" altLang="en-US"/>
           </a:p>
@@ -1064,13 +978,7 @@
       </p:sp>
       <p:sp>
         <p:nvSpPr>
-          <p:cNvPr id="5" name="页脚占位符 4">
-            <a:extLst>
-              <a:ext uri="{FF2B5EF4-FFF2-40B4-BE49-F238E27FC236}">
-                <a16:creationId xmlns:a16="http://schemas.microsoft.com/office/drawing/2014/main" id="{2C5C027A-BD09-4FF2-8978-AFEFA1DCF79B}"/>
-              </a:ext>
-            </a:extLst>
-          </p:cNvPr>
+          <p:cNvPr id="5" name="页脚占位符 4"/>
           <p:cNvSpPr>
             <a:spLocks noGrp="1"/>
           </p:cNvSpPr>
@@ -1097,13 +1005,7 @@
       </p:sp>
       <p:sp>
         <p:nvSpPr>
-          <p:cNvPr id="6" name="灯片编号占位符 5">
-            <a:extLst>
-              <a:ext uri="{FF2B5EF4-FFF2-40B4-BE49-F238E27FC236}">
-                <a16:creationId xmlns:a16="http://schemas.microsoft.com/office/drawing/2014/main" id="{3073BEDD-6DA7-45A3-8DC8-9F4175778560}"/>
-              </a:ext>
-            </a:extLst>
-          </p:cNvPr>
+          <p:cNvPr id="6" name="灯片编号占位符 5"/>
           <p:cNvSpPr>
             <a:spLocks noGrp="1"/>
           </p:cNvSpPr>
@@ -1118,18 +1020,12 @@
           <a:p>
             <a:fld id="{2C2FD869-39C1-4F0A-BA76-C1618E7E0872}" type="slidenum">
               <a:rPr lang="zh-CN" altLang="en-US" smtClean="0"/>
-              <a:t>‹#›</a:t>
             </a:fld>
             <a:endParaRPr lang="zh-CN" altLang="en-US"/>
           </a:p>
         </p:txBody>
       </p:sp>
     </p:spTree>
-    <p:extLst>
-      <p:ext uri="{BB962C8B-B14F-4D97-AF65-F5344CB8AC3E}">
-        <p14:creationId xmlns:p14="http://schemas.microsoft.com/office/powerpoint/2010/main" val="1280576795"/>
-      </p:ext>
-    </p:extLst>
   </p:cSld>
   <p:clrMapOvr>
     <a:masterClrMapping/>
@@ -1156,13 +1052,7 @@
       </p:grpSpPr>
       <p:sp>
         <p:nvSpPr>
-          <p:cNvPr id="2" name="标题 1">
-            <a:extLst>
-              <a:ext uri="{FF2B5EF4-FFF2-40B4-BE49-F238E27FC236}">
-                <a16:creationId xmlns:a16="http://schemas.microsoft.com/office/drawing/2014/main" id="{1D768A62-50E5-4801-96EE-88B65C7E5D73}"/>
-              </a:ext>
-            </a:extLst>
-          </p:cNvPr>
+          <p:cNvPr id="2" name="标题 1"/>
           <p:cNvSpPr>
             <a:spLocks noGrp="1"/>
           </p:cNvSpPr>
@@ -1179,18 +1069,13 @@
               <a:rPr lang="zh-CN" altLang="en-US"/>
               <a:t>单击此处编辑母版标题样式</a:t>
             </a:r>
-          </a:p>
-        </p:txBody>
-      </p:sp>
-      <p:sp>
-        <p:nvSpPr>
-          <p:cNvPr id="3" name="内容占位符 2">
-            <a:extLst>
-              <a:ext uri="{FF2B5EF4-FFF2-40B4-BE49-F238E27FC236}">
-                <a16:creationId xmlns:a16="http://schemas.microsoft.com/office/drawing/2014/main" id="{E07954F8-CAA1-4080-AA73-CFE1E2940E3C}"/>
-              </a:ext>
-            </a:extLst>
-          </p:cNvPr>
+            <a:endParaRPr lang="zh-CN" altLang="en-US"/>
+          </a:p>
+        </p:txBody>
+      </p:sp>
+      <p:sp>
+        <p:nvSpPr>
+          <p:cNvPr id="3" name="内容占位符 2"/>
           <p:cNvSpPr>
             <a:spLocks noGrp="1"/>
           </p:cNvSpPr>
@@ -1208,6 +1093,7 @@
               <a:rPr lang="zh-CN" altLang="en-US"/>
               <a:t>单击此处编辑母版文本样式</a:t>
             </a:r>
+            <a:endParaRPr lang="zh-CN" altLang="en-US"/>
           </a:p>
           <a:p>
             <a:pPr lvl="1"/>
@@ -1215,6 +1101,7 @@
               <a:rPr lang="zh-CN" altLang="en-US"/>
               <a:t>二级</a:t>
             </a:r>
+            <a:endParaRPr lang="zh-CN" altLang="en-US"/>
           </a:p>
           <a:p>
             <a:pPr lvl="2"/>
@@ -1222,6 +1109,7 @@
               <a:rPr lang="zh-CN" altLang="en-US"/>
               <a:t>三级</a:t>
             </a:r>
+            <a:endParaRPr lang="zh-CN" altLang="en-US"/>
           </a:p>
           <a:p>
             <a:pPr lvl="3"/>
@@ -1229,6 +1117,7 @@
               <a:rPr lang="zh-CN" altLang="en-US"/>
               <a:t>四级</a:t>
             </a:r>
+            <a:endParaRPr lang="zh-CN" altLang="en-US"/>
           </a:p>
           <a:p>
             <a:pPr lvl="4"/>
@@ -1236,18 +1125,13 @@
               <a:rPr lang="zh-CN" altLang="en-US"/>
               <a:t>五级</a:t>
             </a:r>
-          </a:p>
-        </p:txBody>
-      </p:sp>
-      <p:sp>
-        <p:nvSpPr>
-          <p:cNvPr id="4" name="日期占位符 3">
-            <a:extLst>
-              <a:ext uri="{FF2B5EF4-FFF2-40B4-BE49-F238E27FC236}">
-                <a16:creationId xmlns:a16="http://schemas.microsoft.com/office/drawing/2014/main" id="{C6ACDC63-0F64-4E77-ABC6-6A859138EA23}"/>
-              </a:ext>
-            </a:extLst>
-          </p:cNvPr>
+            <a:endParaRPr lang="zh-CN" altLang="en-US"/>
+          </a:p>
+        </p:txBody>
+      </p:sp>
+      <p:sp>
+        <p:nvSpPr>
+          <p:cNvPr id="4" name="日期占位符 3"/>
           <p:cNvSpPr>
             <a:spLocks noGrp="1"/>
           </p:cNvSpPr>
@@ -1262,7 +1146,6 @@
           <a:p>
             <a:fld id="{2750015E-B5F4-40FB-A420-771076B76725}" type="datetime1">
               <a:rPr lang="zh-CN" altLang="en-US" smtClean="0"/>
-              <a:t>2020/12/22</a:t>
             </a:fld>
             <a:endParaRPr lang="zh-CN" altLang="en-US"/>
           </a:p>
@@ -1270,13 +1153,7 @@
       </p:sp>
       <p:sp>
         <p:nvSpPr>
-          <p:cNvPr id="5" name="页脚占位符 4">
-            <a:extLst>
-              <a:ext uri="{FF2B5EF4-FFF2-40B4-BE49-F238E27FC236}">
-                <a16:creationId xmlns:a16="http://schemas.microsoft.com/office/drawing/2014/main" id="{F5C0D97E-B1B0-4293-A0C1-D5B4C97D809B}"/>
-              </a:ext>
-            </a:extLst>
-          </p:cNvPr>
+          <p:cNvPr id="5" name="页脚占位符 4"/>
           <p:cNvSpPr>
             <a:spLocks noGrp="1"/>
           </p:cNvSpPr>
@@ -1303,13 +1180,7 @@
       </p:sp>
       <p:sp>
         <p:nvSpPr>
-          <p:cNvPr id="6" name="灯片编号占位符 5">
-            <a:extLst>
-              <a:ext uri="{FF2B5EF4-FFF2-40B4-BE49-F238E27FC236}">
-                <a16:creationId xmlns:a16="http://schemas.microsoft.com/office/drawing/2014/main" id="{83D1E97E-C471-40A5-A448-C1811406B4D1}"/>
-              </a:ext>
-            </a:extLst>
-          </p:cNvPr>
+          <p:cNvPr id="6" name="灯片编号占位符 5"/>
           <p:cNvSpPr>
             <a:spLocks noGrp="1"/>
           </p:cNvSpPr>
@@ -1324,18 +1195,12 @@
           <a:p>
             <a:fld id="{2C2FD869-39C1-4F0A-BA76-C1618E7E0872}" type="slidenum">
               <a:rPr lang="zh-CN" altLang="en-US" smtClean="0"/>
-              <a:t>‹#›</a:t>
             </a:fld>
             <a:endParaRPr lang="zh-CN" altLang="en-US"/>
           </a:p>
         </p:txBody>
       </p:sp>
     </p:spTree>
-    <p:extLst>
-      <p:ext uri="{BB962C8B-B14F-4D97-AF65-F5344CB8AC3E}">
-        <p14:creationId xmlns:p14="http://schemas.microsoft.com/office/powerpoint/2010/main" val="750919341"/>
-      </p:ext>
-    </p:extLst>
   </p:cSld>
   <p:clrMapOvr>
     <a:masterClrMapping/>
@@ -1362,13 +1227,7 @@
       </p:grpSpPr>
       <p:sp>
         <p:nvSpPr>
-          <p:cNvPr id="2" name="标题 1">
-            <a:extLst>
-              <a:ext uri="{FF2B5EF4-FFF2-40B4-BE49-F238E27FC236}">
-                <a16:creationId xmlns:a16="http://schemas.microsoft.com/office/drawing/2014/main" id="{D98444A1-B933-49F8-9548-FFB58E0A9AFF}"/>
-              </a:ext>
-            </a:extLst>
-          </p:cNvPr>
+          <p:cNvPr id="2" name="标题 1"/>
           <p:cNvSpPr>
             <a:spLocks noGrp="1"/>
           </p:cNvSpPr>
@@ -1394,18 +1253,13 @@
               <a:rPr lang="zh-CN" altLang="en-US"/>
               <a:t>单击此处编辑母版标题样式</a:t>
             </a:r>
-          </a:p>
-        </p:txBody>
-      </p:sp>
-      <p:sp>
-        <p:nvSpPr>
-          <p:cNvPr id="3" name="文本占位符 2">
-            <a:extLst>
-              <a:ext uri="{FF2B5EF4-FFF2-40B4-BE49-F238E27FC236}">
-                <a16:creationId xmlns:a16="http://schemas.microsoft.com/office/drawing/2014/main" id="{42368A91-AF8E-44A0-BDFB-1CF4F021CAD6}"/>
-              </a:ext>
-            </a:extLst>
-          </p:cNvPr>
+            <a:endParaRPr lang="zh-CN" altLang="en-US"/>
+          </a:p>
+        </p:txBody>
+      </p:sp>
+      <p:sp>
+        <p:nvSpPr>
+          <p:cNvPr id="3" name="文本占位符 2"/>
           <p:cNvSpPr>
             <a:spLocks noGrp="1"/>
           </p:cNvSpPr>
@@ -1519,18 +1373,13 @@
               <a:rPr lang="zh-CN" altLang="en-US"/>
               <a:t>单击此处编辑母版文本样式</a:t>
             </a:r>
-          </a:p>
-        </p:txBody>
-      </p:sp>
-      <p:sp>
-        <p:nvSpPr>
-          <p:cNvPr id="4" name="日期占位符 3">
-            <a:extLst>
-              <a:ext uri="{FF2B5EF4-FFF2-40B4-BE49-F238E27FC236}">
-                <a16:creationId xmlns:a16="http://schemas.microsoft.com/office/drawing/2014/main" id="{FF8CC330-2829-4C37-8CC9-54FC8F992DEF}"/>
-              </a:ext>
-            </a:extLst>
-          </p:cNvPr>
+            <a:endParaRPr lang="zh-CN" altLang="en-US"/>
+          </a:p>
+        </p:txBody>
+      </p:sp>
+      <p:sp>
+        <p:nvSpPr>
+          <p:cNvPr id="4" name="日期占位符 3"/>
           <p:cNvSpPr>
             <a:spLocks noGrp="1"/>
           </p:cNvSpPr>
@@ -1545,7 +1394,6 @@
           <a:p>
             <a:fld id="{D8D7F58D-6340-4258-84B2-51D872870289}" type="datetime1">
               <a:rPr lang="zh-CN" altLang="en-US" smtClean="0"/>
-              <a:t>2020/12/22</a:t>
             </a:fld>
             <a:endParaRPr lang="zh-CN" altLang="en-US"/>
           </a:p>
@@ -1553,13 +1401,7 @@
       </p:sp>
       <p:sp>
         <p:nvSpPr>
-          <p:cNvPr id="5" name="页脚占位符 4">
-            <a:extLst>
-              <a:ext uri="{FF2B5EF4-FFF2-40B4-BE49-F238E27FC236}">
-                <a16:creationId xmlns:a16="http://schemas.microsoft.com/office/drawing/2014/main" id="{013D81E6-3263-4E33-8310-A3025D46997F}"/>
-              </a:ext>
-            </a:extLst>
-          </p:cNvPr>
+          <p:cNvPr id="5" name="页脚占位符 4"/>
           <p:cNvSpPr>
             <a:spLocks noGrp="1"/>
           </p:cNvSpPr>
@@ -1586,13 +1428,7 @@
       </p:sp>
       <p:sp>
         <p:nvSpPr>
-          <p:cNvPr id="6" name="灯片编号占位符 5">
-            <a:extLst>
-              <a:ext uri="{FF2B5EF4-FFF2-40B4-BE49-F238E27FC236}">
-                <a16:creationId xmlns:a16="http://schemas.microsoft.com/office/drawing/2014/main" id="{FA6271B3-5B98-4F0D-B983-392D5AE535CD}"/>
-              </a:ext>
-            </a:extLst>
-          </p:cNvPr>
+          <p:cNvPr id="6" name="灯片编号占位符 5"/>
           <p:cNvSpPr>
             <a:spLocks noGrp="1"/>
           </p:cNvSpPr>
@@ -1607,18 +1443,12 @@
           <a:p>
             <a:fld id="{2C2FD869-39C1-4F0A-BA76-C1618E7E0872}" type="slidenum">
               <a:rPr lang="zh-CN" altLang="en-US" smtClean="0"/>
-              <a:t>‹#›</a:t>
             </a:fld>
             <a:endParaRPr lang="zh-CN" altLang="en-US"/>
           </a:p>
         </p:txBody>
       </p:sp>
     </p:spTree>
-    <p:extLst>
-      <p:ext uri="{BB962C8B-B14F-4D97-AF65-F5344CB8AC3E}">
-        <p14:creationId xmlns:p14="http://schemas.microsoft.com/office/powerpoint/2010/main" val="2403252143"/>
-      </p:ext>
-    </p:extLst>
   </p:cSld>
   <p:clrMapOvr>
     <a:masterClrMapping/>
@@ -1645,13 +1475,7 @@
       </p:grpSpPr>
       <p:sp>
         <p:nvSpPr>
-          <p:cNvPr id="2" name="标题 1">
-            <a:extLst>
-              <a:ext uri="{FF2B5EF4-FFF2-40B4-BE49-F238E27FC236}">
-                <a16:creationId xmlns:a16="http://schemas.microsoft.com/office/drawing/2014/main" id="{2042E7CB-7152-42CE-8DDE-36996DFD164D}"/>
-              </a:ext>
-            </a:extLst>
-          </p:cNvPr>
+          <p:cNvPr id="2" name="标题 1"/>
           <p:cNvSpPr>
             <a:spLocks noGrp="1"/>
           </p:cNvSpPr>
@@ -1668,18 +1492,13 @@
               <a:rPr lang="zh-CN" altLang="en-US"/>
               <a:t>单击此处编辑母版标题样式</a:t>
             </a:r>
-          </a:p>
-        </p:txBody>
-      </p:sp>
-      <p:sp>
-        <p:nvSpPr>
-          <p:cNvPr id="3" name="内容占位符 2">
-            <a:extLst>
-              <a:ext uri="{FF2B5EF4-FFF2-40B4-BE49-F238E27FC236}">
-                <a16:creationId xmlns:a16="http://schemas.microsoft.com/office/drawing/2014/main" id="{9F299334-C9E2-48F9-A0EB-26EA23F9C3D5}"/>
-              </a:ext>
-            </a:extLst>
-          </p:cNvPr>
+            <a:endParaRPr lang="zh-CN" altLang="en-US"/>
+          </a:p>
+        </p:txBody>
+      </p:sp>
+      <p:sp>
+        <p:nvSpPr>
+          <p:cNvPr id="3" name="内容占位符 2"/>
           <p:cNvSpPr>
             <a:spLocks noGrp="1"/>
           </p:cNvSpPr>
@@ -1702,6 +1521,7 @@
               <a:rPr lang="zh-CN" altLang="en-US"/>
               <a:t>单击此处编辑母版文本样式</a:t>
             </a:r>
+            <a:endParaRPr lang="zh-CN" altLang="en-US"/>
           </a:p>
           <a:p>
             <a:pPr lvl="1"/>
@@ -1709,6 +1529,7 @@
               <a:rPr lang="zh-CN" altLang="en-US"/>
               <a:t>二级</a:t>
             </a:r>
+            <a:endParaRPr lang="zh-CN" altLang="en-US"/>
           </a:p>
           <a:p>
             <a:pPr lvl="2"/>
@@ -1716,6 +1537,7 @@
               <a:rPr lang="zh-CN" altLang="en-US"/>
               <a:t>三级</a:t>
             </a:r>
+            <a:endParaRPr lang="zh-CN" altLang="en-US"/>
           </a:p>
           <a:p>
             <a:pPr lvl="3"/>
@@ -1723,6 +1545,7 @@
               <a:rPr lang="zh-CN" altLang="en-US"/>
               <a:t>四级</a:t>
             </a:r>
+            <a:endParaRPr lang="zh-CN" altLang="en-US"/>
           </a:p>
           <a:p>
             <a:pPr lvl="4"/>
@@ -1730,18 +1553,13 @@
               <a:rPr lang="zh-CN" altLang="en-US"/>
               <a:t>五级</a:t>
             </a:r>
-          </a:p>
-        </p:txBody>
-      </p:sp>
-      <p:sp>
-        <p:nvSpPr>
-          <p:cNvPr id="4" name="内容占位符 3">
-            <a:extLst>
-              <a:ext uri="{FF2B5EF4-FFF2-40B4-BE49-F238E27FC236}">
-                <a16:creationId xmlns:a16="http://schemas.microsoft.com/office/drawing/2014/main" id="{3C19EA27-A615-470C-8D21-335F7B2DED33}"/>
-              </a:ext>
-            </a:extLst>
-          </p:cNvPr>
+            <a:endParaRPr lang="zh-CN" altLang="en-US"/>
+          </a:p>
+        </p:txBody>
+      </p:sp>
+      <p:sp>
+        <p:nvSpPr>
+          <p:cNvPr id="4" name="内容占位符 3"/>
           <p:cNvSpPr>
             <a:spLocks noGrp="1"/>
           </p:cNvSpPr>
@@ -1764,6 +1582,7 @@
               <a:rPr lang="zh-CN" altLang="en-US"/>
               <a:t>单击此处编辑母版文本样式</a:t>
             </a:r>
+            <a:endParaRPr lang="zh-CN" altLang="en-US"/>
           </a:p>
           <a:p>
             <a:pPr lvl="1"/>
@@ -1771,6 +1590,7 @@
               <a:rPr lang="zh-CN" altLang="en-US"/>
               <a:t>二级</a:t>
             </a:r>
+            <a:endParaRPr lang="zh-CN" altLang="en-US"/>
           </a:p>
           <a:p>
             <a:pPr lvl="2"/>
@@ -1778,6 +1598,7 @@
               <a:rPr lang="zh-CN" altLang="en-US"/>
               <a:t>三级</a:t>
             </a:r>
+            <a:endParaRPr lang="zh-CN" altLang="en-US"/>
           </a:p>
           <a:p>
             <a:pPr lvl="3"/>
@@ -1785,6 +1606,7 @@
               <a:rPr lang="zh-CN" altLang="en-US"/>
               <a:t>四级</a:t>
             </a:r>
+            <a:endParaRPr lang="zh-CN" altLang="en-US"/>
           </a:p>
           <a:p>
             <a:pPr lvl="4"/>
@@ -1792,18 +1614,13 @@
               <a:rPr lang="zh-CN" altLang="en-US"/>
               <a:t>五级</a:t>
             </a:r>
-          </a:p>
-        </p:txBody>
-      </p:sp>
-      <p:sp>
-        <p:nvSpPr>
-          <p:cNvPr id="5" name="日期占位符 4">
-            <a:extLst>
-              <a:ext uri="{FF2B5EF4-FFF2-40B4-BE49-F238E27FC236}">
-                <a16:creationId xmlns:a16="http://schemas.microsoft.com/office/drawing/2014/main" id="{58B4FAC3-BCF0-44D7-97D3-7FB28B3C7B5D}"/>
-              </a:ext>
-            </a:extLst>
-          </p:cNvPr>
+            <a:endParaRPr lang="zh-CN" altLang="en-US"/>
+          </a:p>
+        </p:txBody>
+      </p:sp>
+      <p:sp>
+        <p:nvSpPr>
+          <p:cNvPr id="5" name="日期占位符 4"/>
           <p:cNvSpPr>
             <a:spLocks noGrp="1"/>
           </p:cNvSpPr>
@@ -1818,7 +1635,6 @@
           <a:p>
             <a:fld id="{CF95930F-BC8D-4291-A347-52EE457F28AC}" type="datetime1">
               <a:rPr lang="zh-CN" altLang="en-US" smtClean="0"/>
-              <a:t>2020/12/22</a:t>
             </a:fld>
             <a:endParaRPr lang="zh-CN" altLang="en-US"/>
           </a:p>
@@ -1826,13 +1642,7 @@
       </p:sp>
       <p:sp>
         <p:nvSpPr>
-          <p:cNvPr id="6" name="页脚占位符 5">
-            <a:extLst>
-              <a:ext uri="{FF2B5EF4-FFF2-40B4-BE49-F238E27FC236}">
-                <a16:creationId xmlns:a16="http://schemas.microsoft.com/office/drawing/2014/main" id="{5A4B0625-5622-47AD-9A83-E6CB50B75E5A}"/>
-              </a:ext>
-            </a:extLst>
-          </p:cNvPr>
+          <p:cNvPr id="6" name="页脚占位符 5"/>
           <p:cNvSpPr>
             <a:spLocks noGrp="1"/>
           </p:cNvSpPr>
@@ -1859,13 +1669,7 @@
       </p:sp>
       <p:sp>
         <p:nvSpPr>
-          <p:cNvPr id="7" name="灯片编号占位符 6">
-            <a:extLst>
-              <a:ext uri="{FF2B5EF4-FFF2-40B4-BE49-F238E27FC236}">
-                <a16:creationId xmlns:a16="http://schemas.microsoft.com/office/drawing/2014/main" id="{9AF2C089-4A90-43BD-AA78-81013F726D78}"/>
-              </a:ext>
-            </a:extLst>
-          </p:cNvPr>
+          <p:cNvPr id="7" name="灯片编号占位符 6"/>
           <p:cNvSpPr>
             <a:spLocks noGrp="1"/>
           </p:cNvSpPr>
@@ -1880,18 +1684,12 @@
           <a:p>
             <a:fld id="{2C2FD869-39C1-4F0A-BA76-C1618E7E0872}" type="slidenum">
               <a:rPr lang="zh-CN" altLang="en-US" smtClean="0"/>
-              <a:t>‹#›</a:t>
             </a:fld>
             <a:endParaRPr lang="zh-CN" altLang="en-US"/>
           </a:p>
         </p:txBody>
       </p:sp>
     </p:spTree>
-    <p:extLst>
-      <p:ext uri="{BB962C8B-B14F-4D97-AF65-F5344CB8AC3E}">
-        <p14:creationId xmlns:p14="http://schemas.microsoft.com/office/powerpoint/2010/main" val="3957909619"/>
-      </p:ext>
-    </p:extLst>
   </p:cSld>
   <p:clrMapOvr>
     <a:masterClrMapping/>
@@ -1918,13 +1716,7 @@
       </p:grpSpPr>
       <p:sp>
         <p:nvSpPr>
-          <p:cNvPr id="2" name="标题 1">
-            <a:extLst>
-              <a:ext uri="{FF2B5EF4-FFF2-40B4-BE49-F238E27FC236}">
-                <a16:creationId xmlns:a16="http://schemas.microsoft.com/office/drawing/2014/main" id="{FA99F70C-9D8B-4EC1-B84B-BB5D0BA673C4}"/>
-              </a:ext>
-            </a:extLst>
-          </p:cNvPr>
+          <p:cNvPr id="2" name="标题 1"/>
           <p:cNvSpPr>
             <a:spLocks noGrp="1"/>
           </p:cNvSpPr>
@@ -1946,18 +1738,13 @@
               <a:rPr lang="zh-CN" altLang="en-US"/>
               <a:t>单击此处编辑母版标题样式</a:t>
             </a:r>
-          </a:p>
-        </p:txBody>
-      </p:sp>
-      <p:sp>
-        <p:nvSpPr>
-          <p:cNvPr id="3" name="文本占位符 2">
-            <a:extLst>
-              <a:ext uri="{FF2B5EF4-FFF2-40B4-BE49-F238E27FC236}">
-                <a16:creationId xmlns:a16="http://schemas.microsoft.com/office/drawing/2014/main" id="{9ECAED0E-72B7-4745-89AB-2F7CAF27FB84}"/>
-              </a:ext>
-            </a:extLst>
-          </p:cNvPr>
+            <a:endParaRPr lang="zh-CN" altLang="en-US"/>
+          </a:p>
+        </p:txBody>
+      </p:sp>
+      <p:sp>
+        <p:nvSpPr>
+          <p:cNvPr id="3" name="文本占位符 2"/>
           <p:cNvSpPr>
             <a:spLocks noGrp="1"/>
           </p:cNvSpPr>
@@ -2017,18 +1804,13 @@
               <a:rPr lang="zh-CN" altLang="en-US"/>
               <a:t>单击此处编辑母版文本样式</a:t>
             </a:r>
-          </a:p>
-        </p:txBody>
-      </p:sp>
-      <p:sp>
-        <p:nvSpPr>
-          <p:cNvPr id="4" name="内容占位符 3">
-            <a:extLst>
-              <a:ext uri="{FF2B5EF4-FFF2-40B4-BE49-F238E27FC236}">
-                <a16:creationId xmlns:a16="http://schemas.microsoft.com/office/drawing/2014/main" id="{683C16B5-FEB9-4527-B672-0FE8A535D1DD}"/>
-              </a:ext>
-            </a:extLst>
-          </p:cNvPr>
+            <a:endParaRPr lang="zh-CN" altLang="en-US"/>
+          </a:p>
+        </p:txBody>
+      </p:sp>
+      <p:sp>
+        <p:nvSpPr>
+          <p:cNvPr id="4" name="内容占位符 3"/>
           <p:cNvSpPr>
             <a:spLocks noGrp="1"/>
           </p:cNvSpPr>
@@ -2051,6 +1833,7 @@
               <a:rPr lang="zh-CN" altLang="en-US"/>
               <a:t>单击此处编辑母版文本样式</a:t>
             </a:r>
+            <a:endParaRPr lang="zh-CN" altLang="en-US"/>
           </a:p>
           <a:p>
             <a:pPr lvl="1"/>
@@ -2058,6 +1841,7 @@
               <a:rPr lang="zh-CN" altLang="en-US"/>
               <a:t>二级</a:t>
             </a:r>
+            <a:endParaRPr lang="zh-CN" altLang="en-US"/>
           </a:p>
           <a:p>
             <a:pPr lvl="2"/>
@@ -2065,6 +1849,7 @@
               <a:rPr lang="zh-CN" altLang="en-US"/>
               <a:t>三级</a:t>
             </a:r>
+            <a:endParaRPr lang="zh-CN" altLang="en-US"/>
           </a:p>
           <a:p>
             <a:pPr lvl="3"/>
@@ -2072,6 +1857,7 @@
               <a:rPr lang="zh-CN" altLang="en-US"/>
               <a:t>四级</a:t>
             </a:r>
+            <a:endParaRPr lang="zh-CN" altLang="en-US"/>
           </a:p>
           <a:p>
             <a:pPr lvl="4"/>
@@ -2079,18 +1865,13 @@
               <a:rPr lang="zh-CN" altLang="en-US"/>
               <a:t>五级</a:t>
             </a:r>
-          </a:p>
-        </p:txBody>
-      </p:sp>
-      <p:sp>
-        <p:nvSpPr>
-          <p:cNvPr id="5" name="文本占位符 4">
-            <a:extLst>
-              <a:ext uri="{FF2B5EF4-FFF2-40B4-BE49-F238E27FC236}">
-                <a16:creationId xmlns:a16="http://schemas.microsoft.com/office/drawing/2014/main" id="{DC1BF883-558A-4A38-85EF-3A4189BF6C6F}"/>
-              </a:ext>
-            </a:extLst>
-          </p:cNvPr>
+            <a:endParaRPr lang="zh-CN" altLang="en-US"/>
+          </a:p>
+        </p:txBody>
+      </p:sp>
+      <p:sp>
+        <p:nvSpPr>
+          <p:cNvPr id="5" name="文本占位符 4"/>
           <p:cNvSpPr>
             <a:spLocks noGrp="1"/>
           </p:cNvSpPr>
@@ -2150,18 +1931,13 @@
               <a:rPr lang="zh-CN" altLang="en-US"/>
               <a:t>单击此处编辑母版文本样式</a:t>
             </a:r>
-          </a:p>
-        </p:txBody>
-      </p:sp>
-      <p:sp>
-        <p:nvSpPr>
-          <p:cNvPr id="6" name="内容占位符 5">
-            <a:extLst>
-              <a:ext uri="{FF2B5EF4-FFF2-40B4-BE49-F238E27FC236}">
-                <a16:creationId xmlns:a16="http://schemas.microsoft.com/office/drawing/2014/main" id="{AACC4BD9-C08F-4FE4-B845-30E8FDFCF2FA}"/>
-              </a:ext>
-            </a:extLst>
-          </p:cNvPr>
+            <a:endParaRPr lang="zh-CN" altLang="en-US"/>
+          </a:p>
+        </p:txBody>
+      </p:sp>
+      <p:sp>
+        <p:nvSpPr>
+          <p:cNvPr id="6" name="内容占位符 5"/>
           <p:cNvSpPr>
             <a:spLocks noGrp="1"/>
           </p:cNvSpPr>
@@ -2184,6 +1960,7 @@
               <a:rPr lang="zh-CN" altLang="en-US"/>
               <a:t>单击此处编辑母版文本样式</a:t>
             </a:r>
+            <a:endParaRPr lang="zh-CN" altLang="en-US"/>
           </a:p>
           <a:p>
             <a:pPr lvl="1"/>
@@ -2191,6 +1968,7 @@
               <a:rPr lang="zh-CN" altLang="en-US"/>
               <a:t>二级</a:t>
             </a:r>
+            <a:endParaRPr lang="zh-CN" altLang="en-US"/>
           </a:p>
           <a:p>
             <a:pPr lvl="2"/>
@@ -2198,6 +1976,7 @@
               <a:rPr lang="zh-CN" altLang="en-US"/>
               <a:t>三级</a:t>
             </a:r>
+            <a:endParaRPr lang="zh-CN" altLang="en-US"/>
           </a:p>
           <a:p>
             <a:pPr lvl="3"/>
@@ -2205,6 +1984,7 @@
               <a:rPr lang="zh-CN" altLang="en-US"/>
               <a:t>四级</a:t>
             </a:r>
+            <a:endParaRPr lang="zh-CN" altLang="en-US"/>
           </a:p>
           <a:p>
             <a:pPr lvl="4"/>
@@ -2212,18 +1992,13 @@
               <a:rPr lang="zh-CN" altLang="en-US"/>
               <a:t>五级</a:t>
             </a:r>
-          </a:p>
-        </p:txBody>
-      </p:sp>
-      <p:sp>
-        <p:nvSpPr>
-          <p:cNvPr id="7" name="日期占位符 6">
-            <a:extLst>
-              <a:ext uri="{FF2B5EF4-FFF2-40B4-BE49-F238E27FC236}">
-                <a16:creationId xmlns:a16="http://schemas.microsoft.com/office/drawing/2014/main" id="{E1273016-63EE-4F9A-860D-567206C842D4}"/>
-              </a:ext>
-            </a:extLst>
-          </p:cNvPr>
+            <a:endParaRPr lang="zh-CN" altLang="en-US"/>
+          </a:p>
+        </p:txBody>
+      </p:sp>
+      <p:sp>
+        <p:nvSpPr>
+          <p:cNvPr id="7" name="日期占位符 6"/>
           <p:cNvSpPr>
             <a:spLocks noGrp="1"/>
           </p:cNvSpPr>
@@ -2238,7 +2013,6 @@
           <a:p>
             <a:fld id="{A0144562-18EF-4804-B489-529351FE0EFB}" type="datetime1">
               <a:rPr lang="zh-CN" altLang="en-US" smtClean="0"/>
-              <a:t>2020/12/22</a:t>
             </a:fld>
             <a:endParaRPr lang="zh-CN" altLang="en-US"/>
           </a:p>
@@ -2246,13 +2020,7 @@
       </p:sp>
       <p:sp>
         <p:nvSpPr>
-          <p:cNvPr id="8" name="页脚占位符 7">
-            <a:extLst>
-              <a:ext uri="{FF2B5EF4-FFF2-40B4-BE49-F238E27FC236}">
-                <a16:creationId xmlns:a16="http://schemas.microsoft.com/office/drawing/2014/main" id="{CD702712-1F22-4431-9A09-50D22073370F}"/>
-              </a:ext>
-            </a:extLst>
-          </p:cNvPr>
+          <p:cNvPr id="8" name="页脚占位符 7"/>
           <p:cNvSpPr>
             <a:spLocks noGrp="1"/>
           </p:cNvSpPr>
@@ -2279,13 +2047,7 @@
       </p:sp>
       <p:sp>
         <p:nvSpPr>
-          <p:cNvPr id="9" name="灯片编号占位符 8">
-            <a:extLst>
-              <a:ext uri="{FF2B5EF4-FFF2-40B4-BE49-F238E27FC236}">
-                <a16:creationId xmlns:a16="http://schemas.microsoft.com/office/drawing/2014/main" id="{D83CD357-8C95-4204-B9D0-CA421830F08D}"/>
-              </a:ext>
-            </a:extLst>
-          </p:cNvPr>
+          <p:cNvPr id="9" name="灯片编号占位符 8"/>
           <p:cNvSpPr>
             <a:spLocks noGrp="1"/>
           </p:cNvSpPr>
@@ -2300,18 +2062,12 @@
           <a:p>
             <a:fld id="{2C2FD869-39C1-4F0A-BA76-C1618E7E0872}" type="slidenum">
               <a:rPr lang="zh-CN" altLang="en-US" smtClean="0"/>
-              <a:t>‹#›</a:t>
             </a:fld>
             <a:endParaRPr lang="zh-CN" altLang="en-US"/>
           </a:p>
         </p:txBody>
       </p:sp>
     </p:spTree>
-    <p:extLst>
-      <p:ext uri="{BB962C8B-B14F-4D97-AF65-F5344CB8AC3E}">
-        <p14:creationId xmlns:p14="http://schemas.microsoft.com/office/powerpoint/2010/main" val="2116063736"/>
-      </p:ext>
-    </p:extLst>
   </p:cSld>
   <p:clrMapOvr>
     <a:masterClrMapping/>
@@ -2338,13 +2094,7 @@
       </p:grpSpPr>
       <p:sp>
         <p:nvSpPr>
-          <p:cNvPr id="2" name="标题 1">
-            <a:extLst>
-              <a:ext uri="{FF2B5EF4-FFF2-40B4-BE49-F238E27FC236}">
-                <a16:creationId xmlns:a16="http://schemas.microsoft.com/office/drawing/2014/main" id="{99F77FBC-BE73-4B5E-A31E-6B4228A07ED1}"/>
-              </a:ext>
-            </a:extLst>
-          </p:cNvPr>
+          <p:cNvPr id="2" name="标题 1"/>
           <p:cNvSpPr>
             <a:spLocks noGrp="1"/>
           </p:cNvSpPr>
@@ -2361,18 +2111,13 @@
               <a:rPr lang="zh-CN" altLang="en-US"/>
               <a:t>单击此处编辑母版标题样式</a:t>
             </a:r>
-          </a:p>
-        </p:txBody>
-      </p:sp>
-      <p:sp>
-        <p:nvSpPr>
-          <p:cNvPr id="3" name="日期占位符 2">
-            <a:extLst>
-              <a:ext uri="{FF2B5EF4-FFF2-40B4-BE49-F238E27FC236}">
-                <a16:creationId xmlns:a16="http://schemas.microsoft.com/office/drawing/2014/main" id="{EDD740E6-DE39-4140-9E0A-7EBB73F0A733}"/>
-              </a:ext>
-            </a:extLst>
-          </p:cNvPr>
+            <a:endParaRPr lang="zh-CN" altLang="en-US"/>
+          </a:p>
+        </p:txBody>
+      </p:sp>
+      <p:sp>
+        <p:nvSpPr>
+          <p:cNvPr id="3" name="日期占位符 2"/>
           <p:cNvSpPr>
             <a:spLocks noGrp="1"/>
           </p:cNvSpPr>
@@ -2387,7 +2132,6 @@
           <a:p>
             <a:fld id="{87AACDD8-1178-4728-8218-7551296B221B}" type="datetime1">
               <a:rPr lang="zh-CN" altLang="en-US" smtClean="0"/>
-              <a:t>2020/12/22</a:t>
             </a:fld>
             <a:endParaRPr lang="zh-CN" altLang="en-US"/>
           </a:p>
@@ -2395,13 +2139,7 @@
       </p:sp>
       <p:sp>
         <p:nvSpPr>
-          <p:cNvPr id="4" name="页脚占位符 3">
-            <a:extLst>
-              <a:ext uri="{FF2B5EF4-FFF2-40B4-BE49-F238E27FC236}">
-                <a16:creationId xmlns:a16="http://schemas.microsoft.com/office/drawing/2014/main" id="{F654A8AE-11AF-4B22-BFC3-BAE8DA932948}"/>
-              </a:ext>
-            </a:extLst>
-          </p:cNvPr>
+          <p:cNvPr id="4" name="页脚占位符 3"/>
           <p:cNvSpPr>
             <a:spLocks noGrp="1"/>
           </p:cNvSpPr>
@@ -2428,13 +2166,7 @@
       </p:sp>
       <p:sp>
         <p:nvSpPr>
-          <p:cNvPr id="5" name="灯片编号占位符 4">
-            <a:extLst>
-              <a:ext uri="{FF2B5EF4-FFF2-40B4-BE49-F238E27FC236}">
-                <a16:creationId xmlns:a16="http://schemas.microsoft.com/office/drawing/2014/main" id="{30F52CEC-DCB0-4377-9888-4B2E5482C633}"/>
-              </a:ext>
-            </a:extLst>
-          </p:cNvPr>
+          <p:cNvPr id="5" name="灯片编号占位符 4"/>
           <p:cNvSpPr>
             <a:spLocks noGrp="1"/>
           </p:cNvSpPr>
@@ -2449,18 +2181,12 @@
           <a:p>
             <a:fld id="{2C2FD869-39C1-4F0A-BA76-C1618E7E0872}" type="slidenum">
               <a:rPr lang="zh-CN" altLang="en-US" smtClean="0"/>
-              <a:t>‹#›</a:t>
             </a:fld>
             <a:endParaRPr lang="zh-CN" altLang="en-US"/>
           </a:p>
         </p:txBody>
       </p:sp>
     </p:spTree>
-    <p:extLst>
-      <p:ext uri="{BB962C8B-B14F-4D97-AF65-F5344CB8AC3E}">
-        <p14:creationId xmlns:p14="http://schemas.microsoft.com/office/powerpoint/2010/main" val="2762185163"/>
-      </p:ext>
-    </p:extLst>
   </p:cSld>
   <p:clrMapOvr>
     <a:masterClrMapping/>
@@ -2487,13 +2213,7 @@
       </p:grpSpPr>
       <p:sp>
         <p:nvSpPr>
-          <p:cNvPr id="2" name="日期占位符 1">
-            <a:extLst>
-              <a:ext uri="{FF2B5EF4-FFF2-40B4-BE49-F238E27FC236}">
-                <a16:creationId xmlns:a16="http://schemas.microsoft.com/office/drawing/2014/main" id="{F6284870-2FB6-4A8E-839C-D1FD68F0FEDF}"/>
-              </a:ext>
-            </a:extLst>
-          </p:cNvPr>
+          <p:cNvPr id="2" name="日期占位符 1"/>
           <p:cNvSpPr>
             <a:spLocks noGrp="1"/>
           </p:cNvSpPr>
@@ -2508,7 +2228,6 @@
           <a:p>
             <a:fld id="{03893235-274C-41AC-BC84-3C7717B495DB}" type="datetime1">
               <a:rPr lang="zh-CN" altLang="en-US" smtClean="0"/>
-              <a:t>2020/12/22</a:t>
             </a:fld>
             <a:endParaRPr lang="zh-CN" altLang="en-US"/>
           </a:p>
@@ -2516,13 +2235,7 @@
       </p:sp>
       <p:sp>
         <p:nvSpPr>
-          <p:cNvPr id="3" name="页脚占位符 2">
-            <a:extLst>
-              <a:ext uri="{FF2B5EF4-FFF2-40B4-BE49-F238E27FC236}">
-                <a16:creationId xmlns:a16="http://schemas.microsoft.com/office/drawing/2014/main" id="{AA7C1F53-65BA-4057-8EF4-7248DF94AC33}"/>
-              </a:ext>
-            </a:extLst>
-          </p:cNvPr>
+          <p:cNvPr id="3" name="页脚占位符 2"/>
           <p:cNvSpPr>
             <a:spLocks noGrp="1"/>
           </p:cNvSpPr>
@@ -2549,13 +2262,7 @@
       </p:sp>
       <p:sp>
         <p:nvSpPr>
-          <p:cNvPr id="4" name="灯片编号占位符 3">
-            <a:extLst>
-              <a:ext uri="{FF2B5EF4-FFF2-40B4-BE49-F238E27FC236}">
-                <a16:creationId xmlns:a16="http://schemas.microsoft.com/office/drawing/2014/main" id="{030E1724-C93D-4E99-86F8-E7DDFAE05FD3}"/>
-              </a:ext>
-            </a:extLst>
-          </p:cNvPr>
+          <p:cNvPr id="4" name="灯片编号占位符 3"/>
           <p:cNvSpPr>
             <a:spLocks noGrp="1"/>
           </p:cNvSpPr>
@@ -2570,18 +2277,12 @@
           <a:p>
             <a:fld id="{2C2FD869-39C1-4F0A-BA76-C1618E7E0872}" type="slidenum">
               <a:rPr lang="zh-CN" altLang="en-US" smtClean="0"/>
-              <a:t>‹#›</a:t>
             </a:fld>
             <a:endParaRPr lang="zh-CN" altLang="en-US"/>
           </a:p>
         </p:txBody>
       </p:sp>
     </p:spTree>
-    <p:extLst>
-      <p:ext uri="{BB962C8B-B14F-4D97-AF65-F5344CB8AC3E}">
-        <p14:creationId xmlns:p14="http://schemas.microsoft.com/office/powerpoint/2010/main" val="3982645923"/>
-      </p:ext>
-    </p:extLst>
   </p:cSld>
   <p:clrMapOvr>
     <a:masterClrMapping/>
@@ -2608,13 +2309,7 @@
       </p:grpSpPr>
       <p:sp>
         <p:nvSpPr>
-          <p:cNvPr id="2" name="标题 1">
-            <a:extLst>
-              <a:ext uri="{FF2B5EF4-FFF2-40B4-BE49-F238E27FC236}">
-                <a16:creationId xmlns:a16="http://schemas.microsoft.com/office/drawing/2014/main" id="{8F009701-44F4-46DB-85BA-1D8D940641EF}"/>
-              </a:ext>
-            </a:extLst>
-          </p:cNvPr>
+          <p:cNvPr id="2" name="标题 1"/>
           <p:cNvSpPr>
             <a:spLocks noGrp="1"/>
           </p:cNvSpPr>
@@ -2640,18 +2335,13 @@
               <a:rPr lang="zh-CN" altLang="en-US"/>
               <a:t>单击此处编辑母版标题样式</a:t>
             </a:r>
-          </a:p>
-        </p:txBody>
-      </p:sp>
-      <p:sp>
-        <p:nvSpPr>
-          <p:cNvPr id="3" name="内容占位符 2">
-            <a:extLst>
-              <a:ext uri="{FF2B5EF4-FFF2-40B4-BE49-F238E27FC236}">
-                <a16:creationId xmlns:a16="http://schemas.microsoft.com/office/drawing/2014/main" id="{5744BFB0-4943-4FD2-8944-FA24FCE89CEB}"/>
-              </a:ext>
-            </a:extLst>
-          </p:cNvPr>
+            <a:endParaRPr lang="zh-CN" altLang="en-US"/>
+          </a:p>
+        </p:txBody>
+      </p:sp>
+      <p:sp>
+        <p:nvSpPr>
+          <p:cNvPr id="3" name="内容占位符 2"/>
           <p:cNvSpPr>
             <a:spLocks noGrp="1"/>
           </p:cNvSpPr>
@@ -2702,6 +2392,7 @@
               <a:rPr lang="zh-CN" altLang="en-US"/>
               <a:t>单击此处编辑母版文本样式</a:t>
             </a:r>
+            <a:endParaRPr lang="zh-CN" altLang="en-US"/>
           </a:p>
           <a:p>
             <a:pPr lvl="1"/>
@@ -2709,6 +2400,7 @@
               <a:rPr lang="zh-CN" altLang="en-US"/>
               <a:t>二级</a:t>
             </a:r>
+            <a:endParaRPr lang="zh-CN" altLang="en-US"/>
           </a:p>
           <a:p>
             <a:pPr lvl="2"/>
@@ -2716,6 +2408,7 @@
               <a:rPr lang="zh-CN" altLang="en-US"/>
               <a:t>三级</a:t>
             </a:r>
+            <a:endParaRPr lang="zh-CN" altLang="en-US"/>
           </a:p>
           <a:p>
             <a:pPr lvl="3"/>
@@ -2723,6 +2416,7 @@
               <a:rPr lang="zh-CN" altLang="en-US"/>
               <a:t>四级</a:t>
             </a:r>
+            <a:endParaRPr lang="zh-CN" altLang="en-US"/>
           </a:p>
           <a:p>
             <a:pPr lvl="4"/>
@@ -2730,18 +2424,13 @@
               <a:rPr lang="zh-CN" altLang="en-US"/>
               <a:t>五级</a:t>
             </a:r>
-          </a:p>
-        </p:txBody>
-      </p:sp>
-      <p:sp>
-        <p:nvSpPr>
-          <p:cNvPr id="4" name="文本占位符 3">
-            <a:extLst>
-              <a:ext uri="{FF2B5EF4-FFF2-40B4-BE49-F238E27FC236}">
-                <a16:creationId xmlns:a16="http://schemas.microsoft.com/office/drawing/2014/main" id="{49FEB8B8-6405-4448-9400-5BBF143175B2}"/>
-              </a:ext>
-            </a:extLst>
-          </p:cNvPr>
+            <a:endParaRPr lang="zh-CN" altLang="en-US"/>
+          </a:p>
+        </p:txBody>
+      </p:sp>
+      <p:sp>
+        <p:nvSpPr>
+          <p:cNvPr id="4" name="文本占位符 3"/>
           <p:cNvSpPr>
             <a:spLocks noGrp="1"/>
           </p:cNvSpPr>
@@ -2801,18 +2490,13 @@
               <a:rPr lang="zh-CN" altLang="en-US"/>
               <a:t>单击此处编辑母版文本样式</a:t>
             </a:r>
-          </a:p>
-        </p:txBody>
-      </p:sp>
-      <p:sp>
-        <p:nvSpPr>
-          <p:cNvPr id="5" name="日期占位符 4">
-            <a:extLst>
-              <a:ext uri="{FF2B5EF4-FFF2-40B4-BE49-F238E27FC236}">
-                <a16:creationId xmlns:a16="http://schemas.microsoft.com/office/drawing/2014/main" id="{B3B6CC54-4FA4-45FF-84EE-9E3E87892071}"/>
-              </a:ext>
-            </a:extLst>
-          </p:cNvPr>
+            <a:endParaRPr lang="zh-CN" altLang="en-US"/>
+          </a:p>
+        </p:txBody>
+      </p:sp>
+      <p:sp>
+        <p:nvSpPr>
+          <p:cNvPr id="5" name="日期占位符 4"/>
           <p:cNvSpPr>
             <a:spLocks noGrp="1"/>
           </p:cNvSpPr>
@@ -2827,7 +2511,6 @@
           <a:p>
             <a:fld id="{B9E0922B-B69D-4DE3-9B28-B7CBDD995048}" type="datetime1">
               <a:rPr lang="zh-CN" altLang="en-US" smtClean="0"/>
-              <a:t>2020/12/22</a:t>
             </a:fld>
             <a:endParaRPr lang="zh-CN" altLang="en-US"/>
           </a:p>
@@ -2835,13 +2518,7 @@
       </p:sp>
       <p:sp>
         <p:nvSpPr>
-          <p:cNvPr id="6" name="页脚占位符 5">
-            <a:extLst>
-              <a:ext uri="{FF2B5EF4-FFF2-40B4-BE49-F238E27FC236}">
-                <a16:creationId xmlns:a16="http://schemas.microsoft.com/office/drawing/2014/main" id="{F48067A4-FC00-4D40-9FB0-2482836E1192}"/>
-              </a:ext>
-            </a:extLst>
-          </p:cNvPr>
+          <p:cNvPr id="6" name="页脚占位符 5"/>
           <p:cNvSpPr>
             <a:spLocks noGrp="1"/>
           </p:cNvSpPr>
@@ -2868,13 +2545,7 @@
       </p:sp>
       <p:sp>
         <p:nvSpPr>
-          <p:cNvPr id="7" name="灯片编号占位符 6">
-            <a:extLst>
-              <a:ext uri="{FF2B5EF4-FFF2-40B4-BE49-F238E27FC236}">
-                <a16:creationId xmlns:a16="http://schemas.microsoft.com/office/drawing/2014/main" id="{ED57E447-20EB-4FF5-818E-0B9FC65740EE}"/>
-              </a:ext>
-            </a:extLst>
-          </p:cNvPr>
+          <p:cNvPr id="7" name="灯片编号占位符 6"/>
           <p:cNvSpPr>
             <a:spLocks noGrp="1"/>
           </p:cNvSpPr>
@@ -2889,18 +2560,12 @@
           <a:p>
             <a:fld id="{2C2FD869-39C1-4F0A-BA76-C1618E7E0872}" type="slidenum">
               <a:rPr lang="zh-CN" altLang="en-US" smtClean="0"/>
-              <a:t>‹#›</a:t>
             </a:fld>
             <a:endParaRPr lang="zh-CN" altLang="en-US"/>
           </a:p>
         </p:txBody>
       </p:sp>
     </p:spTree>
-    <p:extLst>
-      <p:ext uri="{BB962C8B-B14F-4D97-AF65-F5344CB8AC3E}">
-        <p14:creationId xmlns:p14="http://schemas.microsoft.com/office/powerpoint/2010/main" val="3840207413"/>
-      </p:ext>
-    </p:extLst>
   </p:cSld>
   <p:clrMapOvr>
     <a:masterClrMapping/>
@@ -2927,13 +2592,7 @@
       </p:grpSpPr>
       <p:sp>
         <p:nvSpPr>
-          <p:cNvPr id="2" name="标题 1">
-            <a:extLst>
-              <a:ext uri="{FF2B5EF4-FFF2-40B4-BE49-F238E27FC236}">
-                <a16:creationId xmlns:a16="http://schemas.microsoft.com/office/drawing/2014/main" id="{6A90D426-CA14-43D9-8576-D7DF0E000C42}"/>
-              </a:ext>
-            </a:extLst>
-          </p:cNvPr>
+          <p:cNvPr id="2" name="标题 1"/>
           <p:cNvSpPr>
             <a:spLocks noGrp="1"/>
           </p:cNvSpPr>
@@ -2959,18 +2618,13 @@
               <a:rPr lang="zh-CN" altLang="en-US"/>
               <a:t>单击此处编辑母版标题样式</a:t>
             </a:r>
-          </a:p>
-        </p:txBody>
-      </p:sp>
-      <p:sp>
-        <p:nvSpPr>
-          <p:cNvPr id="3" name="图片占位符 2">
-            <a:extLst>
-              <a:ext uri="{FF2B5EF4-FFF2-40B4-BE49-F238E27FC236}">
-                <a16:creationId xmlns:a16="http://schemas.microsoft.com/office/drawing/2014/main" id="{C53853B4-38C5-4FA9-878A-709043469CAA}"/>
-              </a:ext>
-            </a:extLst>
-          </p:cNvPr>
+            <a:endParaRPr lang="zh-CN" altLang="en-US"/>
+          </a:p>
+        </p:txBody>
+      </p:sp>
+      <p:sp>
+        <p:nvSpPr>
+          <p:cNvPr id="3" name="图片占位符 2"/>
           <p:cNvSpPr>
             <a:spLocks noGrp="1"/>
           </p:cNvSpPr>
@@ -3031,13 +2685,7 @@
       </p:sp>
       <p:sp>
         <p:nvSpPr>
-          <p:cNvPr id="4" name="文本占位符 3">
-            <a:extLst>
-              <a:ext uri="{FF2B5EF4-FFF2-40B4-BE49-F238E27FC236}">
-                <a16:creationId xmlns:a16="http://schemas.microsoft.com/office/drawing/2014/main" id="{6918FA53-03A0-40A6-954D-49744632810C}"/>
-              </a:ext>
-            </a:extLst>
-          </p:cNvPr>
+          <p:cNvPr id="4" name="文本占位符 3"/>
           <p:cNvSpPr>
             <a:spLocks noGrp="1"/>
           </p:cNvSpPr>
@@ -3097,18 +2745,13 @@
               <a:rPr lang="zh-CN" altLang="en-US"/>
               <a:t>单击此处编辑母版文本样式</a:t>
             </a:r>
-          </a:p>
-        </p:txBody>
-      </p:sp>
-      <p:sp>
-        <p:nvSpPr>
-          <p:cNvPr id="5" name="日期占位符 4">
-            <a:extLst>
-              <a:ext uri="{FF2B5EF4-FFF2-40B4-BE49-F238E27FC236}">
-                <a16:creationId xmlns:a16="http://schemas.microsoft.com/office/drawing/2014/main" id="{9A55D181-696C-4F3C-B56E-F444FD5A226E}"/>
-              </a:ext>
-            </a:extLst>
-          </p:cNvPr>
+            <a:endParaRPr lang="zh-CN" altLang="en-US"/>
+          </a:p>
+        </p:txBody>
+      </p:sp>
+      <p:sp>
+        <p:nvSpPr>
+          <p:cNvPr id="5" name="日期占位符 4"/>
           <p:cNvSpPr>
             <a:spLocks noGrp="1"/>
           </p:cNvSpPr>
@@ -3123,7 +2766,6 @@
           <a:p>
             <a:fld id="{42048F93-B386-48E1-A4A4-90C957DCE639}" type="datetime1">
               <a:rPr lang="zh-CN" altLang="en-US" smtClean="0"/>
-              <a:t>2020/12/22</a:t>
             </a:fld>
             <a:endParaRPr lang="zh-CN" altLang="en-US"/>
           </a:p>
@@ -3131,13 +2773,7 @@
       </p:sp>
       <p:sp>
         <p:nvSpPr>
-          <p:cNvPr id="6" name="页脚占位符 5">
-            <a:extLst>
-              <a:ext uri="{FF2B5EF4-FFF2-40B4-BE49-F238E27FC236}">
-                <a16:creationId xmlns:a16="http://schemas.microsoft.com/office/drawing/2014/main" id="{D08F06DC-94D8-4112-8B68-2EF21DCF8396}"/>
-              </a:ext>
-            </a:extLst>
-          </p:cNvPr>
+          <p:cNvPr id="6" name="页脚占位符 5"/>
           <p:cNvSpPr>
             <a:spLocks noGrp="1"/>
           </p:cNvSpPr>
@@ -3164,13 +2800,7 @@
       </p:sp>
       <p:sp>
         <p:nvSpPr>
-          <p:cNvPr id="7" name="灯片编号占位符 6">
-            <a:extLst>
-              <a:ext uri="{FF2B5EF4-FFF2-40B4-BE49-F238E27FC236}">
-                <a16:creationId xmlns:a16="http://schemas.microsoft.com/office/drawing/2014/main" id="{7F435961-5D76-457F-A41E-22EAB7251273}"/>
-              </a:ext>
-            </a:extLst>
-          </p:cNvPr>
+          <p:cNvPr id="7" name="灯片编号占位符 6"/>
           <p:cNvSpPr>
             <a:spLocks noGrp="1"/>
           </p:cNvSpPr>
@@ -3185,18 +2815,12 @@
           <a:p>
             <a:fld id="{2C2FD869-39C1-4F0A-BA76-C1618E7E0872}" type="slidenum">
               <a:rPr lang="zh-CN" altLang="en-US" smtClean="0"/>
-              <a:t>‹#›</a:t>
             </a:fld>
             <a:endParaRPr lang="zh-CN" altLang="en-US"/>
           </a:p>
         </p:txBody>
       </p:sp>
     </p:spTree>
-    <p:extLst>
-      <p:ext uri="{BB962C8B-B14F-4D97-AF65-F5344CB8AC3E}">
-        <p14:creationId xmlns:p14="http://schemas.microsoft.com/office/powerpoint/2010/main" val="1385631723"/>
-      </p:ext>
-    </p:extLst>
   </p:cSld>
   <p:clrMapOvr>
     <a:masterClrMapping/>
@@ -3228,13 +2852,7 @@
       </p:grpSpPr>
       <p:sp>
         <p:nvSpPr>
-          <p:cNvPr id="2" name="标题占位符 1">
-            <a:extLst>
-              <a:ext uri="{FF2B5EF4-FFF2-40B4-BE49-F238E27FC236}">
-                <a16:creationId xmlns:a16="http://schemas.microsoft.com/office/drawing/2014/main" id="{80DA9E1F-80C0-49AB-A996-3BDAA7A26112}"/>
-              </a:ext>
-            </a:extLst>
-          </p:cNvPr>
+          <p:cNvPr id="2" name="标题占位符 1"/>
           <p:cNvSpPr>
             <a:spLocks noGrp="1"/>
           </p:cNvSpPr>
@@ -3261,18 +2879,13 @@
               <a:rPr lang="zh-CN" altLang="en-US"/>
               <a:t>单击此处编辑母版标题样式</a:t>
             </a:r>
-          </a:p>
-        </p:txBody>
-      </p:sp>
-      <p:sp>
-        <p:nvSpPr>
-          <p:cNvPr id="3" name="文本占位符 2">
-            <a:extLst>
-              <a:ext uri="{FF2B5EF4-FFF2-40B4-BE49-F238E27FC236}">
-                <a16:creationId xmlns:a16="http://schemas.microsoft.com/office/drawing/2014/main" id="{FDC74AEC-7596-4377-B478-42E118D6FF50}"/>
-              </a:ext>
-            </a:extLst>
-          </p:cNvPr>
+            <a:endParaRPr lang="zh-CN" altLang="en-US"/>
+          </a:p>
+        </p:txBody>
+      </p:sp>
+      <p:sp>
+        <p:nvSpPr>
+          <p:cNvPr id="3" name="文本占位符 2"/>
           <p:cNvSpPr>
             <a:spLocks noGrp="1"/>
           </p:cNvSpPr>
@@ -3300,6 +2913,7 @@
               <a:rPr lang="zh-CN" altLang="en-US"/>
               <a:t>单击此处编辑母版文本样式</a:t>
             </a:r>
+            <a:endParaRPr lang="zh-CN" altLang="en-US"/>
           </a:p>
           <a:p>
             <a:pPr lvl="1"/>
@@ -3307,6 +2921,7 @@
               <a:rPr lang="zh-CN" altLang="en-US"/>
               <a:t>二级</a:t>
             </a:r>
+            <a:endParaRPr lang="zh-CN" altLang="en-US"/>
           </a:p>
           <a:p>
             <a:pPr lvl="2"/>
@@ -3314,6 +2929,7 @@
               <a:rPr lang="zh-CN" altLang="en-US"/>
               <a:t>三级</a:t>
             </a:r>
+            <a:endParaRPr lang="zh-CN" altLang="en-US"/>
           </a:p>
           <a:p>
             <a:pPr lvl="3"/>
@@ -3321,6 +2937,7 @@
               <a:rPr lang="zh-CN" altLang="en-US"/>
               <a:t>四级</a:t>
             </a:r>
+            <a:endParaRPr lang="zh-CN" altLang="en-US"/>
           </a:p>
           <a:p>
             <a:pPr lvl="4"/>
@@ -3328,18 +2945,13 @@
               <a:rPr lang="zh-CN" altLang="en-US"/>
               <a:t>五级</a:t>
             </a:r>
-          </a:p>
-        </p:txBody>
-      </p:sp>
-      <p:sp>
-        <p:nvSpPr>
-          <p:cNvPr id="4" name="日期占位符 3">
-            <a:extLst>
-              <a:ext uri="{FF2B5EF4-FFF2-40B4-BE49-F238E27FC236}">
-                <a16:creationId xmlns:a16="http://schemas.microsoft.com/office/drawing/2014/main" id="{CF0F9C65-6A19-4E0A-B187-50E5D262C92D}"/>
-              </a:ext>
-            </a:extLst>
-          </p:cNvPr>
+            <a:endParaRPr lang="zh-CN" altLang="en-US"/>
+          </a:p>
+        </p:txBody>
+      </p:sp>
+      <p:sp>
+        <p:nvSpPr>
+          <p:cNvPr id="4" name="日期占位符 3"/>
           <p:cNvSpPr>
             <a:spLocks noGrp="1"/>
           </p:cNvSpPr>
@@ -3372,7 +2984,6 @@
           <a:p>
             <a:fld id="{2E2D3690-DEAE-4EF6-9EC5-36B2D000055D}" type="datetime1">
               <a:rPr lang="zh-CN" altLang="en-US" smtClean="0"/>
-              <a:t>2020/12/22</a:t>
             </a:fld>
             <a:endParaRPr lang="zh-CN" altLang="en-US"/>
           </a:p>
@@ -3380,13 +2991,7 @@
       </p:sp>
       <p:sp>
         <p:nvSpPr>
-          <p:cNvPr id="5" name="页脚占位符 4">
-            <a:extLst>
-              <a:ext uri="{FF2B5EF4-FFF2-40B4-BE49-F238E27FC236}">
-                <a16:creationId xmlns:a16="http://schemas.microsoft.com/office/drawing/2014/main" id="{0E0127EF-D0C3-4E8D-9299-E86FBA9C4A61}"/>
-              </a:ext>
-            </a:extLst>
-          </p:cNvPr>
+          <p:cNvPr id="5" name="页脚占位符 4"/>
           <p:cNvSpPr>
             <a:spLocks noGrp="1"/>
           </p:cNvSpPr>
@@ -3431,13 +3036,7 @@
       </p:sp>
       <p:sp>
         <p:nvSpPr>
-          <p:cNvPr id="6" name="灯片编号占位符 5">
-            <a:extLst>
-              <a:ext uri="{FF2B5EF4-FFF2-40B4-BE49-F238E27FC236}">
-                <a16:creationId xmlns:a16="http://schemas.microsoft.com/office/drawing/2014/main" id="{82EF01A5-4F7D-4244-B1F9-39D91D61844B}"/>
-              </a:ext>
-            </a:extLst>
-          </p:cNvPr>
+          <p:cNvPr id="6" name="灯片编号占位符 5"/>
           <p:cNvSpPr>
             <a:spLocks noGrp="1"/>
           </p:cNvSpPr>
@@ -3470,18 +3069,12 @@
           <a:p>
             <a:fld id="{2C2FD869-39C1-4F0A-BA76-C1618E7E0872}" type="slidenum">
               <a:rPr lang="zh-CN" altLang="en-US" smtClean="0"/>
-              <a:t>‹#›</a:t>
             </a:fld>
             <a:endParaRPr lang="zh-CN" altLang="en-US"/>
           </a:p>
         </p:txBody>
       </p:sp>
     </p:spTree>
-    <p:extLst>
-      <p:ext uri="{BB962C8B-B14F-4D97-AF65-F5344CB8AC3E}">
-        <p14:creationId xmlns:p14="http://schemas.microsoft.com/office/powerpoint/2010/main" val="3383777578"/>
-      </p:ext>
-    </p:extLst>
   </p:cSld>
   <p:clrMap bg1="lt1" tx1="dk1" bg2="lt2" tx2="dk2" accent1="accent1" accent2="accent2" accent3="accent3" accent4="accent4" accent5="accent5" accent6="accent6" hlink="hlink" folHlink="folHlink"/>
   <p:sldLayoutIdLst>
@@ -3800,13 +3393,7 @@
       </p:grpSpPr>
       <p:sp>
         <p:nvSpPr>
-          <p:cNvPr id="2" name="标题 1">
-            <a:extLst>
-              <a:ext uri="{FF2B5EF4-FFF2-40B4-BE49-F238E27FC236}">
-                <a16:creationId xmlns:a16="http://schemas.microsoft.com/office/drawing/2014/main" id="{1E73E5AB-5160-402A-83EF-743608F607A1}"/>
-              </a:ext>
-            </a:extLst>
-          </p:cNvPr>
+          <p:cNvPr id="2" name="标题 1"/>
           <p:cNvSpPr>
             <a:spLocks noGrp="1"/>
           </p:cNvSpPr>
@@ -3825,18 +3412,13 @@
               <a:rPr lang="zh-CN" altLang="en-US" dirty="0"/>
               <a:t>算法数据结构体系学习班</a:t>
             </a:r>
-          </a:p>
-        </p:txBody>
-      </p:sp>
-      <p:sp>
-        <p:nvSpPr>
-          <p:cNvPr id="3" name="副标题 2">
-            <a:extLst>
-              <a:ext uri="{FF2B5EF4-FFF2-40B4-BE49-F238E27FC236}">
-                <a16:creationId xmlns:a16="http://schemas.microsoft.com/office/drawing/2014/main" id="{539BDA33-83B0-4C19-ACDC-A94DBCA00549}"/>
-              </a:ext>
-            </a:extLst>
-          </p:cNvPr>
+            <a:endParaRPr lang="zh-CN" altLang="en-US" dirty="0"/>
+          </a:p>
+        </p:txBody>
+      </p:sp>
+      <p:sp>
+        <p:nvSpPr>
+          <p:cNvPr id="3" name="副标题 2"/>
           <p:cNvSpPr>
             <a:spLocks noGrp="1"/>
           </p:cNvSpPr>
@@ -3882,13 +3464,7 @@
       </p:sp>
       <p:sp>
         <p:nvSpPr>
-          <p:cNvPr id="4" name="页脚占位符 3">
-            <a:extLst>
-              <a:ext uri="{FF2B5EF4-FFF2-40B4-BE49-F238E27FC236}">
-                <a16:creationId xmlns:a16="http://schemas.microsoft.com/office/drawing/2014/main" id="{2BC83350-A18E-4706-8212-C2CC3C560195}"/>
-              </a:ext>
-            </a:extLst>
-          </p:cNvPr>
+          <p:cNvPr id="4" name="页脚占位符 3"/>
           <p:cNvSpPr>
             <a:spLocks noGrp="1"/>
           </p:cNvSpPr>
@@ -3919,20 +3495,14 @@
       </p:sp>
       <p:pic>
         <p:nvPicPr>
-          <p:cNvPr id="5" name="图片 4">
-            <a:extLst>
-              <a:ext uri="{FF2B5EF4-FFF2-40B4-BE49-F238E27FC236}">
-                <a16:creationId xmlns:a16="http://schemas.microsoft.com/office/drawing/2014/main" id="{558D48C9-EE5A-455D-909A-98B6ED11C025}"/>
-              </a:ext>
-            </a:extLst>
-          </p:cNvPr>
+          <p:cNvPr id="5" name="图片 4"/>
           <p:cNvPicPr>
             <a:picLocks noChangeAspect="1"/>
           </p:cNvPicPr>
           <p:nvPr/>
         </p:nvPicPr>
         <p:blipFill>
-          <a:blip r:embed="rId2" cstate="print">
+          <a:blip r:embed="rId1" cstate="print">
             <a:duotone>
               <a:schemeClr val="accent5">
                 <a:shade val="45000"/>
@@ -3961,11 +3531,6 @@
         </p:spPr>
       </p:pic>
     </p:spTree>
-    <p:extLst>
-      <p:ext uri="{BB962C8B-B14F-4D97-AF65-F5344CB8AC3E}">
-        <p14:creationId xmlns:p14="http://schemas.microsoft.com/office/powerpoint/2010/main" val="1663256248"/>
-      </p:ext>
-    </p:extLst>
   </p:cSld>
   <p:clrMapOvr>
     <a:masterClrMapping/>
@@ -3992,13 +3557,7 @@
       </p:grpSpPr>
       <p:sp>
         <p:nvSpPr>
-          <p:cNvPr id="2" name="标题 1">
-            <a:extLst>
-              <a:ext uri="{FF2B5EF4-FFF2-40B4-BE49-F238E27FC236}">
-                <a16:creationId xmlns:a16="http://schemas.microsoft.com/office/drawing/2014/main" id="{403A4842-C8D9-4956-A38B-831250316ED2}"/>
-              </a:ext>
-            </a:extLst>
-          </p:cNvPr>
+          <p:cNvPr id="2" name="标题 1"/>
           <p:cNvSpPr>
             <a:spLocks noGrp="1"/>
           </p:cNvSpPr>
@@ -4022,18 +3581,13 @@
               <a:rPr lang="zh-CN" altLang="en-US" sz="2800" dirty="0"/>
               <a:t>冒泡排序</a:t>
             </a:r>
-          </a:p>
-        </p:txBody>
-      </p:sp>
-      <p:sp>
-        <p:nvSpPr>
-          <p:cNvPr id="4" name="页脚占位符 3">
-            <a:extLst>
-              <a:ext uri="{FF2B5EF4-FFF2-40B4-BE49-F238E27FC236}">
-                <a16:creationId xmlns:a16="http://schemas.microsoft.com/office/drawing/2014/main" id="{E5784C5B-E926-4C19-849B-C2507EB97652}"/>
-              </a:ext>
-            </a:extLst>
-          </p:cNvPr>
+            <a:endParaRPr lang="zh-CN" altLang="en-US" sz="2800" dirty="0"/>
+          </a:p>
+        </p:txBody>
+      </p:sp>
+      <p:sp>
+        <p:nvSpPr>
+          <p:cNvPr id="4" name="页脚占位符 3"/>
           <p:cNvSpPr>
             <a:spLocks noGrp="1"/>
           </p:cNvSpPr>
@@ -4060,20 +3614,14 @@
       </p:sp>
       <p:pic>
         <p:nvPicPr>
-          <p:cNvPr id="5" name="图片 4">
-            <a:extLst>
-              <a:ext uri="{FF2B5EF4-FFF2-40B4-BE49-F238E27FC236}">
-                <a16:creationId xmlns:a16="http://schemas.microsoft.com/office/drawing/2014/main" id="{DD3CE3FF-C8EB-4708-915E-B1FE5FA36590}"/>
-              </a:ext>
-            </a:extLst>
-          </p:cNvPr>
+          <p:cNvPr id="5" name="图片 4"/>
           <p:cNvPicPr>
             <a:picLocks noChangeAspect="1"/>
           </p:cNvPicPr>
           <p:nvPr/>
         </p:nvPicPr>
         <p:blipFill>
-          <a:blip r:embed="rId2" cstate="print">
+          <a:blip r:embed="rId1" cstate="print">
             <a:duotone>
               <a:schemeClr val="accent5">
                 <a:shade val="45000"/>
@@ -4103,13 +3651,7 @@
       </p:pic>
       <p:sp>
         <p:nvSpPr>
-          <p:cNvPr id="7" name="内容占位符 2">
-            <a:extLst>
-              <a:ext uri="{FF2B5EF4-FFF2-40B4-BE49-F238E27FC236}">
-                <a16:creationId xmlns:a16="http://schemas.microsoft.com/office/drawing/2014/main" id="{FCF28F77-6743-40F7-B661-7DE6BEDC6A0B}"/>
-              </a:ext>
-            </a:extLst>
-          </p:cNvPr>
+          <p:cNvPr id="7" name="内容占位符 2"/>
           <p:cNvSpPr>
             <a:spLocks noGrp="1"/>
           </p:cNvSpPr>
@@ -4255,7 +3797,7 @@
               <a:t>位置</a:t>
             </a:r>
             <a:r>
-              <a:rPr lang="mr-IN" altLang="zh-CN" sz="1800" dirty="0"/>
+              <a:rPr lang="en-US" altLang="zh-CN" sz="1800" dirty="0"/>
               <a:t>…</a:t>
             </a:r>
             <a:r>
@@ -4451,7 +3993,7 @@
               <a:buNone/>
             </a:pPr>
             <a:r>
-              <a:rPr lang="mr-IN" altLang="zh-CN" sz="1800" dirty="0"/>
+              <a:rPr lang="en-US" altLang="zh-CN" sz="1800" dirty="0"/>
               <a:t>…</a:t>
             </a:r>
             <a:endParaRPr lang="en-US" altLang="zh-CN" sz="1800" dirty="0"/>
@@ -4654,6 +4196,7 @@
               <a:rPr lang="en-US" altLang="zh-CN" sz="1800" dirty="0"/>
               <a:t>)</a:t>
             </a:r>
+            <a:endParaRPr lang="en-US" altLang="zh-CN" sz="1800" dirty="0"/>
           </a:p>
           <a:p>
             <a:pPr marL="0" indent="0">
@@ -4694,11 +4237,6 @@
         </p:txBody>
       </p:sp>
     </p:spTree>
-    <p:extLst>
-      <p:ext uri="{BB962C8B-B14F-4D97-AF65-F5344CB8AC3E}">
-        <p14:creationId xmlns:p14="http://schemas.microsoft.com/office/powerpoint/2010/main" val="1533681222"/>
-      </p:ext>
-    </p:extLst>
   </p:cSld>
   <p:clrMapOvr>
     <a:masterClrMapping/>
@@ -4725,13 +4263,7 @@
       </p:grpSpPr>
       <p:sp>
         <p:nvSpPr>
-          <p:cNvPr id="2" name="标题 1">
-            <a:extLst>
-              <a:ext uri="{FF2B5EF4-FFF2-40B4-BE49-F238E27FC236}">
-                <a16:creationId xmlns:a16="http://schemas.microsoft.com/office/drawing/2014/main" id="{403A4842-C8D9-4956-A38B-831250316ED2}"/>
-              </a:ext>
-            </a:extLst>
-          </p:cNvPr>
+          <p:cNvPr id="2" name="标题 1"/>
           <p:cNvSpPr>
             <a:spLocks noGrp="1"/>
           </p:cNvSpPr>
@@ -4755,18 +4287,13 @@
               <a:rPr lang="zh-CN" altLang="en-US" sz="2800" dirty="0"/>
               <a:t>插入排序</a:t>
             </a:r>
-          </a:p>
-        </p:txBody>
-      </p:sp>
-      <p:sp>
-        <p:nvSpPr>
-          <p:cNvPr id="4" name="页脚占位符 3">
-            <a:extLst>
-              <a:ext uri="{FF2B5EF4-FFF2-40B4-BE49-F238E27FC236}">
-                <a16:creationId xmlns:a16="http://schemas.microsoft.com/office/drawing/2014/main" id="{E5784C5B-E926-4C19-849B-C2507EB97652}"/>
-              </a:ext>
-            </a:extLst>
-          </p:cNvPr>
+            <a:endParaRPr lang="zh-CN" altLang="en-US" sz="2800" dirty="0"/>
+          </a:p>
+        </p:txBody>
+      </p:sp>
+      <p:sp>
+        <p:nvSpPr>
+          <p:cNvPr id="4" name="页脚占位符 3"/>
           <p:cNvSpPr>
             <a:spLocks noGrp="1"/>
           </p:cNvSpPr>
@@ -4793,20 +4320,14 @@
       </p:sp>
       <p:pic>
         <p:nvPicPr>
-          <p:cNvPr id="5" name="图片 4">
-            <a:extLst>
-              <a:ext uri="{FF2B5EF4-FFF2-40B4-BE49-F238E27FC236}">
-                <a16:creationId xmlns:a16="http://schemas.microsoft.com/office/drawing/2014/main" id="{DD3CE3FF-C8EB-4708-915E-B1FE5FA36590}"/>
-              </a:ext>
-            </a:extLst>
-          </p:cNvPr>
+          <p:cNvPr id="5" name="图片 4"/>
           <p:cNvPicPr>
             <a:picLocks noChangeAspect="1"/>
           </p:cNvPicPr>
           <p:nvPr/>
         </p:nvPicPr>
         <p:blipFill>
-          <a:blip r:embed="rId2" cstate="print">
+          <a:blip r:embed="rId1" cstate="print">
             <a:duotone>
               <a:schemeClr val="accent5">
                 <a:shade val="45000"/>
@@ -4836,13 +4357,7 @@
       </p:pic>
       <p:sp>
         <p:nvSpPr>
-          <p:cNvPr id="7" name="内容占位符 2">
-            <a:extLst>
-              <a:ext uri="{FF2B5EF4-FFF2-40B4-BE49-F238E27FC236}">
-                <a16:creationId xmlns:a16="http://schemas.microsoft.com/office/drawing/2014/main" id="{FCF28F77-6743-40F7-B661-7DE6BEDC6A0B}"/>
-              </a:ext>
-            </a:extLst>
-          </p:cNvPr>
+          <p:cNvPr id="7" name="内容占位符 2"/>
           <p:cNvSpPr>
             <a:spLocks noGrp="1"/>
           </p:cNvSpPr>
@@ -4976,7 +4491,7 @@
               <a:buNone/>
             </a:pPr>
             <a:r>
-              <a:rPr lang="mr-IN" altLang="zh-CN" sz="1800" dirty="0"/>
+              <a:rPr lang="en-US" altLang="zh-CN" sz="1800" dirty="0"/>
               <a:t>…</a:t>
             </a:r>
             <a:endParaRPr lang="en-US" altLang="zh-CN" sz="1800" dirty="0"/>
@@ -5152,11 +4667,6 @@
         </p:txBody>
       </p:sp>
     </p:spTree>
-    <p:extLst>
-      <p:ext uri="{BB962C8B-B14F-4D97-AF65-F5344CB8AC3E}">
-        <p14:creationId xmlns:p14="http://schemas.microsoft.com/office/powerpoint/2010/main" val="2048014196"/>
-      </p:ext>
-    </p:extLst>
   </p:cSld>
   <p:clrMapOvr>
     <a:masterClrMapping/>
@@ -5183,13 +4693,7 @@
       </p:grpSpPr>
       <p:sp>
         <p:nvSpPr>
-          <p:cNvPr id="2" name="标题 1">
-            <a:extLst>
-              <a:ext uri="{FF2B5EF4-FFF2-40B4-BE49-F238E27FC236}">
-                <a16:creationId xmlns:a16="http://schemas.microsoft.com/office/drawing/2014/main" id="{403A4842-C8D9-4956-A38B-831250316ED2}"/>
-              </a:ext>
-            </a:extLst>
-          </p:cNvPr>
+          <p:cNvPr id="2" name="标题 1"/>
           <p:cNvSpPr>
             <a:spLocks noGrp="1"/>
           </p:cNvSpPr>
@@ -5213,18 +4717,13 @@
               <a:rPr lang="zh-CN" altLang="en-US" sz="2800" dirty="0"/>
               <a:t>插入排序</a:t>
             </a:r>
-          </a:p>
-        </p:txBody>
-      </p:sp>
-      <p:sp>
-        <p:nvSpPr>
-          <p:cNvPr id="4" name="页脚占位符 3">
-            <a:extLst>
-              <a:ext uri="{FF2B5EF4-FFF2-40B4-BE49-F238E27FC236}">
-                <a16:creationId xmlns:a16="http://schemas.microsoft.com/office/drawing/2014/main" id="{E5784C5B-E926-4C19-849B-C2507EB97652}"/>
-              </a:ext>
-            </a:extLst>
-          </p:cNvPr>
+            <a:endParaRPr lang="zh-CN" altLang="en-US" sz="2800" dirty="0"/>
+          </a:p>
+        </p:txBody>
+      </p:sp>
+      <p:sp>
+        <p:nvSpPr>
+          <p:cNvPr id="4" name="页脚占位符 3"/>
           <p:cNvSpPr>
             <a:spLocks noGrp="1"/>
           </p:cNvSpPr>
@@ -5251,20 +4750,14 @@
       </p:sp>
       <p:pic>
         <p:nvPicPr>
-          <p:cNvPr id="5" name="图片 4">
-            <a:extLst>
-              <a:ext uri="{FF2B5EF4-FFF2-40B4-BE49-F238E27FC236}">
-                <a16:creationId xmlns:a16="http://schemas.microsoft.com/office/drawing/2014/main" id="{DD3CE3FF-C8EB-4708-915E-B1FE5FA36590}"/>
-              </a:ext>
-            </a:extLst>
-          </p:cNvPr>
+          <p:cNvPr id="5" name="图片 4"/>
           <p:cNvPicPr>
             <a:picLocks noChangeAspect="1"/>
           </p:cNvPicPr>
           <p:nvPr/>
         </p:nvPicPr>
         <p:blipFill>
-          <a:blip r:embed="rId2" cstate="print">
+          <a:blip r:embed="rId1" cstate="print">
             <a:duotone>
               <a:schemeClr val="accent5">
                 <a:shade val="45000"/>
@@ -5294,13 +4787,7 @@
       </p:pic>
       <p:sp>
         <p:nvSpPr>
-          <p:cNvPr id="7" name="内容占位符 2">
-            <a:extLst>
-              <a:ext uri="{FF2B5EF4-FFF2-40B4-BE49-F238E27FC236}">
-                <a16:creationId xmlns:a16="http://schemas.microsoft.com/office/drawing/2014/main" id="{FCF28F77-6743-40F7-B661-7DE6BEDC6A0B}"/>
-              </a:ext>
-            </a:extLst>
-          </p:cNvPr>
+          <p:cNvPr id="7" name="内容占位符 2"/>
           <p:cNvSpPr>
             <a:spLocks noGrp="1"/>
           </p:cNvSpPr>
@@ -5473,6 +4960,7 @@
               <a:rPr lang="en-US" altLang="zh-CN" sz="1800" dirty="0"/>
               <a:t>)</a:t>
             </a:r>
+            <a:endParaRPr lang="en-US" altLang="zh-CN" sz="1800" dirty="0"/>
           </a:p>
           <a:p>
             <a:pPr marL="0" indent="0">
@@ -5513,11 +5001,6 @@
         </p:txBody>
       </p:sp>
     </p:spTree>
-    <p:extLst>
-      <p:ext uri="{BB962C8B-B14F-4D97-AF65-F5344CB8AC3E}">
-        <p14:creationId xmlns:p14="http://schemas.microsoft.com/office/powerpoint/2010/main" val="1403637041"/>
-      </p:ext>
-    </p:extLst>
   </p:cSld>
   <p:clrMapOvr>
     <a:masterClrMapping/>
@@ -5544,13 +5027,7 @@
       </p:grpSpPr>
       <p:sp>
         <p:nvSpPr>
-          <p:cNvPr id="2" name="标题 1">
-            <a:extLst>
-              <a:ext uri="{FF2B5EF4-FFF2-40B4-BE49-F238E27FC236}">
-                <a16:creationId xmlns:a16="http://schemas.microsoft.com/office/drawing/2014/main" id="{403A4842-C8D9-4956-A38B-831250316ED2}"/>
-              </a:ext>
-            </a:extLst>
-          </p:cNvPr>
+          <p:cNvPr id="2" name="标题 1"/>
           <p:cNvSpPr>
             <a:spLocks noGrp="1"/>
           </p:cNvSpPr>
@@ -5574,18 +5051,13 @@
               <a:rPr lang="zh-CN" altLang="en-US" sz="2800" dirty="0"/>
               <a:t>注意</a:t>
             </a:r>
-          </a:p>
-        </p:txBody>
-      </p:sp>
-      <p:sp>
-        <p:nvSpPr>
-          <p:cNvPr id="4" name="页脚占位符 3">
-            <a:extLst>
-              <a:ext uri="{FF2B5EF4-FFF2-40B4-BE49-F238E27FC236}">
-                <a16:creationId xmlns:a16="http://schemas.microsoft.com/office/drawing/2014/main" id="{E5784C5B-E926-4C19-849B-C2507EB97652}"/>
-              </a:ext>
-            </a:extLst>
-          </p:cNvPr>
+            <a:endParaRPr lang="zh-CN" altLang="en-US" sz="2800" dirty="0"/>
+          </a:p>
+        </p:txBody>
+      </p:sp>
+      <p:sp>
+        <p:nvSpPr>
+          <p:cNvPr id="4" name="页脚占位符 3"/>
           <p:cNvSpPr>
             <a:spLocks noGrp="1"/>
           </p:cNvSpPr>
@@ -5612,20 +5084,14 @@
       </p:sp>
       <p:pic>
         <p:nvPicPr>
-          <p:cNvPr id="5" name="图片 4">
-            <a:extLst>
-              <a:ext uri="{FF2B5EF4-FFF2-40B4-BE49-F238E27FC236}">
-                <a16:creationId xmlns:a16="http://schemas.microsoft.com/office/drawing/2014/main" id="{DD3CE3FF-C8EB-4708-915E-B1FE5FA36590}"/>
-              </a:ext>
-            </a:extLst>
-          </p:cNvPr>
+          <p:cNvPr id="5" name="图片 4"/>
           <p:cNvPicPr>
             <a:picLocks noChangeAspect="1"/>
           </p:cNvPicPr>
           <p:nvPr/>
         </p:nvPicPr>
         <p:blipFill>
-          <a:blip r:embed="rId2" cstate="print">
+          <a:blip r:embed="rId1" cstate="print">
             <a:duotone>
               <a:schemeClr val="accent5">
                 <a:shade val="45000"/>
@@ -5655,13 +5121,7 @@
       </p:pic>
       <p:sp>
         <p:nvSpPr>
-          <p:cNvPr id="7" name="内容占位符 2">
-            <a:extLst>
-              <a:ext uri="{FF2B5EF4-FFF2-40B4-BE49-F238E27FC236}">
-                <a16:creationId xmlns:a16="http://schemas.microsoft.com/office/drawing/2014/main" id="{FCF28F77-6743-40F7-B661-7DE6BEDC6A0B}"/>
-              </a:ext>
-            </a:extLst>
-          </p:cNvPr>
+          <p:cNvPr id="7" name="内容占位符 2"/>
           <p:cNvSpPr>
             <a:spLocks noGrp="1"/>
           </p:cNvSpPr>
@@ -5811,11 +5271,6 @@
         </p:txBody>
       </p:sp>
     </p:spTree>
-    <p:extLst>
-      <p:ext uri="{BB962C8B-B14F-4D97-AF65-F5344CB8AC3E}">
-        <p14:creationId xmlns:p14="http://schemas.microsoft.com/office/powerpoint/2010/main" val="1684542735"/>
-      </p:ext>
-    </p:extLst>
   </p:cSld>
   <p:clrMapOvr>
     <a:masterClrMapping/>
@@ -5842,13 +5297,7 @@
       </p:grpSpPr>
       <p:sp>
         <p:nvSpPr>
-          <p:cNvPr id="2" name="标题 1">
-            <a:extLst>
-              <a:ext uri="{FF2B5EF4-FFF2-40B4-BE49-F238E27FC236}">
-                <a16:creationId xmlns:a16="http://schemas.microsoft.com/office/drawing/2014/main" id="{403A4842-C8D9-4956-A38B-831250316ED2}"/>
-              </a:ext>
-            </a:extLst>
-          </p:cNvPr>
+          <p:cNvPr id="2" name="标题 1"/>
           <p:cNvSpPr>
             <a:spLocks noGrp="1"/>
           </p:cNvSpPr>
@@ -5872,18 +5321,13 @@
               <a:rPr lang="zh-CN" altLang="en-US" sz="2800" dirty="0"/>
               <a:t>时间复杂度的意义</a:t>
             </a:r>
-          </a:p>
-        </p:txBody>
-      </p:sp>
-      <p:sp>
-        <p:nvSpPr>
-          <p:cNvPr id="4" name="页脚占位符 3">
-            <a:extLst>
-              <a:ext uri="{FF2B5EF4-FFF2-40B4-BE49-F238E27FC236}">
-                <a16:creationId xmlns:a16="http://schemas.microsoft.com/office/drawing/2014/main" id="{E5784C5B-E926-4C19-849B-C2507EB97652}"/>
-              </a:ext>
-            </a:extLst>
-          </p:cNvPr>
+            <a:endParaRPr lang="zh-CN" altLang="en-US" sz="2800" dirty="0"/>
+          </a:p>
+        </p:txBody>
+      </p:sp>
+      <p:sp>
+        <p:nvSpPr>
+          <p:cNvPr id="4" name="页脚占位符 3"/>
           <p:cNvSpPr>
             <a:spLocks noGrp="1"/>
           </p:cNvSpPr>
@@ -5910,20 +5354,14 @@
       </p:sp>
       <p:pic>
         <p:nvPicPr>
-          <p:cNvPr id="5" name="图片 4">
-            <a:extLst>
-              <a:ext uri="{FF2B5EF4-FFF2-40B4-BE49-F238E27FC236}">
-                <a16:creationId xmlns:a16="http://schemas.microsoft.com/office/drawing/2014/main" id="{DD3CE3FF-C8EB-4708-915E-B1FE5FA36590}"/>
-              </a:ext>
-            </a:extLst>
-          </p:cNvPr>
+          <p:cNvPr id="5" name="图片 4"/>
           <p:cNvPicPr>
             <a:picLocks noChangeAspect="1"/>
           </p:cNvPicPr>
           <p:nvPr/>
         </p:nvPicPr>
         <p:blipFill>
-          <a:blip r:embed="rId2" cstate="print">
+          <a:blip r:embed="rId1" cstate="print">
             <a:duotone>
               <a:schemeClr val="accent5">
                 <a:shade val="45000"/>
@@ -5953,13 +5391,7 @@
       </p:pic>
       <p:sp>
         <p:nvSpPr>
-          <p:cNvPr id="7" name="内容占位符 2">
-            <a:extLst>
-              <a:ext uri="{FF2B5EF4-FFF2-40B4-BE49-F238E27FC236}">
-                <a16:creationId xmlns:a16="http://schemas.microsoft.com/office/drawing/2014/main" id="{FCF28F77-6743-40F7-B661-7DE6BEDC6A0B}"/>
-              </a:ext>
-            </a:extLst>
-          </p:cNvPr>
+          <p:cNvPr id="7" name="内容占位符 2"/>
           <p:cNvSpPr>
             <a:spLocks noGrp="1"/>
           </p:cNvSpPr>
@@ -5993,7 +5425,7 @@
               <a:t>抹掉了好多东西，只剩下了一个最高阶项啊</a:t>
             </a:r>
             <a:r>
-              <a:rPr lang="mr-IN" altLang="zh-CN" sz="1800" dirty="0"/>
+              <a:rPr lang="en-US" altLang="zh-CN" sz="1800" dirty="0"/>
               <a:t>…</a:t>
             </a:r>
             <a:endParaRPr lang="en-US" altLang="zh-CN" sz="1800" dirty="0"/>
@@ -6113,11 +5545,6 @@
         </p:txBody>
       </p:sp>
     </p:spTree>
-    <p:extLst>
-      <p:ext uri="{BB962C8B-B14F-4D97-AF65-F5344CB8AC3E}">
-        <p14:creationId xmlns:p14="http://schemas.microsoft.com/office/powerpoint/2010/main" val="2088741765"/>
-      </p:ext>
-    </p:extLst>
   </p:cSld>
   <p:clrMapOvr>
     <a:masterClrMapping/>
@@ -6144,13 +5571,7 @@
       </p:grpSpPr>
       <p:sp>
         <p:nvSpPr>
-          <p:cNvPr id="2" name="标题 1">
-            <a:extLst>
-              <a:ext uri="{FF2B5EF4-FFF2-40B4-BE49-F238E27FC236}">
-                <a16:creationId xmlns:a16="http://schemas.microsoft.com/office/drawing/2014/main" id="{403A4842-C8D9-4956-A38B-831250316ED2}"/>
-              </a:ext>
-            </a:extLst>
-          </p:cNvPr>
+          <p:cNvPr id="2" name="标题 1"/>
           <p:cNvSpPr>
             <a:spLocks noGrp="1"/>
           </p:cNvSpPr>
@@ -6174,18 +5595,13 @@
               <a:rPr lang="zh-CN" altLang="en-US" sz="2800" dirty="0"/>
               <a:t>额外空间复杂度</a:t>
             </a:r>
-          </a:p>
-        </p:txBody>
-      </p:sp>
-      <p:sp>
-        <p:nvSpPr>
-          <p:cNvPr id="4" name="页脚占位符 3">
-            <a:extLst>
-              <a:ext uri="{FF2B5EF4-FFF2-40B4-BE49-F238E27FC236}">
-                <a16:creationId xmlns:a16="http://schemas.microsoft.com/office/drawing/2014/main" id="{E5784C5B-E926-4C19-849B-C2507EB97652}"/>
-              </a:ext>
-            </a:extLst>
-          </p:cNvPr>
+            <a:endParaRPr lang="zh-CN" altLang="en-US" sz="2800" dirty="0"/>
+          </a:p>
+        </p:txBody>
+      </p:sp>
+      <p:sp>
+        <p:nvSpPr>
+          <p:cNvPr id="4" name="页脚占位符 3"/>
           <p:cNvSpPr>
             <a:spLocks noGrp="1"/>
           </p:cNvSpPr>
@@ -6212,20 +5628,14 @@
       </p:sp>
       <p:pic>
         <p:nvPicPr>
-          <p:cNvPr id="5" name="图片 4">
-            <a:extLst>
-              <a:ext uri="{FF2B5EF4-FFF2-40B4-BE49-F238E27FC236}">
-                <a16:creationId xmlns:a16="http://schemas.microsoft.com/office/drawing/2014/main" id="{DD3CE3FF-C8EB-4708-915E-B1FE5FA36590}"/>
-              </a:ext>
-            </a:extLst>
-          </p:cNvPr>
+          <p:cNvPr id="5" name="图片 4"/>
           <p:cNvPicPr>
             <a:picLocks noChangeAspect="1"/>
           </p:cNvPicPr>
           <p:nvPr/>
         </p:nvPicPr>
         <p:blipFill>
-          <a:blip r:embed="rId2" cstate="print">
+          <a:blip r:embed="rId1" cstate="print">
             <a:duotone>
               <a:schemeClr val="accent5">
                 <a:shade val="45000"/>
@@ -6255,13 +5665,7 @@
       </p:pic>
       <p:sp>
         <p:nvSpPr>
-          <p:cNvPr id="7" name="内容占位符 2">
-            <a:extLst>
-              <a:ext uri="{FF2B5EF4-FFF2-40B4-BE49-F238E27FC236}">
-                <a16:creationId xmlns:a16="http://schemas.microsoft.com/office/drawing/2014/main" id="{FCF28F77-6743-40F7-B661-7DE6BEDC6A0B}"/>
-              </a:ext>
-            </a:extLst>
-          </p:cNvPr>
+          <p:cNvPr id="7" name="内容占位符 2"/>
           <p:cNvSpPr>
             <a:spLocks noGrp="1"/>
           </p:cNvSpPr>
@@ -6435,11 +5839,6 @@
         </p:txBody>
       </p:sp>
     </p:spTree>
-    <p:extLst>
-      <p:ext uri="{BB962C8B-B14F-4D97-AF65-F5344CB8AC3E}">
-        <p14:creationId xmlns:p14="http://schemas.microsoft.com/office/powerpoint/2010/main" val="1599427952"/>
-      </p:ext>
-    </p:extLst>
   </p:cSld>
   <p:clrMapOvr>
     <a:masterClrMapping/>
@@ -6466,13 +5865,7 @@
       </p:grpSpPr>
       <p:sp>
         <p:nvSpPr>
-          <p:cNvPr id="2" name="标题 1">
-            <a:extLst>
-              <a:ext uri="{FF2B5EF4-FFF2-40B4-BE49-F238E27FC236}">
-                <a16:creationId xmlns:a16="http://schemas.microsoft.com/office/drawing/2014/main" id="{403A4842-C8D9-4956-A38B-831250316ED2}"/>
-              </a:ext>
-            </a:extLst>
-          </p:cNvPr>
+          <p:cNvPr id="2" name="标题 1"/>
           <p:cNvSpPr>
             <a:spLocks noGrp="1"/>
           </p:cNvSpPr>
@@ -6496,18 +5889,13 @@
               <a:rPr lang="zh-CN" altLang="en-US" sz="2800" dirty="0"/>
               <a:t>算法流程的常数项</a:t>
             </a:r>
-          </a:p>
-        </p:txBody>
-      </p:sp>
-      <p:sp>
-        <p:nvSpPr>
-          <p:cNvPr id="4" name="页脚占位符 3">
-            <a:extLst>
-              <a:ext uri="{FF2B5EF4-FFF2-40B4-BE49-F238E27FC236}">
-                <a16:creationId xmlns:a16="http://schemas.microsoft.com/office/drawing/2014/main" id="{E5784C5B-E926-4C19-849B-C2507EB97652}"/>
-              </a:ext>
-            </a:extLst>
-          </p:cNvPr>
+            <a:endParaRPr lang="zh-CN" altLang="en-US" sz="2800" dirty="0"/>
+          </a:p>
+        </p:txBody>
+      </p:sp>
+      <p:sp>
+        <p:nvSpPr>
+          <p:cNvPr id="4" name="页脚占位符 3"/>
           <p:cNvSpPr>
             <a:spLocks noGrp="1"/>
           </p:cNvSpPr>
@@ -6534,20 +5922,14 @@
       </p:sp>
       <p:pic>
         <p:nvPicPr>
-          <p:cNvPr id="5" name="图片 4">
-            <a:extLst>
-              <a:ext uri="{FF2B5EF4-FFF2-40B4-BE49-F238E27FC236}">
-                <a16:creationId xmlns:a16="http://schemas.microsoft.com/office/drawing/2014/main" id="{DD3CE3FF-C8EB-4708-915E-B1FE5FA36590}"/>
-              </a:ext>
-            </a:extLst>
-          </p:cNvPr>
+          <p:cNvPr id="5" name="图片 4"/>
           <p:cNvPicPr>
             <a:picLocks noChangeAspect="1"/>
           </p:cNvPicPr>
           <p:nvPr/>
         </p:nvPicPr>
         <p:blipFill>
-          <a:blip r:embed="rId2" cstate="print">
+          <a:blip r:embed="rId1" cstate="print">
             <a:duotone>
               <a:schemeClr val="accent5">
                 <a:shade val="45000"/>
@@ -6577,13 +5959,7 @@
       </p:pic>
       <p:sp>
         <p:nvSpPr>
-          <p:cNvPr id="7" name="内容占位符 2">
-            <a:extLst>
-              <a:ext uri="{FF2B5EF4-FFF2-40B4-BE49-F238E27FC236}">
-                <a16:creationId xmlns:a16="http://schemas.microsoft.com/office/drawing/2014/main" id="{FCF28F77-6743-40F7-B661-7DE6BEDC6A0B}"/>
-              </a:ext>
-            </a:extLst>
-          </p:cNvPr>
+          <p:cNvPr id="7" name="内容占位符 2"/>
           <p:cNvSpPr>
             <a:spLocks noGrp="1"/>
           </p:cNvSpPr>
@@ -6705,11 +6081,6 @@
         </p:txBody>
       </p:sp>
     </p:spTree>
-    <p:extLst>
-      <p:ext uri="{BB962C8B-B14F-4D97-AF65-F5344CB8AC3E}">
-        <p14:creationId xmlns:p14="http://schemas.microsoft.com/office/powerpoint/2010/main" val="738848224"/>
-      </p:ext>
-    </p:extLst>
   </p:cSld>
   <p:clrMapOvr>
     <a:masterClrMapping/>
@@ -6736,13 +6107,7 @@
       </p:grpSpPr>
       <p:sp>
         <p:nvSpPr>
-          <p:cNvPr id="2" name="标题 1">
-            <a:extLst>
-              <a:ext uri="{FF2B5EF4-FFF2-40B4-BE49-F238E27FC236}">
-                <a16:creationId xmlns:a16="http://schemas.microsoft.com/office/drawing/2014/main" id="{403A4842-C8D9-4956-A38B-831250316ED2}"/>
-              </a:ext>
-            </a:extLst>
-          </p:cNvPr>
+          <p:cNvPr id="2" name="标题 1"/>
           <p:cNvSpPr>
             <a:spLocks noGrp="1"/>
           </p:cNvSpPr>
@@ -6766,18 +6131,13 @@
               <a:rPr lang="zh-CN" altLang="en-US" sz="2800" dirty="0"/>
               <a:t>算法流程的常数项的比拼方式</a:t>
             </a:r>
-          </a:p>
-        </p:txBody>
-      </p:sp>
-      <p:sp>
-        <p:nvSpPr>
-          <p:cNvPr id="4" name="页脚占位符 3">
-            <a:extLst>
-              <a:ext uri="{FF2B5EF4-FFF2-40B4-BE49-F238E27FC236}">
-                <a16:creationId xmlns:a16="http://schemas.microsoft.com/office/drawing/2014/main" id="{E5784C5B-E926-4C19-849B-C2507EB97652}"/>
-              </a:ext>
-            </a:extLst>
-          </p:cNvPr>
+            <a:endParaRPr lang="zh-CN" altLang="en-US" sz="2800" dirty="0"/>
+          </a:p>
+        </p:txBody>
+      </p:sp>
+      <p:sp>
+        <p:nvSpPr>
+          <p:cNvPr id="4" name="页脚占位符 3"/>
           <p:cNvSpPr>
             <a:spLocks noGrp="1"/>
           </p:cNvSpPr>
@@ -6804,20 +6164,14 @@
       </p:sp>
       <p:pic>
         <p:nvPicPr>
-          <p:cNvPr id="5" name="图片 4">
-            <a:extLst>
-              <a:ext uri="{FF2B5EF4-FFF2-40B4-BE49-F238E27FC236}">
-                <a16:creationId xmlns:a16="http://schemas.microsoft.com/office/drawing/2014/main" id="{DD3CE3FF-C8EB-4708-915E-B1FE5FA36590}"/>
-              </a:ext>
-            </a:extLst>
-          </p:cNvPr>
+          <p:cNvPr id="5" name="图片 4"/>
           <p:cNvPicPr>
             <a:picLocks noChangeAspect="1"/>
           </p:cNvPicPr>
           <p:nvPr/>
         </p:nvPicPr>
         <p:blipFill>
-          <a:blip r:embed="rId2" cstate="print">
+          <a:blip r:embed="rId1" cstate="print">
             <a:duotone>
               <a:schemeClr val="accent5">
                 <a:shade val="45000"/>
@@ -6847,13 +6201,7 @@
       </p:pic>
       <p:sp>
         <p:nvSpPr>
-          <p:cNvPr id="7" name="内容占位符 2">
-            <a:extLst>
-              <a:ext uri="{FF2B5EF4-FFF2-40B4-BE49-F238E27FC236}">
-                <a16:creationId xmlns:a16="http://schemas.microsoft.com/office/drawing/2014/main" id="{FCF28F77-6743-40F7-B661-7DE6BEDC6A0B}"/>
-              </a:ext>
-            </a:extLst>
-          </p:cNvPr>
+          <p:cNvPr id="7" name="内容占位符 2"/>
           <p:cNvSpPr>
             <a:spLocks noGrp="1"/>
           </p:cNvSpPr>
@@ -7003,11 +6351,6 @@
         </p:txBody>
       </p:sp>
     </p:spTree>
-    <p:extLst>
-      <p:ext uri="{BB962C8B-B14F-4D97-AF65-F5344CB8AC3E}">
-        <p14:creationId xmlns:p14="http://schemas.microsoft.com/office/powerpoint/2010/main" val="733228068"/>
-      </p:ext>
-    </p:extLst>
   </p:cSld>
   <p:clrMapOvr>
     <a:masterClrMapping/>
@@ -7034,13 +6377,7 @@
       </p:grpSpPr>
       <p:sp>
         <p:nvSpPr>
-          <p:cNvPr id="2" name="标题 1">
-            <a:extLst>
-              <a:ext uri="{FF2B5EF4-FFF2-40B4-BE49-F238E27FC236}">
-                <a16:creationId xmlns:a16="http://schemas.microsoft.com/office/drawing/2014/main" id="{403A4842-C8D9-4956-A38B-831250316ED2}"/>
-              </a:ext>
-            </a:extLst>
-          </p:cNvPr>
+          <p:cNvPr id="2" name="标题 1"/>
           <p:cNvSpPr>
             <a:spLocks noGrp="1"/>
           </p:cNvSpPr>
@@ -7064,18 +6401,13 @@
               <a:rPr lang="zh-CN" altLang="en-US" sz="2800" dirty="0"/>
               <a:t>面试、比赛、刷题中，一个问题的最优解是什么意思？</a:t>
             </a:r>
-          </a:p>
-        </p:txBody>
-      </p:sp>
-      <p:sp>
-        <p:nvSpPr>
-          <p:cNvPr id="4" name="页脚占位符 3">
-            <a:extLst>
-              <a:ext uri="{FF2B5EF4-FFF2-40B4-BE49-F238E27FC236}">
-                <a16:creationId xmlns:a16="http://schemas.microsoft.com/office/drawing/2014/main" id="{E5784C5B-E926-4C19-849B-C2507EB97652}"/>
-              </a:ext>
-            </a:extLst>
-          </p:cNvPr>
+            <a:endParaRPr lang="zh-CN" altLang="en-US" sz="2800" dirty="0"/>
+          </a:p>
+        </p:txBody>
+      </p:sp>
+      <p:sp>
+        <p:nvSpPr>
+          <p:cNvPr id="4" name="页脚占位符 3"/>
           <p:cNvSpPr>
             <a:spLocks noGrp="1"/>
           </p:cNvSpPr>
@@ -7102,20 +6434,14 @@
       </p:sp>
       <p:pic>
         <p:nvPicPr>
-          <p:cNvPr id="5" name="图片 4">
-            <a:extLst>
-              <a:ext uri="{FF2B5EF4-FFF2-40B4-BE49-F238E27FC236}">
-                <a16:creationId xmlns:a16="http://schemas.microsoft.com/office/drawing/2014/main" id="{DD3CE3FF-C8EB-4708-915E-B1FE5FA36590}"/>
-              </a:ext>
-            </a:extLst>
-          </p:cNvPr>
+          <p:cNvPr id="5" name="图片 4"/>
           <p:cNvPicPr>
             <a:picLocks noChangeAspect="1"/>
           </p:cNvPicPr>
           <p:nvPr/>
         </p:nvPicPr>
         <p:blipFill>
-          <a:blip r:embed="rId2" cstate="print">
+          <a:blip r:embed="rId1" cstate="print">
             <a:duotone>
               <a:schemeClr val="accent5">
                 <a:shade val="45000"/>
@@ -7145,13 +6471,7 @@
       </p:pic>
       <p:sp>
         <p:nvSpPr>
-          <p:cNvPr id="7" name="内容占位符 2">
-            <a:extLst>
-              <a:ext uri="{FF2B5EF4-FFF2-40B4-BE49-F238E27FC236}">
-                <a16:creationId xmlns:a16="http://schemas.microsoft.com/office/drawing/2014/main" id="{FCF28F77-6743-40F7-B661-7DE6BEDC6A0B}"/>
-              </a:ext>
-            </a:extLst>
-          </p:cNvPr>
+          <p:cNvPr id="7" name="内容占位符 2"/>
           <p:cNvSpPr>
             <a:spLocks noGrp="1"/>
           </p:cNvSpPr>
@@ -7217,11 +6537,6 @@
         </p:txBody>
       </p:sp>
     </p:spTree>
-    <p:extLst>
-      <p:ext uri="{BB962C8B-B14F-4D97-AF65-F5344CB8AC3E}">
-        <p14:creationId xmlns:p14="http://schemas.microsoft.com/office/powerpoint/2010/main" val="1698559096"/>
-      </p:ext>
-    </p:extLst>
   </p:cSld>
   <p:clrMapOvr>
     <a:masterClrMapping/>
@@ -7248,13 +6563,7 @@
       </p:grpSpPr>
       <p:sp>
         <p:nvSpPr>
-          <p:cNvPr id="2" name="标题 1">
-            <a:extLst>
-              <a:ext uri="{FF2B5EF4-FFF2-40B4-BE49-F238E27FC236}">
-                <a16:creationId xmlns:a16="http://schemas.microsoft.com/office/drawing/2014/main" id="{403A4842-C8D9-4956-A38B-831250316ED2}"/>
-              </a:ext>
-            </a:extLst>
-          </p:cNvPr>
+          <p:cNvPr id="2" name="标题 1"/>
           <p:cNvSpPr>
             <a:spLocks noGrp="1"/>
           </p:cNvSpPr>
@@ -7296,13 +6605,7 @@
       </p:sp>
       <p:sp>
         <p:nvSpPr>
-          <p:cNvPr id="4" name="页脚占位符 3">
-            <a:extLst>
-              <a:ext uri="{FF2B5EF4-FFF2-40B4-BE49-F238E27FC236}">
-                <a16:creationId xmlns:a16="http://schemas.microsoft.com/office/drawing/2014/main" id="{E5784C5B-E926-4C19-849B-C2507EB97652}"/>
-              </a:ext>
-            </a:extLst>
-          </p:cNvPr>
+          <p:cNvPr id="4" name="页脚占位符 3"/>
           <p:cNvSpPr>
             <a:spLocks noGrp="1"/>
           </p:cNvSpPr>
@@ -7329,20 +6632,14 @@
       </p:sp>
       <p:pic>
         <p:nvPicPr>
-          <p:cNvPr id="5" name="图片 4">
-            <a:extLst>
-              <a:ext uri="{FF2B5EF4-FFF2-40B4-BE49-F238E27FC236}">
-                <a16:creationId xmlns:a16="http://schemas.microsoft.com/office/drawing/2014/main" id="{DD3CE3FF-C8EB-4708-915E-B1FE5FA36590}"/>
-              </a:ext>
-            </a:extLst>
-          </p:cNvPr>
+          <p:cNvPr id="5" name="图片 4"/>
           <p:cNvPicPr>
             <a:picLocks noChangeAspect="1"/>
           </p:cNvPicPr>
           <p:nvPr/>
         </p:nvPicPr>
         <p:blipFill>
-          <a:blip r:embed="rId2" cstate="print">
+          <a:blip r:embed="rId1" cstate="print">
             <a:duotone>
               <a:schemeClr val="accent5">
                 <a:shade val="45000"/>
@@ -7372,13 +6669,7 @@
       </p:pic>
       <p:sp>
         <p:nvSpPr>
-          <p:cNvPr id="7" name="内容占位符 2">
-            <a:extLst>
-              <a:ext uri="{FF2B5EF4-FFF2-40B4-BE49-F238E27FC236}">
-                <a16:creationId xmlns:a16="http://schemas.microsoft.com/office/drawing/2014/main" id="{FCF28F77-6743-40F7-B661-7DE6BEDC6A0B}"/>
-              </a:ext>
-            </a:extLst>
-          </p:cNvPr>
+          <p:cNvPr id="7" name="内容占位符 2"/>
           <p:cNvSpPr>
             <a:spLocks noGrp="1"/>
           </p:cNvSpPr>
@@ -7427,6 +6718,7 @@
               <a:rPr lang="en-US" altLang="zh-CN" dirty="0"/>
               <a:t>O(1)   </a:t>
             </a:r>
+            <a:endParaRPr lang="en-US" altLang="zh-CN" dirty="0"/>
           </a:p>
           <a:p>
             <a:pPr marL="0" indent="0">
@@ -7450,6 +6742,7 @@
               <a:rPr lang="en-US" altLang="zh-CN" dirty="0"/>
               <a:t>)   </a:t>
             </a:r>
+            <a:endParaRPr lang="en-US" altLang="zh-CN" dirty="0"/>
           </a:p>
           <a:p>
             <a:pPr marL="0" indent="0">
@@ -7465,6 +6758,7 @@
               <a:rPr lang="en-US" altLang="zh-CN" dirty="0"/>
               <a:t>O(N)   </a:t>
             </a:r>
+            <a:endParaRPr lang="en-US" altLang="zh-CN" dirty="0"/>
           </a:p>
           <a:p>
             <a:pPr marL="0" indent="0">
@@ -7488,6 +6782,7 @@
               <a:rPr lang="en-US" altLang="zh-CN" dirty="0"/>
               <a:t>)   </a:t>
             </a:r>
+            <a:endParaRPr lang="en-US" altLang="zh-CN" dirty="0"/>
           </a:p>
           <a:p>
             <a:pPr marL="0" indent="0">
@@ -7504,13 +6799,14 @@
               <a:t>O(N^2)   O(N^3)   </a:t>
             </a:r>
             <a:r>
-              <a:rPr lang="mr-IN" altLang="zh-CN" dirty="0"/>
+              <a:rPr lang="en-US" altLang="zh-CN" dirty="0"/>
               <a:t>…</a:t>
             </a:r>
             <a:r>
               <a:rPr lang="en-US" altLang="zh-CN" dirty="0"/>
               <a:t>   O(N^K)</a:t>
             </a:r>
+            <a:endParaRPr lang="en-US" altLang="zh-CN" dirty="0"/>
           </a:p>
           <a:p>
             <a:pPr marL="0" indent="0">
@@ -7527,13 +6823,14 @@
               <a:t>O(2^N)   O(3^N)   </a:t>
             </a:r>
             <a:r>
-              <a:rPr lang="mr-IN" altLang="zh-CN" dirty="0"/>
+              <a:rPr lang="en-US" altLang="zh-CN" dirty="0"/>
               <a:t>…</a:t>
             </a:r>
             <a:r>
               <a:rPr lang="en-US" altLang="zh-CN" dirty="0"/>
               <a:t>   O(K^N)</a:t>
             </a:r>
+            <a:endParaRPr lang="en-US" altLang="zh-CN" dirty="0"/>
           </a:p>
           <a:p>
             <a:pPr marL="0" indent="0">
@@ -7549,15 +6846,11 @@
               <a:rPr lang="en-US" altLang="zh-CN" dirty="0"/>
               <a:t>O(N!)</a:t>
             </a:r>
+            <a:endParaRPr lang="en-US" altLang="zh-CN" dirty="0"/>
           </a:p>
         </p:txBody>
       </p:sp>
     </p:spTree>
-    <p:extLst>
-      <p:ext uri="{BB962C8B-B14F-4D97-AF65-F5344CB8AC3E}">
-        <p14:creationId xmlns:p14="http://schemas.microsoft.com/office/powerpoint/2010/main" val="1099303631"/>
-      </p:ext>
-    </p:extLst>
   </p:cSld>
   <p:clrMapOvr>
     <a:masterClrMapping/>
@@ -7584,13 +6877,7 @@
       </p:grpSpPr>
       <p:sp>
         <p:nvSpPr>
-          <p:cNvPr id="2" name="标题 1">
-            <a:extLst>
-              <a:ext uri="{FF2B5EF4-FFF2-40B4-BE49-F238E27FC236}">
-                <a16:creationId xmlns:a16="http://schemas.microsoft.com/office/drawing/2014/main" id="{403A4842-C8D9-4956-A38B-831250316ED2}"/>
-              </a:ext>
-            </a:extLst>
-          </p:cNvPr>
+          <p:cNvPr id="2" name="标题 1"/>
           <p:cNvSpPr>
             <a:spLocks noGrp="1"/>
           </p:cNvSpPr>
@@ -7614,18 +6901,13 @@
               <a:rPr lang="zh-CN" altLang="en-US" sz="3200" dirty="0"/>
               <a:t>评估算法优劣的核心指标是什么？</a:t>
             </a:r>
-          </a:p>
-        </p:txBody>
-      </p:sp>
-      <p:sp>
-        <p:nvSpPr>
-          <p:cNvPr id="3" name="内容占位符 2">
-            <a:extLst>
-              <a:ext uri="{FF2B5EF4-FFF2-40B4-BE49-F238E27FC236}">
-                <a16:creationId xmlns:a16="http://schemas.microsoft.com/office/drawing/2014/main" id="{FCF28F77-6743-40F7-B661-7DE6BEDC6A0B}"/>
-              </a:ext>
-            </a:extLst>
-          </p:cNvPr>
+            <a:endParaRPr lang="zh-CN" altLang="en-US" sz="3200" dirty="0"/>
+          </a:p>
+        </p:txBody>
+      </p:sp>
+      <p:sp>
+        <p:nvSpPr>
+          <p:cNvPr id="3" name="内容占位符 2"/>
           <p:cNvSpPr>
             <a:spLocks noGrp="1"/>
           </p:cNvSpPr>
@@ -7659,7 +6941,6 @@
               <a:buSzTx/>
               <a:buFontTx/>
               <a:buNone/>
-              <a:tabLst/>
               <a:defRPr/>
             </a:pPr>
             <a:endParaRPr lang="en-US" altLang="zh-CN" sz="2400" dirty="0"/>
@@ -7679,7 +6960,6 @@
               <a:buSzTx/>
               <a:buFontTx/>
               <a:buNone/>
-              <a:tabLst/>
               <a:defRPr/>
             </a:pPr>
             <a:r>
@@ -7707,7 +6987,6 @@
               <a:buSzTx/>
               <a:buFontTx/>
               <a:buNone/>
-              <a:tabLst/>
               <a:defRPr/>
             </a:pPr>
             <a:endParaRPr lang="en-US" altLang="zh-CN" dirty="0"/>
@@ -7727,7 +7006,6 @@
               <a:buSzTx/>
               <a:buFontTx/>
               <a:buNone/>
-              <a:tabLst/>
               <a:defRPr/>
             </a:pPr>
             <a:r>
@@ -7755,7 +7033,6 @@
               <a:buSzTx/>
               <a:buFontTx/>
               <a:buNone/>
-              <a:tabLst/>
               <a:defRPr/>
             </a:pPr>
             <a:endParaRPr lang="en-US" altLang="zh-CN" dirty="0"/>
@@ -7775,7 +7052,6 @@
               <a:buSzTx/>
               <a:buFontTx/>
               <a:buNone/>
-              <a:tabLst/>
               <a:defRPr/>
             </a:pPr>
             <a:r>
@@ -7788,13 +7064,7 @@
       </p:sp>
       <p:sp>
         <p:nvSpPr>
-          <p:cNvPr id="4" name="页脚占位符 3">
-            <a:extLst>
-              <a:ext uri="{FF2B5EF4-FFF2-40B4-BE49-F238E27FC236}">
-                <a16:creationId xmlns:a16="http://schemas.microsoft.com/office/drawing/2014/main" id="{E5784C5B-E926-4C19-849B-C2507EB97652}"/>
-              </a:ext>
-            </a:extLst>
-          </p:cNvPr>
+          <p:cNvPr id="4" name="页脚占位符 3"/>
           <p:cNvSpPr>
             <a:spLocks noGrp="1"/>
           </p:cNvSpPr>
@@ -7821,20 +7091,14 @@
       </p:sp>
       <p:pic>
         <p:nvPicPr>
-          <p:cNvPr id="5" name="图片 4">
-            <a:extLst>
-              <a:ext uri="{FF2B5EF4-FFF2-40B4-BE49-F238E27FC236}">
-                <a16:creationId xmlns:a16="http://schemas.microsoft.com/office/drawing/2014/main" id="{DD3CE3FF-C8EB-4708-915E-B1FE5FA36590}"/>
-              </a:ext>
-            </a:extLst>
-          </p:cNvPr>
+          <p:cNvPr id="5" name="图片 4"/>
           <p:cNvPicPr>
             <a:picLocks noChangeAspect="1"/>
           </p:cNvPicPr>
           <p:nvPr/>
         </p:nvPicPr>
         <p:blipFill>
-          <a:blip r:embed="rId2" cstate="print">
+          <a:blip r:embed="rId1" cstate="print">
             <a:duotone>
               <a:schemeClr val="accent5">
                 <a:shade val="45000"/>
@@ -7863,11 +7127,6 @@
         </p:spPr>
       </p:pic>
     </p:spTree>
-    <p:extLst>
-      <p:ext uri="{BB962C8B-B14F-4D97-AF65-F5344CB8AC3E}">
-        <p14:creationId xmlns:p14="http://schemas.microsoft.com/office/powerpoint/2010/main" val="3701031171"/>
-      </p:ext>
-    </p:extLst>
   </p:cSld>
   <p:clrMapOvr>
     <a:masterClrMapping/>
@@ -7894,13 +7153,7 @@
       </p:grpSpPr>
       <p:sp>
         <p:nvSpPr>
-          <p:cNvPr id="2" name="标题 1">
-            <a:extLst>
-              <a:ext uri="{FF2B5EF4-FFF2-40B4-BE49-F238E27FC236}">
-                <a16:creationId xmlns:a16="http://schemas.microsoft.com/office/drawing/2014/main" id="{403A4842-C8D9-4956-A38B-831250316ED2}"/>
-              </a:ext>
-            </a:extLst>
-          </p:cNvPr>
+          <p:cNvPr id="2" name="标题 1"/>
           <p:cNvSpPr>
             <a:spLocks noGrp="1"/>
           </p:cNvSpPr>
@@ -7924,18 +7177,13 @@
               <a:rPr lang="zh-CN" altLang="en-US" sz="2800" dirty="0"/>
               <a:t>算法和数据结构学习的大脉络</a:t>
             </a:r>
-          </a:p>
-        </p:txBody>
-      </p:sp>
-      <p:sp>
-        <p:nvSpPr>
-          <p:cNvPr id="4" name="页脚占位符 3">
-            <a:extLst>
-              <a:ext uri="{FF2B5EF4-FFF2-40B4-BE49-F238E27FC236}">
-                <a16:creationId xmlns:a16="http://schemas.microsoft.com/office/drawing/2014/main" id="{E5784C5B-E926-4C19-849B-C2507EB97652}"/>
-              </a:ext>
-            </a:extLst>
-          </p:cNvPr>
+            <a:endParaRPr lang="zh-CN" altLang="en-US" sz="2800" dirty="0"/>
+          </a:p>
+        </p:txBody>
+      </p:sp>
+      <p:sp>
+        <p:nvSpPr>
+          <p:cNvPr id="4" name="页脚占位符 3"/>
           <p:cNvSpPr>
             <a:spLocks noGrp="1"/>
           </p:cNvSpPr>
@@ -7962,20 +7210,14 @@
       </p:sp>
       <p:pic>
         <p:nvPicPr>
-          <p:cNvPr id="5" name="图片 4">
-            <a:extLst>
-              <a:ext uri="{FF2B5EF4-FFF2-40B4-BE49-F238E27FC236}">
-                <a16:creationId xmlns:a16="http://schemas.microsoft.com/office/drawing/2014/main" id="{DD3CE3FF-C8EB-4708-915E-B1FE5FA36590}"/>
-              </a:ext>
-            </a:extLst>
-          </p:cNvPr>
+          <p:cNvPr id="5" name="图片 4"/>
           <p:cNvPicPr>
             <a:picLocks noChangeAspect="1"/>
           </p:cNvPicPr>
           <p:nvPr/>
         </p:nvPicPr>
         <p:blipFill>
-          <a:blip r:embed="rId2" cstate="print">
+          <a:blip r:embed="rId1" cstate="print">
             <a:duotone>
               <a:schemeClr val="accent5">
                 <a:shade val="45000"/>
@@ -8005,13 +7247,7 @@
       </p:pic>
       <p:sp>
         <p:nvSpPr>
-          <p:cNvPr id="7" name="内容占位符 2">
-            <a:extLst>
-              <a:ext uri="{FF2B5EF4-FFF2-40B4-BE49-F238E27FC236}">
-                <a16:creationId xmlns:a16="http://schemas.microsoft.com/office/drawing/2014/main" id="{FCF28F77-6743-40F7-B661-7DE6BEDC6A0B}"/>
-              </a:ext>
-            </a:extLst>
-          </p:cNvPr>
+          <p:cNvPr id="7" name="内容占位符 2"/>
           <p:cNvSpPr>
             <a:spLocks noGrp="1"/>
           </p:cNvSpPr>
@@ -8149,11 +7385,6 @@
         </p:txBody>
       </p:sp>
     </p:spTree>
-    <p:extLst>
-      <p:ext uri="{BB962C8B-B14F-4D97-AF65-F5344CB8AC3E}">
-        <p14:creationId xmlns:p14="http://schemas.microsoft.com/office/powerpoint/2010/main" val="2133199780"/>
-      </p:ext>
-    </p:extLst>
   </p:cSld>
   <p:clrMapOvr>
     <a:masterClrMapping/>
@@ -8180,13 +7411,7 @@
       </p:grpSpPr>
       <p:sp>
         <p:nvSpPr>
-          <p:cNvPr id="2" name="标题 1">
-            <a:extLst>
-              <a:ext uri="{FF2B5EF4-FFF2-40B4-BE49-F238E27FC236}">
-                <a16:creationId xmlns:a16="http://schemas.microsoft.com/office/drawing/2014/main" id="{403A4842-C8D9-4956-A38B-831250316ED2}"/>
-              </a:ext>
-            </a:extLst>
-          </p:cNvPr>
+          <p:cNvPr id="2" name="标题 1"/>
           <p:cNvSpPr>
             <a:spLocks noGrp="1"/>
           </p:cNvSpPr>
@@ -8210,18 +7435,13 @@
               <a:rPr lang="zh-CN" altLang="en-US" sz="3600" dirty="0"/>
               <a:t>认识对数器</a:t>
             </a:r>
-          </a:p>
-        </p:txBody>
-      </p:sp>
-      <p:sp>
-        <p:nvSpPr>
-          <p:cNvPr id="4" name="页脚占位符 3">
-            <a:extLst>
-              <a:ext uri="{FF2B5EF4-FFF2-40B4-BE49-F238E27FC236}">
-                <a16:creationId xmlns:a16="http://schemas.microsoft.com/office/drawing/2014/main" id="{E5784C5B-E926-4C19-849B-C2507EB97652}"/>
-              </a:ext>
-            </a:extLst>
-          </p:cNvPr>
+            <a:endParaRPr lang="zh-CN" altLang="en-US" sz="3600" dirty="0"/>
+          </a:p>
+        </p:txBody>
+      </p:sp>
+      <p:sp>
+        <p:nvSpPr>
+          <p:cNvPr id="4" name="页脚占位符 3"/>
           <p:cNvSpPr>
             <a:spLocks noGrp="1"/>
           </p:cNvSpPr>
@@ -8248,20 +7468,14 @@
       </p:sp>
       <p:pic>
         <p:nvPicPr>
-          <p:cNvPr id="5" name="图片 4">
-            <a:extLst>
-              <a:ext uri="{FF2B5EF4-FFF2-40B4-BE49-F238E27FC236}">
-                <a16:creationId xmlns:a16="http://schemas.microsoft.com/office/drawing/2014/main" id="{DD3CE3FF-C8EB-4708-915E-B1FE5FA36590}"/>
-              </a:ext>
-            </a:extLst>
-          </p:cNvPr>
+          <p:cNvPr id="5" name="图片 4"/>
           <p:cNvPicPr>
             <a:picLocks noChangeAspect="1"/>
           </p:cNvPicPr>
           <p:nvPr/>
         </p:nvPicPr>
         <p:blipFill>
-          <a:blip r:embed="rId2" cstate="print">
+          <a:blip r:embed="rId1" cstate="print">
             <a:duotone>
               <a:schemeClr val="accent5">
                 <a:shade val="45000"/>
@@ -8291,13 +7505,7 @@
       </p:pic>
       <p:sp>
         <p:nvSpPr>
-          <p:cNvPr id="7" name="内容占位符 2">
-            <a:extLst>
-              <a:ext uri="{FF2B5EF4-FFF2-40B4-BE49-F238E27FC236}">
-                <a16:creationId xmlns:a16="http://schemas.microsoft.com/office/drawing/2014/main" id="{FCF28F77-6743-40F7-B661-7DE6BEDC6A0B}"/>
-              </a:ext>
-            </a:extLst>
-          </p:cNvPr>
+          <p:cNvPr id="7" name="内容占位符 2"/>
           <p:cNvSpPr>
             <a:spLocks noGrp="1"/>
           </p:cNvSpPr>
@@ -8334,6 +7542,7 @@
               <a:rPr lang="en-US" altLang="zh-CN" sz="2400" dirty="0"/>
               <a:t>..</a:t>
             </a:r>
+            <a:endParaRPr lang="en-US" altLang="zh-CN" sz="2400" dirty="0"/>
           </a:p>
           <a:p>
             <a:pPr marL="0" indent="0">
@@ -8365,6 +7574,7 @@
               <a:rPr lang="en-US" altLang="zh-CN" sz="2400" dirty="0"/>
               <a:t>..</a:t>
             </a:r>
+            <a:endParaRPr lang="en-US" altLang="zh-CN" sz="2400" dirty="0"/>
           </a:p>
           <a:p>
             <a:pPr marL="0" indent="0">
@@ -8393,7 +7603,7 @@
               <a:t>你在网上做笔试，但是前几个测试用例都过了，突然一个巨大无比数据量来了，结果你的代码报错了，如此大的数据量根本看不出哪错了，你好心烦</a:t>
             </a:r>
             <a:r>
-              <a:rPr lang="mr-IN" altLang="zh-CN" sz="2400" dirty="0"/>
+              <a:rPr lang="en-US" altLang="zh-CN" sz="2400" dirty="0"/>
               <a:t>…</a:t>
             </a:r>
             <a:endParaRPr lang="en-US" altLang="zh-CN" sz="2400" dirty="0"/>
@@ -8413,11 +7623,6 @@
         </p:txBody>
       </p:sp>
     </p:spTree>
-    <p:extLst>
-      <p:ext uri="{BB962C8B-B14F-4D97-AF65-F5344CB8AC3E}">
-        <p14:creationId xmlns:p14="http://schemas.microsoft.com/office/powerpoint/2010/main" val="1915174116"/>
-      </p:ext>
-    </p:extLst>
   </p:cSld>
   <p:clrMapOvr>
     <a:masterClrMapping/>
@@ -8444,13 +7649,7 @@
       </p:grpSpPr>
       <p:sp>
         <p:nvSpPr>
-          <p:cNvPr id="2" name="标题 1">
-            <a:extLst>
-              <a:ext uri="{FF2B5EF4-FFF2-40B4-BE49-F238E27FC236}">
-                <a16:creationId xmlns:a16="http://schemas.microsoft.com/office/drawing/2014/main" id="{403A4842-C8D9-4956-A38B-831250316ED2}"/>
-              </a:ext>
-            </a:extLst>
-          </p:cNvPr>
+          <p:cNvPr id="2" name="标题 1"/>
           <p:cNvSpPr>
             <a:spLocks noGrp="1"/>
           </p:cNvSpPr>
@@ -8474,18 +7673,13 @@
               <a:rPr lang="zh-CN" altLang="en-US" sz="3600" dirty="0"/>
               <a:t>认识对数器</a:t>
             </a:r>
-          </a:p>
-        </p:txBody>
-      </p:sp>
-      <p:sp>
-        <p:nvSpPr>
-          <p:cNvPr id="4" name="页脚占位符 3">
-            <a:extLst>
-              <a:ext uri="{FF2B5EF4-FFF2-40B4-BE49-F238E27FC236}">
-                <a16:creationId xmlns:a16="http://schemas.microsoft.com/office/drawing/2014/main" id="{E5784C5B-E926-4C19-849B-C2507EB97652}"/>
-              </a:ext>
-            </a:extLst>
-          </p:cNvPr>
+            <a:endParaRPr lang="zh-CN" altLang="en-US" sz="3600" dirty="0"/>
+          </a:p>
+        </p:txBody>
+      </p:sp>
+      <p:sp>
+        <p:nvSpPr>
+          <p:cNvPr id="4" name="页脚占位符 3"/>
           <p:cNvSpPr>
             <a:spLocks noGrp="1"/>
           </p:cNvSpPr>
@@ -8512,20 +7706,14 @@
       </p:sp>
       <p:pic>
         <p:nvPicPr>
-          <p:cNvPr id="5" name="图片 4">
-            <a:extLst>
-              <a:ext uri="{FF2B5EF4-FFF2-40B4-BE49-F238E27FC236}">
-                <a16:creationId xmlns:a16="http://schemas.microsoft.com/office/drawing/2014/main" id="{DD3CE3FF-C8EB-4708-915E-B1FE5FA36590}"/>
-              </a:ext>
-            </a:extLst>
-          </p:cNvPr>
+          <p:cNvPr id="5" name="图片 4"/>
           <p:cNvPicPr>
             <a:picLocks noChangeAspect="1"/>
           </p:cNvPicPr>
           <p:nvPr/>
         </p:nvPicPr>
         <p:blipFill>
-          <a:blip r:embed="rId2" cstate="print">
+          <a:blip r:embed="rId1" cstate="print">
             <a:duotone>
               <a:schemeClr val="accent5">
                 <a:shade val="45000"/>
@@ -8555,13 +7743,7 @@
       </p:pic>
       <p:sp>
         <p:nvSpPr>
-          <p:cNvPr id="7" name="内容占位符 2">
-            <a:extLst>
-              <a:ext uri="{FF2B5EF4-FFF2-40B4-BE49-F238E27FC236}">
-                <a16:creationId xmlns:a16="http://schemas.microsoft.com/office/drawing/2014/main" id="{FCF28F77-6743-40F7-B661-7DE6BEDC6A0B}"/>
-              </a:ext>
-            </a:extLst>
-          </p:cNvPr>
+          <p:cNvPr id="7" name="内容占位符 2"/>
           <p:cNvSpPr>
             <a:spLocks noGrp="1"/>
           </p:cNvSpPr>
@@ -8596,6 +7778,7 @@
               <a:rPr lang="en-US" altLang="zh-CN" sz="2400" dirty="0"/>
               <a:t>a</a:t>
             </a:r>
+            <a:endParaRPr lang="en-US" altLang="zh-CN" sz="2400" dirty="0"/>
           </a:p>
           <a:p>
             <a:pPr marL="0" indent="0">
@@ -8613,6 +7796,7 @@
               <a:rPr lang="en-US" altLang="zh-CN" sz="2400" dirty="0"/>
               <a:t>b</a:t>
             </a:r>
+            <a:endParaRPr lang="en-US" altLang="zh-CN" sz="2400" dirty="0"/>
           </a:p>
           <a:p>
             <a:pPr marL="0" indent="0">
@@ -8682,6 +7866,7 @@
               <a:rPr lang="en-US" altLang="zh-CN" sz="2400" dirty="0"/>
               <a:t>b</a:t>
             </a:r>
+            <a:endParaRPr lang="en-US" altLang="zh-CN" sz="2400" dirty="0"/>
           </a:p>
           <a:p>
             <a:pPr marL="0" indent="0">
@@ -8703,15 +7888,11 @@
               <a:rPr lang="zh-CN" altLang="en-US" sz="2400" dirty="0"/>
               <a:t>已经正确。 </a:t>
             </a:r>
+            <a:endParaRPr lang="zh-CN" altLang="en-US" sz="2400" dirty="0"/>
           </a:p>
         </p:txBody>
       </p:sp>
     </p:spTree>
-    <p:extLst>
-      <p:ext uri="{BB962C8B-B14F-4D97-AF65-F5344CB8AC3E}">
-        <p14:creationId xmlns:p14="http://schemas.microsoft.com/office/powerpoint/2010/main" val="2060923180"/>
-      </p:ext>
-    </p:extLst>
   </p:cSld>
   <p:clrMapOvr>
     <a:masterClrMapping/>
@@ -8738,13 +7919,7 @@
       </p:grpSpPr>
       <p:sp>
         <p:nvSpPr>
-          <p:cNvPr id="2" name="标题 1">
-            <a:extLst>
-              <a:ext uri="{FF2B5EF4-FFF2-40B4-BE49-F238E27FC236}">
-                <a16:creationId xmlns:a16="http://schemas.microsoft.com/office/drawing/2014/main" id="{403A4842-C8D9-4956-A38B-831250316ED2}"/>
-              </a:ext>
-            </a:extLst>
-          </p:cNvPr>
+          <p:cNvPr id="2" name="标题 1"/>
           <p:cNvSpPr>
             <a:spLocks noGrp="1"/>
           </p:cNvSpPr>
@@ -8768,18 +7943,13 @@
               <a:rPr lang="zh-CN" altLang="en-US" sz="3600" dirty="0"/>
               <a:t>认识二分法</a:t>
             </a:r>
-          </a:p>
-        </p:txBody>
-      </p:sp>
-      <p:sp>
-        <p:nvSpPr>
-          <p:cNvPr id="4" name="页脚占位符 3">
-            <a:extLst>
-              <a:ext uri="{FF2B5EF4-FFF2-40B4-BE49-F238E27FC236}">
-                <a16:creationId xmlns:a16="http://schemas.microsoft.com/office/drawing/2014/main" id="{E5784C5B-E926-4C19-849B-C2507EB97652}"/>
-              </a:ext>
-            </a:extLst>
-          </p:cNvPr>
+            <a:endParaRPr lang="zh-CN" altLang="en-US" sz="3600" dirty="0"/>
+          </a:p>
+        </p:txBody>
+      </p:sp>
+      <p:sp>
+        <p:nvSpPr>
+          <p:cNvPr id="4" name="页脚占位符 3"/>
           <p:cNvSpPr>
             <a:spLocks noGrp="1"/>
           </p:cNvSpPr>
@@ -8806,20 +7976,14 @@
       </p:sp>
       <p:pic>
         <p:nvPicPr>
-          <p:cNvPr id="5" name="图片 4">
-            <a:extLst>
-              <a:ext uri="{FF2B5EF4-FFF2-40B4-BE49-F238E27FC236}">
-                <a16:creationId xmlns:a16="http://schemas.microsoft.com/office/drawing/2014/main" id="{DD3CE3FF-C8EB-4708-915E-B1FE5FA36590}"/>
-              </a:ext>
-            </a:extLst>
-          </p:cNvPr>
+          <p:cNvPr id="5" name="图片 4"/>
           <p:cNvPicPr>
             <a:picLocks noChangeAspect="1"/>
           </p:cNvPicPr>
           <p:nvPr/>
         </p:nvPicPr>
         <p:blipFill>
-          <a:blip r:embed="rId2" cstate="print">
+          <a:blip r:embed="rId1" cstate="print">
             <a:duotone>
               <a:schemeClr val="accent5">
                 <a:shade val="45000"/>
@@ -8849,13 +8013,7 @@
       </p:pic>
       <p:sp>
         <p:nvSpPr>
-          <p:cNvPr id="7" name="内容占位符 2">
-            <a:extLst>
-              <a:ext uri="{FF2B5EF4-FFF2-40B4-BE49-F238E27FC236}">
-                <a16:creationId xmlns:a16="http://schemas.microsoft.com/office/drawing/2014/main" id="{FCF28F77-6743-40F7-B661-7DE6BEDC6A0B}"/>
-              </a:ext>
-            </a:extLst>
-          </p:cNvPr>
+          <p:cNvPr id="7" name="内容占位符 2"/>
           <p:cNvSpPr>
             <a:spLocks noGrp="1"/>
           </p:cNvSpPr>
@@ -8977,11 +8135,6 @@
         </p:txBody>
       </p:sp>
     </p:spTree>
-    <p:extLst>
-      <p:ext uri="{BB962C8B-B14F-4D97-AF65-F5344CB8AC3E}">
-        <p14:creationId xmlns:p14="http://schemas.microsoft.com/office/powerpoint/2010/main" val="193494762"/>
-      </p:ext>
-    </p:extLst>
   </p:cSld>
   <p:clrMapOvr>
     <a:masterClrMapping/>
@@ -9008,13 +8161,7 @@
       </p:grpSpPr>
       <p:sp>
         <p:nvSpPr>
-          <p:cNvPr id="2" name="标题 1">
-            <a:extLst>
-              <a:ext uri="{FF2B5EF4-FFF2-40B4-BE49-F238E27FC236}">
-                <a16:creationId xmlns:a16="http://schemas.microsoft.com/office/drawing/2014/main" id="{403A4842-C8D9-4956-A38B-831250316ED2}"/>
-              </a:ext>
-            </a:extLst>
-          </p:cNvPr>
+          <p:cNvPr id="2" name="标题 1"/>
           <p:cNvSpPr>
             <a:spLocks noGrp="1"/>
           </p:cNvSpPr>
@@ -9038,18 +8185,13 @@
               <a:rPr lang="zh-CN" altLang="en-US" sz="3600" dirty="0"/>
               <a:t>认识二分法</a:t>
             </a:r>
-          </a:p>
-        </p:txBody>
-      </p:sp>
-      <p:sp>
-        <p:nvSpPr>
-          <p:cNvPr id="4" name="页脚占位符 3">
-            <a:extLst>
-              <a:ext uri="{FF2B5EF4-FFF2-40B4-BE49-F238E27FC236}">
-                <a16:creationId xmlns:a16="http://schemas.microsoft.com/office/drawing/2014/main" id="{E5784C5B-E926-4C19-849B-C2507EB97652}"/>
-              </a:ext>
-            </a:extLst>
-          </p:cNvPr>
+            <a:endParaRPr lang="zh-CN" altLang="en-US" sz="3600" dirty="0"/>
+          </a:p>
+        </p:txBody>
+      </p:sp>
+      <p:sp>
+        <p:nvSpPr>
+          <p:cNvPr id="4" name="页脚占位符 3"/>
           <p:cNvSpPr>
             <a:spLocks noGrp="1"/>
           </p:cNvSpPr>
@@ -9074,22 +8216,265 @@
           </a:p>
         </p:txBody>
       </p:sp>
+      <p:sp>
+        <p:nvSpPr>
+          <p:cNvPr id="7" name="内容占位符 2"/>
+          <p:cNvSpPr>
+            <a:spLocks noGrp="1"/>
+          </p:cNvSpPr>
+          <p:nvPr>
+            <p:ph idx="1"/>
+          </p:nvPr>
+        </p:nvSpPr>
+        <p:spPr>
+          <a:xfrm>
+            <a:off x="717885" y="2237874"/>
+            <a:ext cx="10515600" cy="3633537"/>
+          </a:xfrm>
+        </p:spPr>
+        <p:txBody>
+          <a:bodyPr>
+            <a:noAutofit/>
+          </a:bodyPr>
+          <a:lstStyle/>
+          <a:p>
+            <a:pPr marL="0" indent="0">
+              <a:lnSpc>
+                <a:spcPct val="100000"/>
+              </a:lnSpc>
+              <a:spcBef>
+                <a:spcPts val="0"/>
+              </a:spcBef>
+              <a:buNone/>
+            </a:pPr>
+            <a:r>
+              <a:rPr lang="en-US" altLang="zh-CN" dirty="0"/>
+              <a:t>1)</a:t>
+            </a:r>
+            <a:r>
+              <a:rPr lang="zh-CN" altLang="en-US" dirty="0"/>
+              <a:t> 在一个有序数组中，找某个数是否存在 </a:t>
+            </a:r>
+            <a:endParaRPr lang="en-US" altLang="zh-CN" dirty="0"/>
+          </a:p>
+          <a:p>
+            <a:pPr marL="0" indent="0">
+              <a:lnSpc>
+                <a:spcPct val="100000"/>
+              </a:lnSpc>
+              <a:spcBef>
+                <a:spcPts val="0"/>
+              </a:spcBef>
+              <a:buNone/>
+            </a:pPr>
+            <a:endParaRPr lang="en-US" altLang="zh-CN" dirty="0"/>
+          </a:p>
+          <a:p>
+            <a:pPr marL="0" indent="0">
+              <a:lnSpc>
+                <a:spcPct val="100000"/>
+              </a:lnSpc>
+              <a:spcBef>
+                <a:spcPts val="0"/>
+              </a:spcBef>
+              <a:buNone/>
+            </a:pPr>
+            <a:r>
+              <a:rPr lang="en-US" altLang="zh-CN" dirty="0"/>
+              <a:t>2)</a:t>
+            </a:r>
+            <a:r>
+              <a:rPr lang="zh-CN" altLang="en-US" dirty="0"/>
+              <a:t> 在一个有序数组中，找</a:t>
+            </a:r>
+            <a:r>
+              <a:rPr lang="en-US" altLang="zh-CN" dirty="0"/>
+              <a:t>&gt;=</a:t>
+            </a:r>
+            <a:r>
+              <a:rPr lang="zh-CN" altLang="en-US" dirty="0"/>
+              <a:t>某个数最左侧的位置 </a:t>
+            </a:r>
+            <a:endParaRPr lang="en-US" altLang="zh-CN" dirty="0"/>
+          </a:p>
+          <a:p>
+            <a:pPr marL="0" indent="0">
+              <a:lnSpc>
+                <a:spcPct val="100000"/>
+              </a:lnSpc>
+              <a:spcBef>
+                <a:spcPts val="0"/>
+              </a:spcBef>
+              <a:buNone/>
+            </a:pPr>
+            <a:endParaRPr lang="en-US" altLang="zh-CN" dirty="0"/>
+          </a:p>
+          <a:p>
+            <a:pPr marL="0" indent="0">
+              <a:lnSpc>
+                <a:spcPct val="100000"/>
+              </a:lnSpc>
+              <a:spcBef>
+                <a:spcPts val="0"/>
+              </a:spcBef>
+              <a:buNone/>
+            </a:pPr>
+            <a:r>
+              <a:rPr lang="en-US" altLang="zh-CN" dirty="0"/>
+              <a:t>3)</a:t>
+            </a:r>
+            <a:r>
+              <a:rPr lang="zh-CN" altLang="en-US" dirty="0"/>
+              <a:t> 在一个有序数组中，找</a:t>
+            </a:r>
+            <a:r>
+              <a:rPr lang="en-US" altLang="zh-CN" dirty="0"/>
+              <a:t>&lt;=</a:t>
+            </a:r>
+            <a:r>
+              <a:rPr lang="zh-CN" altLang="en-US" dirty="0"/>
+              <a:t>某个数最右侧的位置 </a:t>
+            </a:r>
+            <a:endParaRPr lang="en-US" altLang="zh-CN" dirty="0"/>
+          </a:p>
+          <a:p>
+            <a:pPr marL="0" indent="0">
+              <a:lnSpc>
+                <a:spcPct val="100000"/>
+              </a:lnSpc>
+              <a:spcBef>
+                <a:spcPts val="0"/>
+              </a:spcBef>
+              <a:buNone/>
+            </a:pPr>
+            <a:endParaRPr lang="en-US" altLang="zh-CN" dirty="0"/>
+          </a:p>
+          <a:p>
+            <a:pPr marL="0" indent="0">
+              <a:lnSpc>
+                <a:spcPct val="100000"/>
+              </a:lnSpc>
+              <a:spcBef>
+                <a:spcPts val="0"/>
+              </a:spcBef>
+              <a:buNone/>
+            </a:pPr>
+            <a:r>
+              <a:rPr lang="en-US" altLang="zh-CN" dirty="0"/>
+              <a:t>4)</a:t>
+            </a:r>
+            <a:r>
+              <a:rPr lang="zh-CN" altLang="en-US" dirty="0"/>
+              <a:t> 局部最小值问题 </a:t>
+            </a:r>
+            <a:endParaRPr lang="zh-CN" altLang="en-US" dirty="0"/>
+          </a:p>
+          <a:p>
+            <a:pPr marL="0" indent="0">
+              <a:lnSpc>
+                <a:spcPct val="100000"/>
+              </a:lnSpc>
+              <a:spcBef>
+                <a:spcPts val="0"/>
+              </a:spcBef>
+              <a:buNone/>
+            </a:pPr>
+            <a:endParaRPr lang="en-US" altLang="zh-CN" dirty="0"/>
+          </a:p>
+        </p:txBody>
+      </p:sp>
+    </p:spTree>
+  </p:cSld>
+  <p:clrMapOvr>
+    <a:masterClrMapping/>
+  </p:clrMapOvr>
+</p:sld>
+</file>
+
+<file path=ppt/slides/slide3.xml><?xml version="1.0" encoding="utf-8"?>
+<p:sld xmlns:a="http://schemas.openxmlformats.org/drawingml/2006/main" xmlns:r="http://schemas.openxmlformats.org/officeDocument/2006/relationships" xmlns:p="http://schemas.openxmlformats.org/presentationml/2006/main">
+  <p:cSld>
+    <p:spTree>
+      <p:nvGrpSpPr>
+        <p:cNvPr id="1" name=""/>
+        <p:cNvGrpSpPr/>
+        <p:nvPr/>
+      </p:nvGrpSpPr>
+      <p:grpSpPr>
+        <a:xfrm>
+          <a:off x="0" y="0"/>
+          <a:ext cx="0" cy="0"/>
+          <a:chOff x="0" y="0"/>
+          <a:chExt cx="0" cy="0"/>
+        </a:xfrm>
+      </p:grpSpPr>
+      <p:sp>
+        <p:nvSpPr>
+          <p:cNvPr id="2" name="标题 1"/>
+          <p:cNvSpPr>
+            <a:spLocks noGrp="1"/>
+          </p:cNvSpPr>
+          <p:nvPr>
+            <p:ph type="title"/>
+          </p:nvPr>
+        </p:nvSpPr>
+        <p:spPr>
+          <a:xfrm>
+            <a:off x="838200" y="1255714"/>
+            <a:ext cx="10515600" cy="1657013"/>
+          </a:xfrm>
+        </p:spPr>
+        <p:txBody>
+          <a:bodyPr>
+            <a:normAutofit/>
+          </a:bodyPr>
+          <a:lstStyle/>
+          <a:p>
+            <a:r>
+              <a:rPr lang="zh-CN" altLang="en-US" sz="3200" dirty="0"/>
+              <a:t>什么是时间复杂度？时间复杂度怎么估算？</a:t>
+            </a:r>
+            <a:endParaRPr lang="zh-CN" altLang="en-US" sz="3200" dirty="0"/>
+          </a:p>
+        </p:txBody>
+      </p:sp>
+      <p:sp>
+        <p:nvSpPr>
+          <p:cNvPr id="4" name="页脚占位符 3"/>
+          <p:cNvSpPr>
+            <a:spLocks noGrp="1"/>
+          </p:cNvSpPr>
+          <p:nvPr>
+            <p:ph type="ftr" sz="quarter" idx="11"/>
+          </p:nvPr>
+        </p:nvSpPr>
+        <p:spPr/>
+        <p:txBody>
+          <a:bodyPr/>
+          <a:lstStyle/>
+          <a:p>
+            <a:r>
+              <a:rPr lang="zh-CN" altLang="en-US"/>
+              <a:t>马士兵教育 </a:t>
+            </a:r>
+            <a:r>
+              <a:rPr lang="en-US" altLang="zh-CN"/>
+              <a:t>http://mashibing.com</a:t>
+            </a:r>
+            <a:endParaRPr lang="zh-CN" altLang="en-US"/>
+          </a:p>
+        </p:txBody>
+      </p:sp>
       <p:pic>
         <p:nvPicPr>
-          <p:cNvPr id="5" name="图片 4">
-            <a:extLst>
-              <a:ext uri="{FF2B5EF4-FFF2-40B4-BE49-F238E27FC236}">
-                <a16:creationId xmlns:a16="http://schemas.microsoft.com/office/drawing/2014/main" id="{DD3CE3FF-C8EB-4708-915E-B1FE5FA36590}"/>
-              </a:ext>
-            </a:extLst>
-          </p:cNvPr>
+          <p:cNvPr id="5" name="图片 4"/>
           <p:cNvPicPr>
             <a:picLocks noChangeAspect="1"/>
           </p:cNvPicPr>
           <p:nvPr/>
         </p:nvPicPr>
         <p:blipFill>
-          <a:blip r:embed="rId2" cstate="print">
+          <a:blip r:embed="rId1" cstate="print">
             <a:duotone>
               <a:schemeClr val="accent5">
                 <a:shade val="45000"/>
@@ -9119,13 +8504,7 @@
       </p:pic>
       <p:sp>
         <p:nvSpPr>
-          <p:cNvPr id="7" name="内容占位符 2">
-            <a:extLst>
-              <a:ext uri="{FF2B5EF4-FFF2-40B4-BE49-F238E27FC236}">
-                <a16:creationId xmlns:a16="http://schemas.microsoft.com/office/drawing/2014/main" id="{FCF28F77-6743-40F7-B661-7DE6BEDC6A0B}"/>
-              </a:ext>
-            </a:extLst>
-          </p:cNvPr>
+          <p:cNvPr id="7" name="内容占位符 2"/>
           <p:cNvSpPr>
             <a:spLocks noGrp="1"/>
           </p:cNvSpPr>
@@ -9135,166 +8514,48 @@
         </p:nvSpPr>
         <p:spPr>
           <a:xfrm>
-            <a:off x="717885" y="2237874"/>
-            <a:ext cx="10515600" cy="3633537"/>
+            <a:off x="717885" y="3118934"/>
+            <a:ext cx="10515600" cy="2259182"/>
           </a:xfrm>
         </p:spPr>
         <p:txBody>
           <a:bodyPr>
-            <a:noAutofit/>
+            <a:normAutofit/>
           </a:bodyPr>
           <a:lstStyle/>
           <a:p>
             <a:pPr marL="0" indent="0">
-              <a:lnSpc>
-                <a:spcPct val="100000"/>
-              </a:lnSpc>
-              <a:spcBef>
-                <a:spcPts val="0"/>
-              </a:spcBef>
-              <a:buNone/>
-            </a:pPr>
-            <a:r>
-              <a:rPr lang="en-US" altLang="zh-CN" dirty="0"/>
-              <a:t>1)</a:t>
-            </a:r>
+              <a:buNone/>
+            </a:pPr>
             <a:r>
               <a:rPr lang="zh-CN" altLang="en-US" dirty="0"/>
-              <a:t> 在一个有序数组中，找某个数是否存在 </a:t>
+              <a:t>常数时间的操作</a:t>
             </a:r>
             <a:endParaRPr lang="en-US" altLang="zh-CN" dirty="0"/>
           </a:p>
           <a:p>
             <a:pPr marL="0" indent="0">
-              <a:lnSpc>
-                <a:spcPct val="100000"/>
-              </a:lnSpc>
-              <a:spcBef>
-                <a:spcPts val="0"/>
-              </a:spcBef>
-              <a:buNone/>
-            </a:pPr>
+              <a:buNone/>
+            </a:pPr>
+            <a:r>
+              <a:rPr lang="zh-CN" altLang="en-US" dirty="0"/>
+              <a:t>确定算法流程的总操作数量与样本数量之间的表达式关系</a:t>
+            </a:r>
             <a:endParaRPr lang="en-US" altLang="zh-CN" dirty="0"/>
           </a:p>
           <a:p>
             <a:pPr marL="0" indent="0">
-              <a:lnSpc>
-                <a:spcPct val="100000"/>
-              </a:lnSpc>
-              <a:spcBef>
-                <a:spcPts val="0"/>
-              </a:spcBef>
-              <a:buNone/>
-            </a:pPr>
-            <a:r>
-              <a:rPr lang="en-US" altLang="zh-CN" dirty="0"/>
-              <a:t>2)</a:t>
-            </a:r>
+              <a:buNone/>
+            </a:pPr>
             <a:r>
               <a:rPr lang="zh-CN" altLang="en-US" dirty="0"/>
-              <a:t> 在一个有序数组中，找</a:t>
-            </a:r>
-            <a:r>
-              <a:rPr lang="en-US" altLang="zh-CN" dirty="0"/>
-              <a:t>&gt;=</a:t>
-            </a:r>
-            <a:r>
-              <a:rPr lang="zh-CN" altLang="en-US" dirty="0"/>
-              <a:t>某个数最左侧的位置 </a:t>
+              <a:t>只看表达式最高阶项的部分</a:t>
             </a:r>
             <a:endParaRPr lang="en-US" altLang="zh-CN" dirty="0"/>
           </a:p>
-          <a:p>
-            <a:pPr marL="0" indent="0">
-              <a:lnSpc>
-                <a:spcPct val="100000"/>
-              </a:lnSpc>
-              <a:spcBef>
-                <a:spcPts val="0"/>
-              </a:spcBef>
-              <a:buNone/>
-            </a:pPr>
-            <a:endParaRPr lang="en-US" altLang="zh-CN" dirty="0"/>
-          </a:p>
-          <a:p>
-            <a:pPr marL="0" indent="0">
-              <a:lnSpc>
-                <a:spcPct val="100000"/>
-              </a:lnSpc>
-              <a:spcBef>
-                <a:spcPts val="0"/>
-              </a:spcBef>
-              <a:buNone/>
-            </a:pPr>
-            <a:r>
-              <a:rPr lang="en-US" altLang="zh-CN" dirty="0"/>
-              <a:t>3)</a:t>
-            </a:r>
-            <a:r>
-              <a:rPr lang="zh-CN" altLang="en-US" dirty="0"/>
-              <a:t> 在一个有序数组中，找</a:t>
-            </a:r>
-            <a:r>
-              <a:rPr lang="en-US" altLang="zh-CN" dirty="0"/>
-              <a:t>&lt;=</a:t>
-            </a:r>
-            <a:r>
-              <a:rPr lang="zh-CN" altLang="en-US" dirty="0"/>
-              <a:t>某个数最右侧的位置 </a:t>
-            </a:r>
-            <a:endParaRPr lang="en-US" altLang="zh-CN" dirty="0"/>
-          </a:p>
-          <a:p>
-            <a:pPr marL="0" indent="0">
-              <a:lnSpc>
-                <a:spcPct val="100000"/>
-              </a:lnSpc>
-              <a:spcBef>
-                <a:spcPts val="0"/>
-              </a:spcBef>
-              <a:buNone/>
-            </a:pPr>
-            <a:endParaRPr lang="en-US" altLang="zh-CN" dirty="0"/>
-          </a:p>
-          <a:p>
-            <a:pPr marL="0" indent="0">
-              <a:lnSpc>
-                <a:spcPct val="100000"/>
-              </a:lnSpc>
-              <a:spcBef>
-                <a:spcPts val="0"/>
-              </a:spcBef>
-              <a:buNone/>
-            </a:pPr>
-            <a:r>
-              <a:rPr lang="en-US" altLang="zh-CN" dirty="0"/>
-              <a:t>4)</a:t>
-            </a:r>
-            <a:r>
-              <a:rPr lang="zh-CN" altLang="en-US" dirty="0"/>
-              <a:t> 局部最小值问题 </a:t>
-            </a:r>
-          </a:p>
-          <a:p>
-            <a:pPr marL="0" indent="0">
-              <a:lnSpc>
-                <a:spcPct val="100000"/>
-              </a:lnSpc>
-              <a:spcBef>
-                <a:spcPts val="0"/>
-              </a:spcBef>
-              <a:buNone/>
-            </a:pPr>
-            <a:endParaRPr lang="en-US" altLang="zh-CN" dirty="0"/>
-          </a:p>
         </p:txBody>
       </p:sp>
     </p:spTree>
-    <p:extLst>
-      <p:ext uri="{BB962C8B-B14F-4D97-AF65-F5344CB8AC3E}">
-        <p14:creationId xmlns:p14="http://schemas.microsoft.com/office/powerpoint/2010/main" val="1721139185"/>
-      </p:ext>
-    </p:extLst>
   </p:cSld>
   <p:clrMapOvr>
     <a:masterClrMapping/>
@@ -9302,7 +8563,7 @@
 </p:sld>
 </file>
 
-<file path=ppt/slides/slide3.xml><?xml version="1.0" encoding="utf-8"?>
+<file path=ppt/slides/slide4.xml><?xml version="1.0" encoding="utf-8"?>
 <p:sld xmlns:a="http://schemas.openxmlformats.org/drawingml/2006/main" xmlns:r="http://schemas.openxmlformats.org/officeDocument/2006/relationships" xmlns:p="http://schemas.openxmlformats.org/presentationml/2006/main">
   <p:cSld>
     <p:spTree>
@@ -9321,13 +8582,7 @@
       </p:grpSpPr>
       <p:sp>
         <p:nvSpPr>
-          <p:cNvPr id="2" name="标题 1">
-            <a:extLst>
-              <a:ext uri="{FF2B5EF4-FFF2-40B4-BE49-F238E27FC236}">
-                <a16:creationId xmlns:a16="http://schemas.microsoft.com/office/drawing/2014/main" id="{403A4842-C8D9-4956-A38B-831250316ED2}"/>
-              </a:ext>
-            </a:extLst>
-          </p:cNvPr>
+          <p:cNvPr id="2" name="标题 1"/>
           <p:cNvSpPr>
             <a:spLocks noGrp="1"/>
           </p:cNvSpPr>
@@ -9349,20 +8604,15 @@
           <a:p>
             <a:r>
               <a:rPr lang="zh-CN" altLang="en-US" sz="3200" dirty="0"/>
-              <a:t>什么是时间复杂度？时间复杂度怎么估算？</a:t>
-            </a:r>
-          </a:p>
-        </p:txBody>
-      </p:sp>
-      <p:sp>
-        <p:nvSpPr>
-          <p:cNvPr id="4" name="页脚占位符 3">
-            <a:extLst>
-              <a:ext uri="{FF2B5EF4-FFF2-40B4-BE49-F238E27FC236}">
-                <a16:creationId xmlns:a16="http://schemas.microsoft.com/office/drawing/2014/main" id="{E5784C5B-E926-4C19-849B-C2507EB97652}"/>
-              </a:ext>
-            </a:extLst>
-          </p:cNvPr>
+              <a:t>何为常数时间的操作？</a:t>
+            </a:r>
+            <a:endParaRPr lang="zh-CN" altLang="en-US" sz="3200" dirty="0"/>
+          </a:p>
+        </p:txBody>
+      </p:sp>
+      <p:sp>
+        <p:nvSpPr>
+          <p:cNvPr id="4" name="页脚占位符 3"/>
           <p:cNvSpPr>
             <a:spLocks noGrp="1"/>
           </p:cNvSpPr>
@@ -9389,20 +8639,14 @@
       </p:sp>
       <p:pic>
         <p:nvPicPr>
-          <p:cNvPr id="5" name="图片 4">
-            <a:extLst>
-              <a:ext uri="{FF2B5EF4-FFF2-40B4-BE49-F238E27FC236}">
-                <a16:creationId xmlns:a16="http://schemas.microsoft.com/office/drawing/2014/main" id="{DD3CE3FF-C8EB-4708-915E-B1FE5FA36590}"/>
-              </a:ext>
-            </a:extLst>
-          </p:cNvPr>
+          <p:cNvPr id="5" name="图片 4"/>
           <p:cNvPicPr>
             <a:picLocks noChangeAspect="1"/>
           </p:cNvPicPr>
           <p:nvPr/>
         </p:nvPicPr>
         <p:blipFill>
-          <a:blip r:embed="rId2" cstate="print">
+          <a:blip r:embed="rId1" cstate="print">
             <a:duotone>
               <a:schemeClr val="accent5">
                 <a:shade val="45000"/>
@@ -9432,13 +8676,7 @@
       </p:pic>
       <p:sp>
         <p:nvSpPr>
-          <p:cNvPr id="7" name="内容占位符 2">
-            <a:extLst>
-              <a:ext uri="{FF2B5EF4-FFF2-40B4-BE49-F238E27FC236}">
-                <a16:creationId xmlns:a16="http://schemas.microsoft.com/office/drawing/2014/main" id="{FCF28F77-6743-40F7-B661-7DE6BEDC6A0B}"/>
-              </a:ext>
-            </a:extLst>
-          </p:cNvPr>
+          <p:cNvPr id="7" name="内容占位符 2"/>
           <p:cNvSpPr>
             <a:spLocks noGrp="1"/>
           </p:cNvSpPr>
@@ -9458,43 +8696,50 @@
           </a:bodyPr>
           <a:lstStyle/>
           <a:p>
-            <a:pPr marL="0" indent="0">
-              <a:buNone/>
+            <a:pPr marL="0" marR="0" lvl="0" indent="0" defTabSz="914400" eaLnBrk="1" fontAlgn="auto" latinLnBrk="0" hangingPunct="1">
+              <a:lnSpc>
+                <a:spcPct val="100000"/>
+              </a:lnSpc>
+              <a:spcBef>
+                <a:spcPts val="0"/>
+              </a:spcBef>
+              <a:spcAft>
+                <a:spcPts val="0"/>
+              </a:spcAft>
+              <a:buClrTx/>
+              <a:buSzTx/>
+              <a:buFontTx/>
+              <a:buNone/>
+              <a:defRPr/>
+            </a:pPr>
+            <a:endParaRPr lang="en-US" altLang="zh-CN" dirty="0"/>
+          </a:p>
+          <a:p>
+            <a:pPr marL="0" marR="0" lvl="0" indent="0" defTabSz="914400" eaLnBrk="1" fontAlgn="auto" latinLnBrk="0" hangingPunct="1">
+              <a:lnSpc>
+                <a:spcPct val="100000"/>
+              </a:lnSpc>
+              <a:spcBef>
+                <a:spcPts val="0"/>
+              </a:spcBef>
+              <a:spcAft>
+                <a:spcPts val="0"/>
+              </a:spcAft>
+              <a:buClrTx/>
+              <a:buSzTx/>
+              <a:buFontTx/>
+              <a:buNone/>
+              <a:defRPr/>
             </a:pPr>
             <a:r>
               <a:rPr lang="zh-CN" altLang="en-US" dirty="0"/>
-              <a:t>常数时间的操作</a:t>
+              <a:t>如果一个操作的执行时间不以具体样本量为转移，每次执行时间都是固定时间。称这样的操作为常数时间的操作。</a:t>
             </a:r>
             <a:endParaRPr lang="en-US" altLang="zh-CN" dirty="0"/>
           </a:p>
-          <a:p>
-            <a:pPr marL="0" indent="0">
-              <a:buNone/>
-            </a:pPr>
-            <a:r>
-              <a:rPr lang="zh-CN" altLang="en-US" dirty="0"/>
-              <a:t>确定算法流程的总操作数量与样本数量之间的表达式关系</a:t>
-            </a:r>
-            <a:endParaRPr lang="en-US" altLang="zh-CN" dirty="0"/>
-          </a:p>
-          <a:p>
-            <a:pPr marL="0" indent="0">
-              <a:buNone/>
-            </a:pPr>
-            <a:r>
-              <a:rPr lang="zh-CN" altLang="en-US" dirty="0"/>
-              <a:t>只看表达式最高阶项的部分</a:t>
-            </a:r>
-            <a:endParaRPr lang="en-US" altLang="zh-CN" dirty="0"/>
-          </a:p>
         </p:txBody>
       </p:sp>
     </p:spTree>
-    <p:extLst>
-      <p:ext uri="{BB962C8B-B14F-4D97-AF65-F5344CB8AC3E}">
-        <p14:creationId xmlns:p14="http://schemas.microsoft.com/office/powerpoint/2010/main" val="33455549"/>
-      </p:ext>
-    </p:extLst>
   </p:cSld>
   <p:clrMapOvr>
     <a:masterClrMapping/>
@@ -9502,7 +8747,7 @@
 </p:sld>
 </file>
 
-<file path=ppt/slides/slide4.xml><?xml version="1.0" encoding="utf-8"?>
+<file path=ppt/slides/slide5.xml><?xml version="1.0" encoding="utf-8"?>
 <p:sld xmlns:a="http://schemas.openxmlformats.org/drawingml/2006/main" xmlns:r="http://schemas.openxmlformats.org/officeDocument/2006/relationships" xmlns:p="http://schemas.openxmlformats.org/presentationml/2006/main">
   <p:cSld>
     <p:spTree>
@@ -9521,13 +8766,7 @@
       </p:grpSpPr>
       <p:sp>
         <p:nvSpPr>
-          <p:cNvPr id="2" name="标题 1">
-            <a:extLst>
-              <a:ext uri="{FF2B5EF4-FFF2-40B4-BE49-F238E27FC236}">
-                <a16:creationId xmlns:a16="http://schemas.microsoft.com/office/drawing/2014/main" id="{403A4842-C8D9-4956-A38B-831250316ED2}"/>
-              </a:ext>
-            </a:extLst>
-          </p:cNvPr>
+          <p:cNvPr id="2" name="标题 1"/>
           <p:cNvSpPr>
             <a:spLocks noGrp="1"/>
           </p:cNvSpPr>
@@ -9537,8 +8776,8 @@
         </p:nvSpPr>
         <p:spPr>
           <a:xfrm>
-            <a:off x="838200" y="1255714"/>
-            <a:ext cx="10515600" cy="1657013"/>
+            <a:off x="838200" y="1255715"/>
+            <a:ext cx="10515600" cy="966452"/>
           </a:xfrm>
         </p:spPr>
         <p:txBody>
@@ -9549,20 +8788,15 @@
           <a:p>
             <a:r>
               <a:rPr lang="zh-CN" altLang="en-US" sz="3200" dirty="0"/>
-              <a:t>何为常数时间的操作？</a:t>
-            </a:r>
-          </a:p>
-        </p:txBody>
-      </p:sp>
-      <p:sp>
-        <p:nvSpPr>
-          <p:cNvPr id="4" name="页脚占位符 3">
-            <a:extLst>
-              <a:ext uri="{FF2B5EF4-FFF2-40B4-BE49-F238E27FC236}">
-                <a16:creationId xmlns:a16="http://schemas.microsoft.com/office/drawing/2014/main" id="{E5784C5B-E926-4C19-849B-C2507EB97652}"/>
-              </a:ext>
-            </a:extLst>
-          </p:cNvPr>
+              <a:t>常见的常数时间的操作</a:t>
+            </a:r>
+            <a:endParaRPr lang="zh-CN" altLang="en-US" sz="3200" dirty="0"/>
+          </a:p>
+        </p:txBody>
+      </p:sp>
+      <p:sp>
+        <p:nvSpPr>
+          <p:cNvPr id="4" name="页脚占位符 3"/>
           <p:cNvSpPr>
             <a:spLocks noGrp="1"/>
           </p:cNvSpPr>
@@ -9576,33 +8810,31 @@
           <a:lstStyle/>
           <a:p>
             <a:r>
-              <a:rPr lang="zh-CN" altLang="en-US"/>
+              <a:rPr lang="zh-CN" altLang="en-US" dirty="0"/>
               <a:t>马士兵教育 </a:t>
             </a:r>
             <a:r>
-              <a:rPr lang="en-US" altLang="zh-CN"/>
-              <a:t>http://mashibing.com</a:t>
-            </a:r>
-            <a:endParaRPr lang="zh-CN" altLang="en-US"/>
+              <a:rPr lang="en-US" altLang="zh-CN" dirty="0"/>
+              <a:t>http://</a:t>
+            </a:r>
+            <a:r>
+              <a:rPr lang="en-US" altLang="zh-CN" dirty="0" err="1"/>
+              <a:t>mashibing.com</a:t>
+            </a:r>
+            <a:endParaRPr lang="zh-CN" altLang="en-US" dirty="0"/>
           </a:p>
         </p:txBody>
       </p:sp>
       <p:pic>
         <p:nvPicPr>
-          <p:cNvPr id="5" name="图片 4">
-            <a:extLst>
-              <a:ext uri="{FF2B5EF4-FFF2-40B4-BE49-F238E27FC236}">
-                <a16:creationId xmlns:a16="http://schemas.microsoft.com/office/drawing/2014/main" id="{DD3CE3FF-C8EB-4708-915E-B1FE5FA36590}"/>
-              </a:ext>
-            </a:extLst>
-          </p:cNvPr>
+          <p:cNvPr id="5" name="图片 4"/>
           <p:cNvPicPr>
             <a:picLocks noChangeAspect="1"/>
           </p:cNvPicPr>
           <p:nvPr/>
         </p:nvPicPr>
         <p:blipFill>
-          <a:blip r:embed="rId2" cstate="print">
+          <a:blip r:embed="rId1" cstate="print">
             <a:duotone>
               <a:schemeClr val="accent5">
                 <a:shade val="45000"/>
@@ -9632,13 +8864,7 @@
       </p:pic>
       <p:sp>
         <p:nvSpPr>
-          <p:cNvPr id="7" name="内容占位符 2">
-            <a:extLst>
-              <a:ext uri="{FF2B5EF4-FFF2-40B4-BE49-F238E27FC236}">
-                <a16:creationId xmlns:a16="http://schemas.microsoft.com/office/drawing/2014/main" id="{FCF28F77-6743-40F7-B661-7DE6BEDC6A0B}"/>
-              </a:ext>
-            </a:extLst>
-          </p:cNvPr>
+          <p:cNvPr id="8" name="内容占位符 2"/>
           <p:cNvSpPr>
             <a:spLocks noGrp="1"/>
           </p:cNvSpPr>
@@ -9648,8 +8874,8 @@
         </p:nvSpPr>
         <p:spPr>
           <a:xfrm>
-            <a:off x="717885" y="3118934"/>
-            <a:ext cx="10515600" cy="2259182"/>
+            <a:off x="838200" y="2222167"/>
+            <a:ext cx="10515600" cy="2022141"/>
           </a:xfrm>
         </p:spPr>
         <p:txBody>
@@ -9658,57 +8884,176 @@
           </a:bodyPr>
           <a:lstStyle/>
           <a:p>
-            <a:pPr marL="0" marR="0" lvl="0" indent="0" defTabSz="914400" eaLnBrk="1" fontAlgn="auto" latinLnBrk="0" hangingPunct="1">
-              <a:lnSpc>
-                <a:spcPct val="100000"/>
-              </a:lnSpc>
-              <a:spcBef>
-                <a:spcPts val="0"/>
-              </a:spcBef>
-              <a:spcAft>
-                <a:spcPts val="0"/>
-              </a:spcAft>
-              <a:buClrTx/>
-              <a:buSzTx/>
-              <a:buFontTx/>
-              <a:buNone/>
-              <a:tabLst/>
-              <a:defRPr/>
-            </a:pPr>
+            <a:r>
+              <a:rPr lang="zh-CN" altLang="en-US" dirty="0"/>
+              <a:t>常见的算术运算（</a:t>
+            </a:r>
+            <a:r>
+              <a:rPr lang="en-US" altLang="zh-CN" dirty="0"/>
+              <a:t>+</a:t>
+            </a:r>
+            <a:r>
+              <a:rPr lang="zh-CN" altLang="en-US" dirty="0"/>
+              <a:t>、</a:t>
+            </a:r>
+            <a:r>
+              <a:rPr lang="en-US" altLang="zh-CN" dirty="0"/>
+              <a:t>-</a:t>
+            </a:r>
+            <a:r>
+              <a:rPr lang="zh-CN" altLang="en-US" dirty="0"/>
+              <a:t>、*、</a:t>
+            </a:r>
+            <a:r>
+              <a:rPr lang="en-US" altLang="zh-CN" dirty="0"/>
+              <a:t>/</a:t>
+            </a:r>
+            <a:r>
+              <a:rPr lang="zh-CN" altLang="en-US" dirty="0"/>
+              <a:t>、</a:t>
+            </a:r>
+            <a:r>
+              <a:rPr lang="en-US" altLang="zh-CN" dirty="0"/>
+              <a:t>%</a:t>
+            </a:r>
+            <a:r>
+              <a:rPr lang="zh-CN" altLang="en-US" dirty="0"/>
+              <a:t> 等）</a:t>
+            </a:r>
             <a:endParaRPr lang="en-US" altLang="zh-CN" dirty="0"/>
           </a:p>
           <a:p>
-            <a:pPr marL="0" marR="0" lvl="0" indent="0" defTabSz="914400" eaLnBrk="1" fontAlgn="auto" latinLnBrk="0" hangingPunct="1">
-              <a:lnSpc>
-                <a:spcPct val="100000"/>
-              </a:lnSpc>
-              <a:spcBef>
-                <a:spcPts val="0"/>
-              </a:spcBef>
-              <a:spcAft>
-                <a:spcPts val="0"/>
-              </a:spcAft>
-              <a:buClrTx/>
-              <a:buSzTx/>
-              <a:buFontTx/>
-              <a:buNone/>
-              <a:tabLst/>
-              <a:defRPr/>
-            </a:pPr>
             <a:r>
               <a:rPr lang="zh-CN" altLang="en-US" dirty="0"/>
-              <a:t>如果一个操作的执行时间不以具体样本量为转移，每次执行时间都是固定时间。称这样的操作为常数时间的操作。</a:t>
+              <a:t>常见的位运算（</a:t>
+            </a:r>
+            <a:r>
+              <a:rPr lang="en-US" altLang="zh-CN" dirty="0"/>
+              <a:t>&gt;&gt;</a:t>
+            </a:r>
+            <a:r>
+              <a:rPr lang="zh-CN" altLang="en-US" dirty="0"/>
+              <a:t>、</a:t>
+            </a:r>
+            <a:r>
+              <a:rPr lang="en-US" altLang="zh-CN" dirty="0"/>
+              <a:t>&gt;&gt;&gt;</a:t>
+            </a:r>
+            <a:r>
+              <a:rPr lang="zh-CN" altLang="en-US" dirty="0"/>
+              <a:t>、</a:t>
+            </a:r>
+            <a:r>
+              <a:rPr lang="en-US" altLang="zh-CN" dirty="0"/>
+              <a:t>&lt;&lt;</a:t>
+            </a:r>
+            <a:r>
+              <a:rPr lang="zh-CN" altLang="en-US" dirty="0"/>
+              <a:t>、</a:t>
+            </a:r>
+            <a:r>
+              <a:rPr lang="en-US" altLang="zh-CN" dirty="0"/>
+              <a:t>|</a:t>
+            </a:r>
+            <a:r>
+              <a:rPr lang="zh-CN" altLang="en-US" dirty="0"/>
+              <a:t>、</a:t>
+            </a:r>
+            <a:r>
+              <a:rPr lang="en-US" altLang="zh-CN" dirty="0"/>
+              <a:t>&amp;</a:t>
+            </a:r>
+            <a:r>
+              <a:rPr lang="zh-CN" altLang="en-US" dirty="0"/>
+              <a:t>、</a:t>
+            </a:r>
+            <a:r>
+              <a:rPr lang="en-US" altLang="zh-CN" dirty="0"/>
+              <a:t>^</a:t>
+            </a:r>
+            <a:r>
+              <a:rPr lang="zh-CN" altLang="en-US" dirty="0"/>
+              <a:t>等）</a:t>
             </a:r>
             <a:endParaRPr lang="en-US" altLang="zh-CN" dirty="0"/>
           </a:p>
+          <a:p>
+            <a:r>
+              <a:rPr lang="zh-CN" altLang="en-US" dirty="0"/>
+              <a:t>赋值、比较、自增、自减操作等</a:t>
+            </a:r>
+            <a:endParaRPr lang="en-US" altLang="zh-CN" dirty="0"/>
+          </a:p>
+          <a:p>
+            <a:r>
+              <a:rPr lang="zh-CN" altLang="en-US" dirty="0"/>
+              <a:t>数组寻址操作</a:t>
+            </a:r>
+            <a:endParaRPr lang="en-US" altLang="zh-CN" dirty="0"/>
+          </a:p>
+          <a:p>
+            <a:endParaRPr lang="en-US" altLang="zh-CN" dirty="0"/>
+          </a:p>
+        </p:txBody>
+      </p:sp>
+      <p:sp>
+        <p:nvSpPr>
+          <p:cNvPr id="9" name="标题 1"/>
+          <p:cNvSpPr txBox="1"/>
+          <p:nvPr/>
+        </p:nvSpPr>
+        <p:spPr>
+          <a:xfrm>
+            <a:off x="838200" y="4596482"/>
+            <a:ext cx="10515600" cy="1455401"/>
+          </a:xfrm>
+          <a:prstGeom prst="rect">
+            <a:avLst/>
+          </a:prstGeom>
+        </p:spPr>
+        <p:txBody>
+          <a:bodyPr vert="horz" lIns="91440" tIns="45720" rIns="91440" bIns="45720" rtlCol="0" anchor="ctr">
+            <a:normAutofit/>
+          </a:bodyPr>
+          <a:lstStyle>
+            <a:lvl1pPr algn="l" defTabSz="914400" rtl="0" eaLnBrk="1" latinLnBrk="0" hangingPunct="1">
+              <a:lnSpc>
+                <a:spcPct val="90000"/>
+              </a:lnSpc>
+              <a:spcBef>
+                <a:spcPct val="0"/>
+              </a:spcBef>
+              <a:buNone/>
+              <a:defRPr sz="4400" kern="1200">
+                <a:solidFill>
+                  <a:schemeClr val="tx1"/>
+                </a:solidFill>
+                <a:latin typeface="+mj-lt"/>
+                <a:ea typeface="+mj-ea"/>
+                <a:cs typeface="+mj-cs"/>
+              </a:defRPr>
+            </a:lvl1pPr>
+          </a:lstStyle>
+          <a:p>
+            <a:r>
+              <a:rPr lang="zh-CN" altLang="en-US" sz="2800" dirty="0"/>
+              <a:t>总之，执行时间固定的操作都是常数时间的操作。</a:t>
+            </a:r>
+            <a:endParaRPr lang="en-US" altLang="zh-CN" sz="2800" dirty="0"/>
+          </a:p>
+          <a:p>
+            <a:endParaRPr lang="en-US" altLang="zh-CN" sz="2800" dirty="0"/>
+          </a:p>
+          <a:p>
+            <a:r>
+              <a:rPr lang="zh-CN" altLang="en-US" sz="2800" dirty="0"/>
+              <a:t>反之，执行时间不固定的操作，都不是常数时间的操作。</a:t>
+            </a:r>
+            <a:endParaRPr lang="en-US" altLang="zh-CN" sz="2800" dirty="0"/>
+          </a:p>
         </p:txBody>
       </p:sp>
     </p:spTree>
-    <p:extLst>
-      <p:ext uri="{BB962C8B-B14F-4D97-AF65-F5344CB8AC3E}">
-        <p14:creationId xmlns:p14="http://schemas.microsoft.com/office/powerpoint/2010/main" val="488089586"/>
-      </p:ext>
-    </p:extLst>
   </p:cSld>
   <p:clrMapOvr>
     <a:masterClrMapping/>
@@ -9716,7 +9061,7 @@
 </p:sld>
 </file>
 
-<file path=ppt/slides/slide5.xml><?xml version="1.0" encoding="utf-8"?>
+<file path=ppt/slides/slide6.xml><?xml version="1.0" encoding="utf-8"?>
 <p:sld xmlns:a="http://schemas.openxmlformats.org/drawingml/2006/main" xmlns:r="http://schemas.openxmlformats.org/officeDocument/2006/relationships" xmlns:p="http://schemas.openxmlformats.org/presentationml/2006/main">
   <p:cSld>
     <p:spTree>
@@ -9735,13 +9080,7 @@
       </p:grpSpPr>
       <p:sp>
         <p:nvSpPr>
-          <p:cNvPr id="2" name="标题 1">
-            <a:extLst>
-              <a:ext uri="{FF2B5EF4-FFF2-40B4-BE49-F238E27FC236}">
-                <a16:creationId xmlns:a16="http://schemas.microsoft.com/office/drawing/2014/main" id="{403A4842-C8D9-4956-A38B-831250316ED2}"/>
-              </a:ext>
-            </a:extLst>
-          </p:cNvPr>
+          <p:cNvPr id="2" name="标题 1"/>
           <p:cNvSpPr>
             <a:spLocks noGrp="1"/>
           </p:cNvSpPr>
@@ -9751,8 +9090,8 @@
         </p:nvSpPr>
         <p:spPr>
           <a:xfrm>
-            <a:off x="838200" y="1255715"/>
-            <a:ext cx="10515600" cy="966452"/>
+            <a:off x="717885" y="1076326"/>
+            <a:ext cx="10515600" cy="1657013"/>
           </a:xfrm>
         </p:spPr>
         <p:txBody>
@@ -9762,21 +9101,16 @@
           <a:lstStyle/>
           <a:p>
             <a:r>
-              <a:rPr lang="zh-CN" altLang="en-US" sz="3200" dirty="0"/>
-              <a:t>常见的常数时间的操作</a:t>
-            </a:r>
-          </a:p>
-        </p:txBody>
-      </p:sp>
-      <p:sp>
-        <p:nvSpPr>
-          <p:cNvPr id="4" name="页脚占位符 3">
-            <a:extLst>
-              <a:ext uri="{FF2B5EF4-FFF2-40B4-BE49-F238E27FC236}">
-                <a16:creationId xmlns:a16="http://schemas.microsoft.com/office/drawing/2014/main" id="{E5784C5B-E926-4C19-849B-C2507EB97652}"/>
-              </a:ext>
-            </a:extLst>
-          </p:cNvPr>
+              <a:rPr lang="zh-CN" altLang="en-US" sz="2800" dirty="0"/>
+              <a:t>如何确定算法流程的总操作数量与样本数量之间的表达式关系？</a:t>
+            </a:r>
+            <a:endParaRPr lang="zh-CN" altLang="en-US" sz="2800" dirty="0"/>
+          </a:p>
+        </p:txBody>
+      </p:sp>
+      <p:sp>
+        <p:nvSpPr>
+          <p:cNvPr id="4" name="页脚占位符 3"/>
           <p:cNvSpPr>
             <a:spLocks noGrp="1"/>
           </p:cNvSpPr>
@@ -9790,37 +9124,27 @@
           <a:lstStyle/>
           <a:p>
             <a:r>
-              <a:rPr lang="zh-CN" altLang="en-US" dirty="0"/>
+              <a:rPr lang="zh-CN" altLang="en-US"/>
               <a:t>马士兵教育 </a:t>
             </a:r>
             <a:r>
-              <a:rPr lang="en-US" altLang="zh-CN" dirty="0"/>
-              <a:t>http://</a:t>
-            </a:r>
-            <a:r>
-              <a:rPr lang="en-US" altLang="zh-CN" dirty="0" err="1"/>
-              <a:t>mashibing.com</a:t>
-            </a:r>
-            <a:endParaRPr lang="zh-CN" altLang="en-US" dirty="0"/>
+              <a:rPr lang="en-US" altLang="zh-CN"/>
+              <a:t>http://mashibing.com</a:t>
+            </a:r>
+            <a:endParaRPr lang="zh-CN" altLang="en-US"/>
           </a:p>
         </p:txBody>
       </p:sp>
       <p:pic>
         <p:nvPicPr>
-          <p:cNvPr id="5" name="图片 4">
-            <a:extLst>
-              <a:ext uri="{FF2B5EF4-FFF2-40B4-BE49-F238E27FC236}">
-                <a16:creationId xmlns:a16="http://schemas.microsoft.com/office/drawing/2014/main" id="{DD3CE3FF-C8EB-4708-915E-B1FE5FA36590}"/>
-              </a:ext>
-            </a:extLst>
-          </p:cNvPr>
+          <p:cNvPr id="5" name="图片 4"/>
           <p:cNvPicPr>
             <a:picLocks noChangeAspect="1"/>
           </p:cNvPicPr>
           <p:nvPr/>
         </p:nvPicPr>
         <p:blipFill>
-          <a:blip r:embed="rId2" cstate="print">
+          <a:blip r:embed="rId1" cstate="print">
             <a:duotone>
               <a:schemeClr val="accent5">
                 <a:shade val="45000"/>
@@ -9850,13 +9174,7 @@
       </p:pic>
       <p:sp>
         <p:nvSpPr>
-          <p:cNvPr id="8" name="内容占位符 2">
-            <a:extLst>
-              <a:ext uri="{FF2B5EF4-FFF2-40B4-BE49-F238E27FC236}">
-                <a16:creationId xmlns:a16="http://schemas.microsoft.com/office/drawing/2014/main" id="{FCF28F77-6743-40F7-B661-7DE6BEDC6A0B}"/>
-              </a:ext>
-            </a:extLst>
-          </p:cNvPr>
+          <p:cNvPr id="7" name="内容占位符 2"/>
           <p:cNvSpPr>
             <a:spLocks noGrp="1"/>
           </p:cNvSpPr>
@@ -9866,8 +9184,8 @@
         </p:nvSpPr>
         <p:spPr>
           <a:xfrm>
-            <a:off x="838200" y="2222167"/>
-            <a:ext cx="10515600" cy="2022141"/>
+            <a:off x="717885" y="2733339"/>
+            <a:ext cx="10515600" cy="2908887"/>
           </a:xfrm>
         </p:spPr>
         <p:txBody>
@@ -9876,189 +9194,108 @@
           </a:bodyPr>
           <a:lstStyle/>
           <a:p>
+            <a:pPr marL="0" indent="0">
+              <a:lnSpc>
+                <a:spcPct val="100000"/>
+              </a:lnSpc>
+              <a:spcBef>
+                <a:spcPts val="0"/>
+              </a:spcBef>
+              <a:buNone/>
+            </a:pPr>
+            <a:r>
+              <a:rPr lang="en-US" altLang="zh-CN" dirty="0"/>
+              <a:t>1</a:t>
+            </a:r>
             <a:r>
               <a:rPr lang="zh-CN" altLang="en-US" dirty="0"/>
-              <a:t>常见的算术运算（</a:t>
-            </a:r>
+              <a:t>，想象该算法流程所处理的数据状况，要按照最差情况来。</a:t>
+            </a:r>
+            <a:endParaRPr lang="en-US" altLang="zh-CN" dirty="0"/>
+          </a:p>
+          <a:p>
+            <a:pPr marL="0" indent="0">
+              <a:lnSpc>
+                <a:spcPct val="100000"/>
+              </a:lnSpc>
+              <a:spcBef>
+                <a:spcPts val="0"/>
+              </a:spcBef>
+              <a:buNone/>
+            </a:pPr>
+            <a:endParaRPr lang="en-US" altLang="zh-CN" dirty="0"/>
+          </a:p>
+          <a:p>
+            <a:pPr marL="0" indent="0">
+              <a:lnSpc>
+                <a:spcPct val="100000"/>
+              </a:lnSpc>
+              <a:spcBef>
+                <a:spcPts val="0"/>
+              </a:spcBef>
+              <a:buNone/>
+            </a:pPr>
             <a:r>
               <a:rPr lang="en-US" altLang="zh-CN" dirty="0"/>
-              <a:t>+</a:t>
+              <a:t>2</a:t>
             </a:r>
             <a:r>
               <a:rPr lang="zh-CN" altLang="en-US" dirty="0"/>
-              <a:t>、</a:t>
-            </a:r>
+              <a:t>，把整个流程彻底拆分为一个个基本动作，保证每个动作都是常数时间的操作。</a:t>
+            </a:r>
+            <a:endParaRPr lang="en-US" altLang="zh-CN" dirty="0"/>
+          </a:p>
+          <a:p>
+            <a:pPr marL="0" indent="0">
+              <a:lnSpc>
+                <a:spcPct val="100000"/>
+              </a:lnSpc>
+              <a:spcBef>
+                <a:spcPts val="0"/>
+              </a:spcBef>
+              <a:buNone/>
+            </a:pPr>
+            <a:endParaRPr lang="en-US" altLang="zh-CN" dirty="0"/>
+          </a:p>
+          <a:p>
+            <a:pPr marL="0" indent="0">
+              <a:lnSpc>
+                <a:spcPct val="100000"/>
+              </a:lnSpc>
+              <a:spcBef>
+                <a:spcPts val="0"/>
+              </a:spcBef>
+              <a:buNone/>
+            </a:pPr>
             <a:r>
               <a:rPr lang="en-US" altLang="zh-CN" dirty="0"/>
-              <a:t>-</a:t>
+              <a:t>3</a:t>
             </a:r>
             <a:r>
               <a:rPr lang="zh-CN" altLang="en-US" dirty="0"/>
-              <a:t>、*、</a:t>
+              <a:t>，如果数据量为</a:t>
             </a:r>
             <a:r>
               <a:rPr lang="en-US" altLang="zh-CN" dirty="0"/>
-              <a:t>/</a:t>
+              <a:t>N</a:t>
             </a:r>
             <a:r>
               <a:rPr lang="zh-CN" altLang="en-US" dirty="0"/>
-              <a:t>、</a:t>
+              <a:t>，看看基本动作的数量和</a:t>
             </a:r>
             <a:r>
               <a:rPr lang="en-US" altLang="zh-CN" dirty="0"/>
-              <a:t>%</a:t>
+              <a:t>N</a:t>
             </a:r>
             <a:r>
               <a:rPr lang="zh-CN" altLang="en-US" dirty="0"/>
-              <a:t> 等）</a:t>
+              <a:t>是什么关系。</a:t>
             </a:r>
             <a:endParaRPr lang="en-US" altLang="zh-CN" dirty="0"/>
           </a:p>
-          <a:p>
-            <a:r>
-              <a:rPr lang="zh-CN" altLang="en-US" dirty="0"/>
-              <a:t>常见的位运算（</a:t>
-            </a:r>
-            <a:r>
-              <a:rPr lang="en-US" altLang="zh-CN" dirty="0"/>
-              <a:t>&gt;&gt;</a:t>
-            </a:r>
-            <a:r>
-              <a:rPr lang="zh-CN" altLang="en-US" dirty="0"/>
-              <a:t>、</a:t>
-            </a:r>
-            <a:r>
-              <a:rPr lang="en-US" altLang="zh-CN" dirty="0"/>
-              <a:t>&gt;&gt;&gt;</a:t>
-            </a:r>
-            <a:r>
-              <a:rPr lang="zh-CN" altLang="en-US" dirty="0"/>
-              <a:t>、</a:t>
-            </a:r>
-            <a:r>
-              <a:rPr lang="en-US" altLang="zh-CN" dirty="0"/>
-              <a:t>&lt;&lt;</a:t>
-            </a:r>
-            <a:r>
-              <a:rPr lang="zh-CN" altLang="en-US" dirty="0"/>
-              <a:t>、</a:t>
-            </a:r>
-            <a:r>
-              <a:rPr lang="en-US" altLang="zh-CN" dirty="0"/>
-              <a:t>|</a:t>
-            </a:r>
-            <a:r>
-              <a:rPr lang="zh-CN" altLang="en-US" dirty="0"/>
-              <a:t>、</a:t>
-            </a:r>
-            <a:r>
-              <a:rPr lang="en-US" altLang="zh-CN" dirty="0"/>
-              <a:t>&amp;</a:t>
-            </a:r>
-            <a:r>
-              <a:rPr lang="zh-CN" altLang="en-US" dirty="0"/>
-              <a:t>、</a:t>
-            </a:r>
-            <a:r>
-              <a:rPr lang="en-US" altLang="zh-CN" dirty="0"/>
-              <a:t>^</a:t>
-            </a:r>
-            <a:r>
-              <a:rPr lang="zh-CN" altLang="en-US" dirty="0"/>
-              <a:t>等）</a:t>
-            </a:r>
-            <a:endParaRPr lang="en-US" altLang="zh-CN" dirty="0"/>
-          </a:p>
-          <a:p>
-            <a:r>
-              <a:rPr lang="zh-CN" altLang="en-US" dirty="0"/>
-              <a:t>赋值、比较、自增、自减操作等</a:t>
-            </a:r>
-            <a:endParaRPr lang="en-US" altLang="zh-CN" dirty="0"/>
-          </a:p>
-          <a:p>
-            <a:r>
-              <a:rPr lang="zh-CN" altLang="en-US" dirty="0"/>
-              <a:t>数组寻址操作</a:t>
-            </a:r>
-            <a:endParaRPr lang="en-US" altLang="zh-CN" dirty="0"/>
-          </a:p>
-          <a:p>
-            <a:endParaRPr lang="en-US" altLang="zh-CN" dirty="0"/>
-          </a:p>
-        </p:txBody>
-      </p:sp>
-      <p:sp>
-        <p:nvSpPr>
-          <p:cNvPr id="9" name="标题 1">
-            <a:extLst>
-              <a:ext uri="{FF2B5EF4-FFF2-40B4-BE49-F238E27FC236}">
-                <a16:creationId xmlns:a16="http://schemas.microsoft.com/office/drawing/2014/main" id="{403A4842-C8D9-4956-A38B-831250316ED2}"/>
-              </a:ext>
-            </a:extLst>
-          </p:cNvPr>
-          <p:cNvSpPr txBox="1">
-            <a:spLocks/>
-          </p:cNvSpPr>
-          <p:nvPr/>
-        </p:nvSpPr>
-        <p:spPr>
-          <a:xfrm>
-            <a:off x="838200" y="4596482"/>
-            <a:ext cx="10515600" cy="1455401"/>
-          </a:xfrm>
-          <a:prstGeom prst="rect">
-            <a:avLst/>
-          </a:prstGeom>
-        </p:spPr>
-        <p:txBody>
-          <a:bodyPr vert="horz" lIns="91440" tIns="45720" rIns="91440" bIns="45720" rtlCol="0" anchor="ctr">
-            <a:normAutofit/>
-          </a:bodyPr>
-          <a:lstStyle>
-            <a:lvl1pPr algn="l" defTabSz="914400" rtl="0" eaLnBrk="1" latinLnBrk="0" hangingPunct="1">
-              <a:lnSpc>
-                <a:spcPct val="90000"/>
-              </a:lnSpc>
-              <a:spcBef>
-                <a:spcPct val="0"/>
-              </a:spcBef>
-              <a:buNone/>
-              <a:defRPr sz="4400" kern="1200">
-                <a:solidFill>
-                  <a:schemeClr val="tx1"/>
-                </a:solidFill>
-                <a:latin typeface="+mj-lt"/>
-                <a:ea typeface="+mj-ea"/>
-                <a:cs typeface="+mj-cs"/>
-              </a:defRPr>
-            </a:lvl1pPr>
-          </a:lstStyle>
-          <a:p>
-            <a:r>
-              <a:rPr lang="zh-CN" altLang="en-US" sz="2800" dirty="0"/>
-              <a:t>总之，执行时间固定的操作都是常数时间的操作。</a:t>
-            </a:r>
-            <a:endParaRPr lang="en-US" altLang="zh-CN" sz="2800" dirty="0"/>
-          </a:p>
-          <a:p>
-            <a:endParaRPr lang="en-US" altLang="zh-CN" sz="2800" dirty="0"/>
-          </a:p>
-          <a:p>
-            <a:r>
-              <a:rPr lang="zh-CN" altLang="en-US" sz="2800" dirty="0"/>
-              <a:t>反之，执行时间不固定的操作，都不是常数时间的操作。</a:t>
-            </a:r>
-            <a:endParaRPr lang="en-US" altLang="zh-CN" sz="2800" dirty="0"/>
-          </a:p>
         </p:txBody>
       </p:sp>
     </p:spTree>
-    <p:extLst>
-      <p:ext uri="{BB962C8B-B14F-4D97-AF65-F5344CB8AC3E}">
-        <p14:creationId xmlns:p14="http://schemas.microsoft.com/office/powerpoint/2010/main" val="781020187"/>
-      </p:ext>
-    </p:extLst>
   </p:cSld>
   <p:clrMapOvr>
     <a:masterClrMapping/>
@@ -10066,7 +9303,7 @@
 </p:sld>
 </file>
 
-<file path=ppt/slides/slide6.xml><?xml version="1.0" encoding="utf-8"?>
+<file path=ppt/slides/slide7.xml><?xml version="1.0" encoding="utf-8"?>
 <p:sld xmlns:a="http://schemas.openxmlformats.org/drawingml/2006/main" xmlns:r="http://schemas.openxmlformats.org/officeDocument/2006/relationships" xmlns:p="http://schemas.openxmlformats.org/presentationml/2006/main">
   <p:cSld>
     <p:spTree>
@@ -10085,13 +9322,7 @@
       </p:grpSpPr>
       <p:sp>
         <p:nvSpPr>
-          <p:cNvPr id="2" name="标题 1">
-            <a:extLst>
-              <a:ext uri="{FF2B5EF4-FFF2-40B4-BE49-F238E27FC236}">
-                <a16:creationId xmlns:a16="http://schemas.microsoft.com/office/drawing/2014/main" id="{403A4842-C8D9-4956-A38B-831250316ED2}"/>
-              </a:ext>
-            </a:extLst>
-          </p:cNvPr>
+          <p:cNvPr id="2" name="标题 1"/>
           <p:cNvSpPr>
             <a:spLocks noGrp="1"/>
           </p:cNvSpPr>
@@ -10113,20 +9344,15 @@
           <a:p>
             <a:r>
               <a:rPr lang="zh-CN" altLang="en-US" sz="2800" dirty="0"/>
-              <a:t>如何确定算法流程的总操作数量与样本数量之间的表达式关系？</a:t>
-            </a:r>
-          </a:p>
-        </p:txBody>
-      </p:sp>
-      <p:sp>
-        <p:nvSpPr>
-          <p:cNvPr id="4" name="页脚占位符 3">
-            <a:extLst>
-              <a:ext uri="{FF2B5EF4-FFF2-40B4-BE49-F238E27FC236}">
-                <a16:creationId xmlns:a16="http://schemas.microsoft.com/office/drawing/2014/main" id="{E5784C5B-E926-4C19-849B-C2507EB97652}"/>
-              </a:ext>
-            </a:extLst>
-          </p:cNvPr>
+              <a:t>如何确定算法流程的时间复杂度？</a:t>
+            </a:r>
+            <a:endParaRPr lang="zh-CN" altLang="en-US" sz="2800" dirty="0"/>
+          </a:p>
+        </p:txBody>
+      </p:sp>
+      <p:sp>
+        <p:nvSpPr>
+          <p:cNvPr id="4" name="页脚占位符 3"/>
           <p:cNvSpPr>
             <a:spLocks noGrp="1"/>
           </p:cNvSpPr>
@@ -10153,20 +9379,14 @@
       </p:sp>
       <p:pic>
         <p:nvPicPr>
-          <p:cNvPr id="5" name="图片 4">
-            <a:extLst>
-              <a:ext uri="{FF2B5EF4-FFF2-40B4-BE49-F238E27FC236}">
-                <a16:creationId xmlns:a16="http://schemas.microsoft.com/office/drawing/2014/main" id="{DD3CE3FF-C8EB-4708-915E-B1FE5FA36590}"/>
-              </a:ext>
-            </a:extLst>
-          </p:cNvPr>
+          <p:cNvPr id="5" name="图片 4"/>
           <p:cNvPicPr>
             <a:picLocks noChangeAspect="1"/>
           </p:cNvPicPr>
           <p:nvPr/>
         </p:nvPicPr>
         <p:blipFill>
-          <a:blip r:embed="rId2" cstate="print">
+          <a:blip r:embed="rId1" cstate="print">
             <a:duotone>
               <a:schemeClr val="accent5">
                 <a:shade val="45000"/>
@@ -10196,13 +9416,7 @@
       </p:pic>
       <p:sp>
         <p:nvSpPr>
-          <p:cNvPr id="7" name="内容占位符 2">
-            <a:extLst>
-              <a:ext uri="{FF2B5EF4-FFF2-40B4-BE49-F238E27FC236}">
-                <a16:creationId xmlns:a16="http://schemas.microsoft.com/office/drawing/2014/main" id="{FCF28F77-6743-40F7-B661-7DE6BEDC6A0B}"/>
-              </a:ext>
-            </a:extLst>
-          </p:cNvPr>
+          <p:cNvPr id="7" name="内容占位符 2"/>
           <p:cNvSpPr>
             <a:spLocks noGrp="1"/>
           </p:cNvSpPr>
@@ -10212,8 +9426,8 @@
         </p:nvSpPr>
         <p:spPr>
           <a:xfrm>
-            <a:off x="717885" y="2733339"/>
-            <a:ext cx="10515600" cy="2908887"/>
+            <a:off x="717885" y="2733340"/>
+            <a:ext cx="10515600" cy="2079292"/>
           </a:xfrm>
         </p:spPr>
         <p:txBody>
@@ -10232,103 +9446,54 @@
               <a:buNone/>
             </a:pPr>
             <a:r>
+              <a:rPr lang="zh-CN" altLang="en-US" dirty="0"/>
+              <a:t>当完成了表达式的建立，只要把最高阶项留下即可。低阶项都去掉，高阶项的系数也去掉。</a:t>
+            </a:r>
+            <a:endParaRPr lang="en-US" altLang="zh-CN" dirty="0"/>
+          </a:p>
+          <a:p>
+            <a:pPr marL="0" indent="0">
+              <a:lnSpc>
+                <a:spcPct val="100000"/>
+              </a:lnSpc>
+              <a:spcBef>
+                <a:spcPts val="0"/>
+              </a:spcBef>
+              <a:buNone/>
+            </a:pPr>
+            <a:endParaRPr lang="en-US" altLang="zh-CN" dirty="0"/>
+          </a:p>
+          <a:p>
+            <a:pPr marL="0" indent="0">
+              <a:lnSpc>
+                <a:spcPct val="100000"/>
+              </a:lnSpc>
+              <a:spcBef>
+                <a:spcPts val="0"/>
+              </a:spcBef>
+              <a:buNone/>
+            </a:pPr>
+            <a:r>
+              <a:rPr lang="zh-CN" altLang="en-US" dirty="0"/>
+              <a:t>记为：</a:t>
+            </a:r>
+            <a:r>
               <a:rPr lang="en-US" altLang="zh-CN" dirty="0"/>
-              <a:t>1</a:t>
+              <a:t>O(</a:t>
             </a:r>
             <a:r>
               <a:rPr lang="zh-CN" altLang="en-US" dirty="0"/>
-              <a:t>，想象该算法流程所处理的数据状况，要按照最差情况来。</a:t>
+              <a:t>忽略掉系数的高阶项</a:t>
+            </a:r>
+            <a:r>
+              <a:rPr lang="en-US" altLang="zh-CN" dirty="0"/>
+              <a:t>)</a:t>
             </a:r>
             <a:endParaRPr lang="en-US" altLang="zh-CN" dirty="0"/>
           </a:p>
-          <a:p>
-            <a:pPr marL="0" indent="0">
-              <a:lnSpc>
-                <a:spcPct val="100000"/>
-              </a:lnSpc>
-              <a:spcBef>
-                <a:spcPts val="0"/>
-              </a:spcBef>
-              <a:buNone/>
-            </a:pPr>
-            <a:endParaRPr lang="en-US" altLang="zh-CN" dirty="0"/>
-          </a:p>
-          <a:p>
-            <a:pPr marL="0" indent="0">
-              <a:lnSpc>
-                <a:spcPct val="100000"/>
-              </a:lnSpc>
-              <a:spcBef>
-                <a:spcPts val="0"/>
-              </a:spcBef>
-              <a:buNone/>
-            </a:pPr>
-            <a:r>
-              <a:rPr lang="en-US" altLang="zh-CN" dirty="0"/>
-              <a:t>2</a:t>
-            </a:r>
-            <a:r>
-              <a:rPr lang="zh-CN" altLang="en-US" dirty="0"/>
-              <a:t>，把整个流程彻底拆分为一个个基本动作，保证每个动作都是常数时间的操作。</a:t>
-            </a:r>
-            <a:endParaRPr lang="en-US" altLang="zh-CN" dirty="0"/>
-          </a:p>
-          <a:p>
-            <a:pPr marL="0" indent="0">
-              <a:lnSpc>
-                <a:spcPct val="100000"/>
-              </a:lnSpc>
-              <a:spcBef>
-                <a:spcPts val="0"/>
-              </a:spcBef>
-              <a:buNone/>
-            </a:pPr>
-            <a:endParaRPr lang="en-US" altLang="zh-CN" dirty="0"/>
-          </a:p>
-          <a:p>
-            <a:pPr marL="0" indent="0">
-              <a:lnSpc>
-                <a:spcPct val="100000"/>
-              </a:lnSpc>
-              <a:spcBef>
-                <a:spcPts val="0"/>
-              </a:spcBef>
-              <a:buNone/>
-            </a:pPr>
-            <a:r>
-              <a:rPr lang="en-US" altLang="zh-CN" dirty="0"/>
-              <a:t>3</a:t>
-            </a:r>
-            <a:r>
-              <a:rPr lang="zh-CN" altLang="en-US" dirty="0"/>
-              <a:t>，如果数据量为</a:t>
-            </a:r>
-            <a:r>
-              <a:rPr lang="en-US" altLang="zh-CN" dirty="0"/>
-              <a:t>N</a:t>
-            </a:r>
-            <a:r>
-              <a:rPr lang="zh-CN" altLang="en-US" dirty="0"/>
-              <a:t>，看看基本动作的数量和</a:t>
-            </a:r>
-            <a:r>
-              <a:rPr lang="en-US" altLang="zh-CN" dirty="0"/>
-              <a:t>N</a:t>
-            </a:r>
-            <a:r>
-              <a:rPr lang="zh-CN" altLang="en-US" dirty="0"/>
-              <a:t>是什么关系。</a:t>
-            </a:r>
-            <a:endParaRPr lang="en-US" altLang="zh-CN" dirty="0"/>
-          </a:p>
         </p:txBody>
       </p:sp>
     </p:spTree>
-    <p:extLst>
-      <p:ext uri="{BB962C8B-B14F-4D97-AF65-F5344CB8AC3E}">
-        <p14:creationId xmlns:p14="http://schemas.microsoft.com/office/powerpoint/2010/main" val="277950126"/>
-      </p:ext>
-    </p:extLst>
   </p:cSld>
   <p:clrMapOvr>
     <a:masterClrMapping/>
@@ -10336,7 +9501,7 @@
 </p:sld>
 </file>
 
-<file path=ppt/slides/slide7.xml><?xml version="1.0" encoding="utf-8"?>
+<file path=ppt/slides/slide8.xml><?xml version="1.0" encoding="utf-8"?>
 <p:sld xmlns:a="http://schemas.openxmlformats.org/drawingml/2006/main" xmlns:r="http://schemas.openxmlformats.org/officeDocument/2006/relationships" xmlns:p="http://schemas.openxmlformats.org/presentationml/2006/main">
   <p:cSld>
     <p:spTree>
@@ -10355,13 +9520,7 @@
       </p:grpSpPr>
       <p:sp>
         <p:nvSpPr>
-          <p:cNvPr id="2" name="标题 1">
-            <a:extLst>
-              <a:ext uri="{FF2B5EF4-FFF2-40B4-BE49-F238E27FC236}">
-                <a16:creationId xmlns:a16="http://schemas.microsoft.com/office/drawing/2014/main" id="{403A4842-C8D9-4956-A38B-831250316ED2}"/>
-              </a:ext>
-            </a:extLst>
-          </p:cNvPr>
+          <p:cNvPr id="2" name="标题 1"/>
           <p:cNvSpPr>
             <a:spLocks noGrp="1"/>
           </p:cNvSpPr>
@@ -10383,20 +9542,15 @@
           <a:p>
             <a:r>
               <a:rPr lang="zh-CN" altLang="en-US" sz="2800" dirty="0"/>
-              <a:t>如何确定算法流程的时间复杂度？</a:t>
-            </a:r>
-          </a:p>
-        </p:txBody>
-      </p:sp>
-      <p:sp>
-        <p:nvSpPr>
-          <p:cNvPr id="4" name="页脚占位符 3">
-            <a:extLst>
-              <a:ext uri="{FF2B5EF4-FFF2-40B4-BE49-F238E27FC236}">
-                <a16:creationId xmlns:a16="http://schemas.microsoft.com/office/drawing/2014/main" id="{E5784C5B-E926-4C19-849B-C2507EB97652}"/>
-              </a:ext>
-            </a:extLst>
-          </p:cNvPr>
+              <a:t>通过三个具体的例子，来实践一把时间复杂度的估算</a:t>
+            </a:r>
+            <a:endParaRPr lang="zh-CN" altLang="en-US" sz="2800" dirty="0"/>
+          </a:p>
+        </p:txBody>
+      </p:sp>
+      <p:sp>
+        <p:nvSpPr>
+          <p:cNvPr id="4" name="页脚占位符 3"/>
           <p:cNvSpPr>
             <a:spLocks noGrp="1"/>
           </p:cNvSpPr>
@@ -10423,20 +9577,14 @@
       </p:sp>
       <p:pic>
         <p:nvPicPr>
-          <p:cNvPr id="5" name="图片 4">
-            <a:extLst>
-              <a:ext uri="{FF2B5EF4-FFF2-40B4-BE49-F238E27FC236}">
-                <a16:creationId xmlns:a16="http://schemas.microsoft.com/office/drawing/2014/main" id="{DD3CE3FF-C8EB-4708-915E-B1FE5FA36590}"/>
-              </a:ext>
-            </a:extLst>
-          </p:cNvPr>
+          <p:cNvPr id="5" name="图片 4"/>
           <p:cNvPicPr>
             <a:picLocks noChangeAspect="1"/>
           </p:cNvPicPr>
           <p:nvPr/>
         </p:nvPicPr>
         <p:blipFill>
-          <a:blip r:embed="rId2" cstate="print">
+          <a:blip r:embed="rId1" cstate="print">
             <a:duotone>
               <a:schemeClr val="accent5">
                 <a:shade val="45000"/>
@@ -10466,13 +9614,7 @@
       </p:pic>
       <p:sp>
         <p:nvSpPr>
-          <p:cNvPr id="7" name="内容占位符 2">
-            <a:extLst>
-              <a:ext uri="{FF2B5EF4-FFF2-40B4-BE49-F238E27FC236}">
-                <a16:creationId xmlns:a16="http://schemas.microsoft.com/office/drawing/2014/main" id="{FCF28F77-6743-40F7-B661-7DE6BEDC6A0B}"/>
-              </a:ext>
-            </a:extLst>
-          </p:cNvPr>
+          <p:cNvPr id="7" name="内容占位符 2"/>
           <p:cNvSpPr>
             <a:spLocks noGrp="1"/>
           </p:cNvSpPr>
@@ -10482,8 +9624,8 @@
         </p:nvSpPr>
         <p:spPr>
           <a:xfrm>
-            <a:off x="717885" y="2733340"/>
-            <a:ext cx="10515600" cy="2079292"/>
+            <a:off x="717885" y="2733339"/>
+            <a:ext cx="10515600" cy="3138072"/>
           </a:xfrm>
         </p:spPr>
         <p:txBody>
@@ -10501,9 +9643,21 @@
               </a:spcBef>
               <a:buNone/>
             </a:pPr>
+            <a:endParaRPr lang="en-US" altLang="zh-CN" dirty="0"/>
+          </a:p>
+          <a:p>
+            <a:pPr marL="0" indent="0">
+              <a:lnSpc>
+                <a:spcPct val="100000"/>
+              </a:lnSpc>
+              <a:spcBef>
+                <a:spcPts val="0"/>
+              </a:spcBef>
+              <a:buNone/>
+            </a:pPr>
             <a:r>
               <a:rPr lang="zh-CN" altLang="en-US" dirty="0"/>
-              <a:t>当完成了表达式的建立，只要把最高阶项留下即可。低阶项都去掉，高阶项的系数也去掉。</a:t>
+              <a:t>选择排序</a:t>
             </a:r>
             <a:endParaRPr lang="en-US" altLang="zh-CN" dirty="0"/>
           </a:p>
@@ -10531,29 +9685,53 @@
             </a:pPr>
             <a:r>
               <a:rPr lang="zh-CN" altLang="en-US" dirty="0"/>
-              <a:t>记为：</a:t>
-            </a:r>
-            <a:r>
-              <a:rPr lang="en-US" altLang="zh-CN" dirty="0"/>
-              <a:t>O(</a:t>
-            </a:r>
+              <a:t>冒泡排序</a:t>
+            </a:r>
+            <a:endParaRPr lang="en-US" altLang="zh-CN" dirty="0"/>
+          </a:p>
+          <a:p>
+            <a:pPr marL="0" indent="0">
+              <a:lnSpc>
+                <a:spcPct val="100000"/>
+              </a:lnSpc>
+              <a:spcBef>
+                <a:spcPts val="0"/>
+              </a:spcBef>
+              <a:buNone/>
+            </a:pPr>
+            <a:endParaRPr lang="en-US" altLang="zh-CN" dirty="0"/>
+          </a:p>
+          <a:p>
+            <a:pPr marL="0" indent="0">
+              <a:lnSpc>
+                <a:spcPct val="100000"/>
+              </a:lnSpc>
+              <a:spcBef>
+                <a:spcPts val="0"/>
+              </a:spcBef>
+              <a:buNone/>
+            </a:pPr>
             <a:r>
               <a:rPr lang="zh-CN" altLang="en-US" dirty="0"/>
-              <a:t>忽略掉系数的高阶项</a:t>
-            </a:r>
-            <a:r>
-              <a:rPr lang="en-US" altLang="zh-CN" dirty="0"/>
-              <a:t>)</a:t>
-            </a:r>
+              <a:t>插入排序</a:t>
+            </a:r>
+            <a:endParaRPr lang="en-US" altLang="zh-CN" dirty="0"/>
+          </a:p>
+          <a:p>
+            <a:pPr marL="0" indent="0">
+              <a:lnSpc>
+                <a:spcPct val="100000"/>
+              </a:lnSpc>
+              <a:spcBef>
+                <a:spcPts val="0"/>
+              </a:spcBef>
+              <a:buNone/>
+            </a:pPr>
+            <a:endParaRPr lang="en-US" altLang="zh-CN" dirty="0"/>
           </a:p>
         </p:txBody>
       </p:sp>
     </p:spTree>
-    <p:extLst>
-      <p:ext uri="{BB962C8B-B14F-4D97-AF65-F5344CB8AC3E}">
-        <p14:creationId xmlns:p14="http://schemas.microsoft.com/office/powerpoint/2010/main" val="1572039417"/>
-      </p:ext>
-    </p:extLst>
   </p:cSld>
   <p:clrMapOvr>
     <a:masterClrMapping/>
@@ -10561,7 +9739,7 @@
 </p:sld>
 </file>
 
-<file path=ppt/slides/slide8.xml><?xml version="1.0" encoding="utf-8"?>
+<file path=ppt/slides/slide9.xml><?xml version="1.0" encoding="utf-8"?>
 <p:sld xmlns:a="http://schemas.openxmlformats.org/drawingml/2006/main" xmlns:r="http://schemas.openxmlformats.org/officeDocument/2006/relationships" xmlns:p="http://schemas.openxmlformats.org/presentationml/2006/main">
   <p:cSld>
     <p:spTree>
@@ -10580,13 +9758,7 @@
       </p:grpSpPr>
       <p:sp>
         <p:nvSpPr>
-          <p:cNvPr id="2" name="标题 1">
-            <a:extLst>
-              <a:ext uri="{FF2B5EF4-FFF2-40B4-BE49-F238E27FC236}">
-                <a16:creationId xmlns:a16="http://schemas.microsoft.com/office/drawing/2014/main" id="{403A4842-C8D9-4956-A38B-831250316ED2}"/>
-              </a:ext>
-            </a:extLst>
-          </p:cNvPr>
+          <p:cNvPr id="2" name="标题 1"/>
           <p:cNvSpPr>
             <a:spLocks noGrp="1"/>
           </p:cNvSpPr>
@@ -10596,8 +9768,8 @@
         </p:nvSpPr>
         <p:spPr>
           <a:xfrm>
-            <a:off x="717885" y="1076326"/>
-            <a:ext cx="10515600" cy="1657013"/>
+            <a:off x="717885" y="1076327"/>
+            <a:ext cx="10515600" cy="1161548"/>
           </a:xfrm>
         </p:spPr>
         <p:txBody>
@@ -10608,20 +9780,15 @@
           <a:p>
             <a:r>
               <a:rPr lang="zh-CN" altLang="en-US" sz="2800" dirty="0"/>
-              <a:t>通过三个具体的例子，来实践一把时间复杂度的估算</a:t>
-            </a:r>
-          </a:p>
-        </p:txBody>
-      </p:sp>
-      <p:sp>
-        <p:nvSpPr>
-          <p:cNvPr id="4" name="页脚占位符 3">
-            <a:extLst>
-              <a:ext uri="{FF2B5EF4-FFF2-40B4-BE49-F238E27FC236}">
-                <a16:creationId xmlns:a16="http://schemas.microsoft.com/office/drawing/2014/main" id="{E5784C5B-E926-4C19-849B-C2507EB97652}"/>
-              </a:ext>
-            </a:extLst>
-          </p:cNvPr>
+              <a:t>选择排序</a:t>
+            </a:r>
+            <a:endParaRPr lang="zh-CN" altLang="en-US" sz="2800" dirty="0"/>
+          </a:p>
+        </p:txBody>
+      </p:sp>
+      <p:sp>
+        <p:nvSpPr>
+          <p:cNvPr id="4" name="页脚占位符 3"/>
           <p:cNvSpPr>
             <a:spLocks noGrp="1"/>
           </p:cNvSpPr>
@@ -10648,20 +9815,14 @@
       </p:sp>
       <p:pic>
         <p:nvPicPr>
-          <p:cNvPr id="5" name="图片 4">
-            <a:extLst>
-              <a:ext uri="{FF2B5EF4-FFF2-40B4-BE49-F238E27FC236}">
-                <a16:creationId xmlns:a16="http://schemas.microsoft.com/office/drawing/2014/main" id="{DD3CE3FF-C8EB-4708-915E-B1FE5FA36590}"/>
-              </a:ext>
-            </a:extLst>
-          </p:cNvPr>
+          <p:cNvPr id="5" name="图片 4"/>
           <p:cNvPicPr>
             <a:picLocks noChangeAspect="1"/>
           </p:cNvPicPr>
           <p:nvPr/>
         </p:nvPicPr>
         <p:blipFill>
-          <a:blip r:embed="rId2" cstate="print">
+          <a:blip r:embed="rId1" cstate="print">
             <a:duotone>
               <a:schemeClr val="accent5">
                 <a:shade val="45000"/>
@@ -10691,279 +9852,7 @@
       </p:pic>
       <p:sp>
         <p:nvSpPr>
-          <p:cNvPr id="7" name="内容占位符 2">
-            <a:extLst>
-              <a:ext uri="{FF2B5EF4-FFF2-40B4-BE49-F238E27FC236}">
-                <a16:creationId xmlns:a16="http://schemas.microsoft.com/office/drawing/2014/main" id="{FCF28F77-6743-40F7-B661-7DE6BEDC6A0B}"/>
-              </a:ext>
-            </a:extLst>
-          </p:cNvPr>
-          <p:cNvSpPr>
-            <a:spLocks noGrp="1"/>
-          </p:cNvSpPr>
-          <p:nvPr>
-            <p:ph idx="1"/>
-          </p:nvPr>
-        </p:nvSpPr>
-        <p:spPr>
-          <a:xfrm>
-            <a:off x="717885" y="2733339"/>
-            <a:ext cx="10515600" cy="3138072"/>
-          </a:xfrm>
-        </p:spPr>
-        <p:txBody>
-          <a:bodyPr>
-            <a:normAutofit/>
-          </a:bodyPr>
-          <a:lstStyle/>
-          <a:p>
-            <a:pPr marL="0" indent="0">
-              <a:lnSpc>
-                <a:spcPct val="100000"/>
-              </a:lnSpc>
-              <a:spcBef>
-                <a:spcPts val="0"/>
-              </a:spcBef>
-              <a:buNone/>
-            </a:pPr>
-            <a:endParaRPr lang="en-US" altLang="zh-CN" dirty="0"/>
-          </a:p>
-          <a:p>
-            <a:pPr marL="0" indent="0">
-              <a:lnSpc>
-                <a:spcPct val="100000"/>
-              </a:lnSpc>
-              <a:spcBef>
-                <a:spcPts val="0"/>
-              </a:spcBef>
-              <a:buNone/>
-            </a:pPr>
-            <a:r>
-              <a:rPr lang="zh-CN" altLang="en-US" dirty="0"/>
-              <a:t>选择排序</a:t>
-            </a:r>
-            <a:endParaRPr lang="en-US" altLang="zh-CN" dirty="0"/>
-          </a:p>
-          <a:p>
-            <a:pPr marL="0" indent="0">
-              <a:lnSpc>
-                <a:spcPct val="100000"/>
-              </a:lnSpc>
-              <a:spcBef>
-                <a:spcPts val="0"/>
-              </a:spcBef>
-              <a:buNone/>
-            </a:pPr>
-            <a:endParaRPr lang="en-US" altLang="zh-CN" dirty="0"/>
-          </a:p>
-          <a:p>
-            <a:pPr marL="0" indent="0">
-              <a:lnSpc>
-                <a:spcPct val="100000"/>
-              </a:lnSpc>
-              <a:spcBef>
-                <a:spcPts val="0"/>
-              </a:spcBef>
-              <a:buNone/>
-            </a:pPr>
-            <a:r>
-              <a:rPr lang="zh-CN" altLang="en-US" dirty="0"/>
-              <a:t>冒泡排序</a:t>
-            </a:r>
-            <a:endParaRPr lang="en-US" altLang="zh-CN" dirty="0"/>
-          </a:p>
-          <a:p>
-            <a:pPr marL="0" indent="0">
-              <a:lnSpc>
-                <a:spcPct val="100000"/>
-              </a:lnSpc>
-              <a:spcBef>
-                <a:spcPts val="0"/>
-              </a:spcBef>
-              <a:buNone/>
-            </a:pPr>
-            <a:endParaRPr lang="en-US" altLang="zh-CN" dirty="0"/>
-          </a:p>
-          <a:p>
-            <a:pPr marL="0" indent="0">
-              <a:lnSpc>
-                <a:spcPct val="100000"/>
-              </a:lnSpc>
-              <a:spcBef>
-                <a:spcPts val="0"/>
-              </a:spcBef>
-              <a:buNone/>
-            </a:pPr>
-            <a:r>
-              <a:rPr lang="zh-CN" altLang="en-US" dirty="0"/>
-              <a:t>插入排序</a:t>
-            </a:r>
-            <a:endParaRPr lang="en-US" altLang="zh-CN" dirty="0"/>
-          </a:p>
-          <a:p>
-            <a:pPr marL="0" indent="0">
-              <a:lnSpc>
-                <a:spcPct val="100000"/>
-              </a:lnSpc>
-              <a:spcBef>
-                <a:spcPts val="0"/>
-              </a:spcBef>
-              <a:buNone/>
-            </a:pPr>
-            <a:endParaRPr lang="en-US" altLang="zh-CN" dirty="0"/>
-          </a:p>
-        </p:txBody>
-      </p:sp>
-    </p:spTree>
-    <p:extLst>
-      <p:ext uri="{BB962C8B-B14F-4D97-AF65-F5344CB8AC3E}">
-        <p14:creationId xmlns:p14="http://schemas.microsoft.com/office/powerpoint/2010/main" val="411716933"/>
-      </p:ext>
-    </p:extLst>
-  </p:cSld>
-  <p:clrMapOvr>
-    <a:masterClrMapping/>
-  </p:clrMapOvr>
-</p:sld>
-</file>
-
-<file path=ppt/slides/slide9.xml><?xml version="1.0" encoding="utf-8"?>
-<p:sld xmlns:a="http://schemas.openxmlformats.org/drawingml/2006/main" xmlns:r="http://schemas.openxmlformats.org/officeDocument/2006/relationships" xmlns:p="http://schemas.openxmlformats.org/presentationml/2006/main">
-  <p:cSld>
-    <p:spTree>
-      <p:nvGrpSpPr>
-        <p:cNvPr id="1" name=""/>
-        <p:cNvGrpSpPr/>
-        <p:nvPr/>
-      </p:nvGrpSpPr>
-      <p:grpSpPr>
-        <a:xfrm>
-          <a:off x="0" y="0"/>
-          <a:ext cx="0" cy="0"/>
-          <a:chOff x="0" y="0"/>
-          <a:chExt cx="0" cy="0"/>
-        </a:xfrm>
-      </p:grpSpPr>
-      <p:sp>
-        <p:nvSpPr>
-          <p:cNvPr id="2" name="标题 1">
-            <a:extLst>
-              <a:ext uri="{FF2B5EF4-FFF2-40B4-BE49-F238E27FC236}">
-                <a16:creationId xmlns:a16="http://schemas.microsoft.com/office/drawing/2014/main" id="{403A4842-C8D9-4956-A38B-831250316ED2}"/>
-              </a:ext>
-            </a:extLst>
-          </p:cNvPr>
-          <p:cNvSpPr>
-            <a:spLocks noGrp="1"/>
-          </p:cNvSpPr>
-          <p:nvPr>
-            <p:ph type="title"/>
-          </p:nvPr>
-        </p:nvSpPr>
-        <p:spPr>
-          <a:xfrm>
-            <a:off x="717885" y="1076327"/>
-            <a:ext cx="10515600" cy="1161548"/>
-          </a:xfrm>
-        </p:spPr>
-        <p:txBody>
-          <a:bodyPr>
-            <a:normAutofit/>
-          </a:bodyPr>
-          <a:lstStyle/>
-          <a:p>
-            <a:r>
-              <a:rPr lang="zh-CN" altLang="en-US" sz="2800" dirty="0"/>
-              <a:t>选择排序</a:t>
-            </a:r>
-          </a:p>
-        </p:txBody>
-      </p:sp>
-      <p:sp>
-        <p:nvSpPr>
-          <p:cNvPr id="4" name="页脚占位符 3">
-            <a:extLst>
-              <a:ext uri="{FF2B5EF4-FFF2-40B4-BE49-F238E27FC236}">
-                <a16:creationId xmlns:a16="http://schemas.microsoft.com/office/drawing/2014/main" id="{E5784C5B-E926-4C19-849B-C2507EB97652}"/>
-              </a:ext>
-            </a:extLst>
-          </p:cNvPr>
-          <p:cNvSpPr>
-            <a:spLocks noGrp="1"/>
-          </p:cNvSpPr>
-          <p:nvPr>
-            <p:ph type="ftr" sz="quarter" idx="11"/>
-          </p:nvPr>
-        </p:nvSpPr>
-        <p:spPr/>
-        <p:txBody>
-          <a:bodyPr/>
-          <a:lstStyle/>
-          <a:p>
-            <a:r>
-              <a:rPr lang="zh-CN" altLang="en-US"/>
-              <a:t>马士兵教育 </a:t>
-            </a:r>
-            <a:r>
-              <a:rPr lang="en-US" altLang="zh-CN"/>
-              <a:t>http://mashibing.com</a:t>
-            </a:r>
-            <a:endParaRPr lang="zh-CN" altLang="en-US"/>
-          </a:p>
-        </p:txBody>
-      </p:sp>
-      <p:pic>
-        <p:nvPicPr>
-          <p:cNvPr id="5" name="图片 4">
-            <a:extLst>
-              <a:ext uri="{FF2B5EF4-FFF2-40B4-BE49-F238E27FC236}">
-                <a16:creationId xmlns:a16="http://schemas.microsoft.com/office/drawing/2014/main" id="{DD3CE3FF-C8EB-4708-915E-B1FE5FA36590}"/>
-              </a:ext>
-            </a:extLst>
-          </p:cNvPr>
-          <p:cNvPicPr>
-            <a:picLocks noChangeAspect="1"/>
-          </p:cNvPicPr>
-          <p:nvPr/>
-        </p:nvPicPr>
-        <p:blipFill>
-          <a:blip r:embed="rId2" cstate="print">
-            <a:duotone>
-              <a:schemeClr val="accent5">
-                <a:shade val="45000"/>
-                <a:satMod val="135000"/>
-              </a:schemeClr>
-              <a:prstClr val="white"/>
-            </a:duotone>
-            <a:extLst>
-              <a:ext uri="{28A0092B-C50C-407E-A947-70E740481C1C}">
-                <a14:useLocalDpi xmlns:a14="http://schemas.microsoft.com/office/drawing/2010/main" val="0"/>
-              </a:ext>
-            </a:extLst>
-          </a:blip>
-          <a:stretch>
-            <a:fillRect/>
-          </a:stretch>
-        </p:blipFill>
-        <p:spPr>
-          <a:xfrm>
-            <a:off x="43940" y="32544"/>
-            <a:ext cx="1635138" cy="1043782"/>
-          </a:xfrm>
-          <a:prstGeom prst="rect">
-            <a:avLst/>
-          </a:prstGeom>
-        </p:spPr>
-      </p:pic>
-      <p:sp>
-        <p:nvSpPr>
-          <p:cNvPr id="7" name="内容占位符 2">
-            <a:extLst>
-              <a:ext uri="{FF2B5EF4-FFF2-40B4-BE49-F238E27FC236}">
-                <a16:creationId xmlns:a16="http://schemas.microsoft.com/office/drawing/2014/main" id="{FCF28F77-6743-40F7-B661-7DE6BEDC6A0B}"/>
-              </a:ext>
-            </a:extLst>
-          </p:cNvPr>
+          <p:cNvPr id="7" name="内容占位符 2"/>
           <p:cNvSpPr>
             <a:spLocks noGrp="1"/>
           </p:cNvSpPr>
@@ -11129,7 +10018,7 @@
               <a:buNone/>
             </a:pPr>
             <a:r>
-              <a:rPr lang="mr-IN" altLang="zh-CN" sz="1800" dirty="0"/>
+              <a:rPr lang="en-US" altLang="zh-CN" sz="1800" dirty="0"/>
               <a:t>…</a:t>
             </a:r>
             <a:endParaRPr lang="en-US" altLang="zh-CN" sz="1800" dirty="0"/>
@@ -11292,6 +10181,7 @@
               <a:rPr lang="en-US" altLang="zh-CN" sz="1800" dirty="0"/>
               <a:t>)</a:t>
             </a:r>
+            <a:endParaRPr lang="en-US" altLang="zh-CN" sz="1800" dirty="0"/>
           </a:p>
           <a:p>
             <a:pPr marL="0" indent="0">
@@ -11332,11 +10222,6 @@
         </p:txBody>
       </p:sp>
     </p:spTree>
-    <p:extLst>
-      <p:ext uri="{BB962C8B-B14F-4D97-AF65-F5344CB8AC3E}">
-        <p14:creationId xmlns:p14="http://schemas.microsoft.com/office/powerpoint/2010/main" val="1262345436"/>
-      </p:ext>
-    </p:extLst>
   </p:cSld>
   <p:clrMapOvr>
     <a:masterClrMapping/>
@@ -11387,7 +10272,7 @@
     </a:clrScheme>
     <a:fontScheme name="Office">
       <a:majorFont>
-        <a:latin typeface="等线 Light" panose="020F0302020204030204"/>
+        <a:latin typeface="等线 Light"/>
         <a:ea typeface=""/>
         <a:cs typeface=""/>
         <a:font script="Jpan" typeface="游ゴシック Light"/>
@@ -11420,26 +10305,9 @@
         <a:font script="Viet" typeface="Times New Roman"/>
         <a:font script="Uigh" typeface="Microsoft Uighur"/>
         <a:font script="Geor" typeface="Sylfaen"/>
-        <a:font script="Armn" typeface="Arial"/>
-        <a:font script="Bugi" typeface="Leelawadee UI"/>
-        <a:font script="Bopo" typeface="Microsoft JhengHei"/>
-        <a:font script="Java" typeface="Javanese Text"/>
-        <a:font script="Lisu" typeface="Segoe UI"/>
-        <a:font script="Mymr" typeface="Myanmar Text"/>
-        <a:font script="Nkoo" typeface="Ebrima"/>
-        <a:font script="Olck" typeface="Nirmala UI"/>
-        <a:font script="Osma" typeface="Ebrima"/>
-        <a:font script="Phag" typeface="Phagspa"/>
-        <a:font script="Syrn" typeface="Estrangelo Edessa"/>
-        <a:font script="Syrj" typeface="Estrangelo Edessa"/>
-        <a:font script="Syre" typeface="Estrangelo Edessa"/>
-        <a:font script="Sora" typeface="Nirmala UI"/>
-        <a:font script="Tale" typeface="Microsoft Tai Le"/>
-        <a:font script="Talu" typeface="Microsoft New Tai Lue"/>
-        <a:font script="Tfng" typeface="Ebrima"/>
       </a:majorFont>
       <a:minorFont>
-        <a:latin typeface="等线" panose="020F0502020204030204"/>
+        <a:latin typeface="等线"/>
         <a:ea typeface=""/>
         <a:cs typeface=""/>
         <a:font script="Jpan" typeface="游ゴシック"/>
@@ -11472,23 +10340,6 @@
         <a:font script="Viet" typeface="Arial"/>
         <a:font script="Uigh" typeface="Microsoft Uighur"/>
         <a:font script="Geor" typeface="Sylfaen"/>
-        <a:font script="Armn" typeface="Arial"/>
-        <a:font script="Bugi" typeface="Leelawadee UI"/>
-        <a:font script="Bopo" typeface="Microsoft JhengHei"/>
-        <a:font script="Java" typeface="Javanese Text"/>
-        <a:font script="Lisu" typeface="Segoe UI"/>
-        <a:font script="Mymr" typeface="Myanmar Text"/>
-        <a:font script="Nkoo" typeface="Ebrima"/>
-        <a:font script="Olck" typeface="Nirmala UI"/>
-        <a:font script="Osma" typeface="Ebrima"/>
-        <a:font script="Phag" typeface="Phagspa"/>
-        <a:font script="Syrn" typeface="Estrangelo Edessa"/>
-        <a:font script="Syrj" typeface="Estrangelo Edessa"/>
-        <a:font script="Syre" typeface="Estrangelo Edessa"/>
-        <a:font script="Sora" typeface="Nirmala UI"/>
-        <a:font script="Tale" typeface="Microsoft Tai Le"/>
-        <a:font script="Talu" typeface="Microsoft New Tai Lue"/>
-        <a:font script="Tfng" typeface="Ebrima"/>
       </a:minorFont>
     </a:fontScheme>
     <a:fmtScheme name="Office">
@@ -11629,8 +10480,6 @@
       </a:bgFillStyleLst>
     </a:fmtScheme>
   </a:themeElements>
-  <a:objectDefaults/>
-  <a:extraClrSchemeLst/>
   <a:extLst>
     <a:ext uri="{05A4C25C-085E-4340-85A3-A5531E510DB2}">
       <thm15:themeFamily xmlns:thm15="http://schemas.microsoft.com/office/thememl/2012/main" name="Office Theme" id="{62F939B6-93AF-4DB8-9C6B-D6C7DFDC589F}" vid="{4A3C46E8-61CC-4603-A589-7422A47A8E4A}"/>
@@ -11682,7 +10531,7 @@
     </a:clrScheme>
     <a:fontScheme name="Office">
       <a:majorFont>
-        <a:latin typeface="等线 Light" panose="020F0302020204030204"/>
+        <a:latin typeface="等线 Light"/>
         <a:ea typeface=""/>
         <a:cs typeface=""/>
         <a:font script="Jpan" typeface="游ゴシック Light"/>
@@ -11715,26 +10564,9 @@
         <a:font script="Viet" typeface="Times New Roman"/>
         <a:font script="Uigh" typeface="Microsoft Uighur"/>
         <a:font script="Geor" typeface="Sylfaen"/>
-        <a:font script="Armn" typeface="Arial"/>
-        <a:font script="Bugi" typeface="Leelawadee UI"/>
-        <a:font script="Bopo" typeface="Microsoft JhengHei"/>
-        <a:font script="Java" typeface="Javanese Text"/>
-        <a:font script="Lisu" typeface="Segoe UI"/>
-        <a:font script="Mymr" typeface="Myanmar Text"/>
-        <a:font script="Nkoo" typeface="Ebrima"/>
-        <a:font script="Olck" typeface="Nirmala UI"/>
-        <a:font script="Osma" typeface="Ebrima"/>
-        <a:font script="Phag" typeface="Phagspa"/>
-        <a:font script="Syrn" typeface="Estrangelo Edessa"/>
-        <a:font script="Syrj" typeface="Estrangelo Edessa"/>
-        <a:font script="Syre" typeface="Estrangelo Edessa"/>
-        <a:font script="Sora" typeface="Nirmala UI"/>
-        <a:font script="Tale" typeface="Microsoft Tai Le"/>
-        <a:font script="Talu" typeface="Microsoft New Tai Lue"/>
-        <a:font script="Tfng" typeface="Ebrima"/>
       </a:majorFont>
       <a:minorFont>
-        <a:latin typeface="等线" panose="020F0502020204030204"/>
+        <a:latin typeface="等线"/>
         <a:ea typeface=""/>
         <a:cs typeface=""/>
         <a:font script="Jpan" typeface="游ゴシック"/>
@@ -11767,23 +10599,6 @@
         <a:font script="Viet" typeface="Arial"/>
         <a:font script="Uigh" typeface="Microsoft Uighur"/>
         <a:font script="Geor" typeface="Sylfaen"/>
-        <a:font script="Armn" typeface="Arial"/>
-        <a:font script="Bugi" typeface="Leelawadee UI"/>
-        <a:font script="Bopo" typeface="Microsoft JhengHei"/>
-        <a:font script="Java" typeface="Javanese Text"/>
-        <a:font script="Lisu" typeface="Segoe UI"/>
-        <a:font script="Mymr" typeface="Myanmar Text"/>
-        <a:font script="Nkoo" typeface="Ebrima"/>
-        <a:font script="Olck" typeface="Nirmala UI"/>
-        <a:font script="Osma" typeface="Ebrima"/>
-        <a:font script="Phag" typeface="Phagspa"/>
-        <a:font script="Syrn" typeface="Estrangelo Edessa"/>
-        <a:font script="Syrj" typeface="Estrangelo Edessa"/>
-        <a:font script="Syre" typeface="Estrangelo Edessa"/>
-        <a:font script="Sora" typeface="Nirmala UI"/>
-        <a:font script="Tale" typeface="Microsoft Tai Le"/>
-        <a:font script="Talu" typeface="Microsoft New Tai Lue"/>
-        <a:font script="Tfng" typeface="Ebrima"/>
       </a:minorFont>
     </a:fontScheme>
     <a:fmtScheme name="Office">
@@ -11924,8 +10739,6 @@
       </a:bgFillStyleLst>
     </a:fmtScheme>
   </a:themeElements>
-  <a:objectDefaults/>
-  <a:extraClrSchemeLst/>
   <a:extLst>
     <a:ext uri="{05A4C25C-085E-4340-85A3-A5531E510DB2}">
       <thm15:themeFamily xmlns:thm15="http://schemas.microsoft.com/office/thememl/2012/main" name="Office Theme" id="{62F939B6-93AF-4DB8-9C6B-D6C7DFDC589F}" vid="{4A3C46E8-61CC-4603-A589-7422A47A8E4A}"/>
